--- a/chatgpt4/Bishnoi_Movement_Presentation.pptx
+++ b/chatgpt4/Bishnoi_Movement_Presentation.pptx
@@ -2,19 +2,19 @@
 <file path=ppt/presentation.xml><?xml version="1.0" encoding="utf-8"?>
 <p:presentation xmlns:a="http://schemas.openxmlformats.org/drawingml/2006/main" xmlns:r="http://schemas.openxmlformats.org/officeDocument/2006/relationships" xmlns:p="http://schemas.openxmlformats.org/presentationml/2006/main" saveSubsetFonts="1" autoCompressPictures="0">
   <p:sldMasterIdLst>
-    <p:sldMasterId id="2147483648" r:id="rId1"/>
+    <p:sldMasterId id="2147483660" r:id="rId1"/>
   </p:sldMasterIdLst>
   <p:sldIdLst>
-    <p:sldId id="256" r:id="rId7"/>
-    <p:sldId id="257" r:id="rId8"/>
-    <p:sldId id="258" r:id="rId9"/>
-    <p:sldId id="259" r:id="rId10"/>
-    <p:sldId id="260" r:id="rId11"/>
-    <p:sldId id="261" r:id="rId12"/>
-    <p:sldId id="262" r:id="rId13"/>
-    <p:sldId id="263" r:id="rId14"/>
-    <p:sldId id="264" r:id="rId15"/>
-    <p:sldId id="265" r:id="rId16"/>
+    <p:sldId id="256" r:id="rId2"/>
+    <p:sldId id="266" r:id="rId3"/>
+    <p:sldId id="258" r:id="rId4"/>
+    <p:sldId id="259" r:id="rId5"/>
+    <p:sldId id="260" r:id="rId6"/>
+    <p:sldId id="261" r:id="rId7"/>
+    <p:sldId id="262" r:id="rId8"/>
+    <p:sldId id="263" r:id="rId9"/>
+    <p:sldId id="264" r:id="rId10"/>
+    <p:sldId id="267" r:id="rId11"/>
   </p:sldIdLst>
   <p:sldSz cx="9144000" cy="6858000" type="screen4x3"/>
   <p:notesSz cx="6858000" cy="9144000"/>
@@ -113,11 +113,27 @@
       </a:defRPr>
     </a:lvl9pPr>
   </p:defaultTextStyle>
+  <p:extLst>
+    <p:ext uri="{EFAFB233-063F-42B5-8137-9DF3F51BA10A}">
+      <p15:sldGuideLst xmlns:p15="http://schemas.microsoft.com/office/powerpoint/2012/main">
+        <p15:guide id="1" orient="horz" pos="2160">
+          <p15:clr>
+            <a:srgbClr val="A4A3A4"/>
+          </p15:clr>
+        </p15:guide>
+        <p15:guide id="2" pos="2880">
+          <p15:clr>
+            <a:srgbClr val="A4A3A4"/>
+          </p15:clr>
+        </p15:guide>
+      </p15:sldGuideLst>
+    </p:ext>
+  </p:extLst>
 </p:presentation>
 </file>
 
 <file path=ppt/slideLayouts/slideLayout1.xml><?xml version="1.0" encoding="utf-8"?>
-<p:sldLayout xmlns:a="http://schemas.openxmlformats.org/drawingml/2006/main" xmlns:r="http://schemas.openxmlformats.org/officeDocument/2006/relationships" xmlns:p="http://schemas.openxmlformats.org/presentationml/2006/main" type="title" preserve="1">
+<p:sldLayout xmlns:a="http://schemas.openxmlformats.org/drawingml/2006/main" xmlns:r="http://schemas.openxmlformats.org/officeDocument/2006/relationships" xmlns:p="http://schemas.openxmlformats.org/presentationml/2006/main" showMasterSp="0" type="title" preserve="1">
   <p:cSld name="Title Slide">
     <p:spTree>
       <p:nvGrpSpPr>
@@ -133,6 +149,143 @@
           <a:chExt cx="0" cy="0"/>
         </a:xfrm>
       </p:grpSpPr>
+      <p:grpSp>
+        <p:nvGrpSpPr>
+          <p:cNvPr id="18" name="Group 17"/>
+          <p:cNvGrpSpPr/>
+          <p:nvPr/>
+        </p:nvGrpSpPr>
+        <p:grpSpPr>
+          <a:xfrm>
+            <a:off x="0" y="0"/>
+            <a:ext cx="9144677" cy="6858000"/>
+            <a:chOff x="0" y="0"/>
+            <a:chExt cx="9144677" cy="6858000"/>
+          </a:xfrm>
+        </p:grpSpPr>
+        <p:pic>
+          <p:nvPicPr>
+            <p:cNvPr id="8" name="Picture 7" descr="SD-PanelTitle-R1.png"/>
+            <p:cNvPicPr>
+              <a:picLocks noChangeAspect="1"/>
+            </p:cNvPicPr>
+            <p:nvPr/>
+          </p:nvPicPr>
+          <p:blipFill>
+            <a:blip r:embed="rId2">
+              <a:extLst>
+                <a:ext uri="{28A0092B-C50C-407E-A947-70E740481C1C}">
+                  <a14:useLocalDpi xmlns:a14="http://schemas.microsoft.com/office/drawing/2010/main" val="0"/>
+                </a:ext>
+              </a:extLst>
+            </a:blip>
+            <a:stretch>
+              <a:fillRect/>
+            </a:stretch>
+          </p:blipFill>
+          <p:spPr>
+            <a:xfrm>
+              <a:off x="0" y="0"/>
+              <a:ext cx="9144000" cy="6858000"/>
+            </a:xfrm>
+            <a:prstGeom prst="rect">
+              <a:avLst/>
+            </a:prstGeom>
+          </p:spPr>
+        </p:pic>
+        <p:sp>
+          <p:nvSpPr>
+            <p:cNvPr id="11" name="Rectangle 10"/>
+            <p:cNvSpPr/>
+            <p:nvPr/>
+          </p:nvSpPr>
+          <p:spPr>
+            <a:xfrm>
+              <a:off x="1515532" y="1520422"/>
+              <a:ext cx="6112935" cy="3818468"/>
+            </a:xfrm>
+            <a:prstGeom prst="rect">
+              <a:avLst/>
+            </a:prstGeom>
+            <a:noFill/>
+            <a:ln w="15875" cap="flat">
+              <a:miter lim="800000"/>
+            </a:ln>
+          </p:spPr>
+          <p:style>
+            <a:lnRef idx="1">
+              <a:schemeClr val="accent1"/>
+            </a:lnRef>
+            <a:fillRef idx="3">
+              <a:schemeClr val="accent1"/>
+            </a:fillRef>
+            <a:effectRef idx="2">
+              <a:schemeClr val="accent1"/>
+            </a:effectRef>
+            <a:fontRef idx="minor">
+              <a:schemeClr val="lt1"/>
+            </a:fontRef>
+          </p:style>
+        </p:sp>
+        <p:pic>
+          <p:nvPicPr>
+            <p:cNvPr id="12" name="Picture 11" descr="HDRibbonTitle-UniformTrim.png"/>
+            <p:cNvPicPr>
+              <a:picLocks noChangeAspect="1"/>
+            </p:cNvPicPr>
+            <p:nvPr/>
+          </p:nvPicPr>
+          <p:blipFill rotWithShape="1">
+            <a:blip r:embed="rId3">
+              <a:extLst>
+                <a:ext uri="{28A0092B-C50C-407E-A947-70E740481C1C}">
+                  <a14:useLocalDpi xmlns:a14="http://schemas.microsoft.com/office/drawing/2010/main" val="0"/>
+                </a:ext>
+              </a:extLst>
+            </a:blip>
+            <a:srcRect l="-2" r="47959"/>
+            <a:stretch/>
+          </p:blipFill>
+          <p:spPr>
+            <a:xfrm>
+              <a:off x="0" y="3128434"/>
+              <a:ext cx="1664208" cy="612648"/>
+            </a:xfrm>
+            <a:prstGeom prst="rect">
+              <a:avLst/>
+            </a:prstGeom>
+          </p:spPr>
+        </p:pic>
+        <p:pic>
+          <p:nvPicPr>
+            <p:cNvPr id="13" name="Picture 12" descr="HDRibbonTitle-UniformTrim.png"/>
+            <p:cNvPicPr>
+              <a:picLocks noChangeAspect="1"/>
+            </p:cNvPicPr>
+            <p:nvPr/>
+          </p:nvPicPr>
+          <p:blipFill rotWithShape="1">
+            <a:blip r:embed="rId3">
+              <a:extLst>
+                <a:ext uri="{28A0092B-C50C-407E-A947-70E740481C1C}">
+                  <a14:useLocalDpi xmlns:a14="http://schemas.microsoft.com/office/drawing/2010/main" val="0"/>
+                </a:ext>
+              </a:extLst>
+            </a:blip>
+            <a:srcRect l="-2" r="47959"/>
+            <a:stretch/>
+          </p:blipFill>
+          <p:spPr>
+            <a:xfrm>
+              <a:off x="7480469" y="3128434"/>
+              <a:ext cx="1664208" cy="612648"/>
+            </a:xfrm>
+            <a:prstGeom prst="rect">
+              <a:avLst/>
+            </a:prstGeom>
+          </p:spPr>
+        </p:pic>
+      </p:grpSp>
       <p:sp>
         <p:nvSpPr>
           <p:cNvPr id="2" name="Title 1"/>
@@ -145,19 +298,27 @@
         </p:nvSpPr>
         <p:spPr>
           <a:xfrm>
-            <a:off x="685800" y="2130425"/>
-            <a:ext cx="7772400" cy="1470025"/>
+            <a:off x="1921934" y="1811863"/>
+            <a:ext cx="5308866" cy="1515533"/>
           </a:xfrm>
         </p:spPr>
         <p:txBody>
-          <a:bodyPr/>
-          <a:lstStyle/>
-          <a:p>
-            <a:r>
-              <a:rPr lang="en-US" smtClean="0"/>
+          <a:bodyPr anchor="b">
+            <a:noAutofit/>
+          </a:bodyPr>
+          <a:lstStyle>
+            <a:lvl1pPr algn="ctr">
+              <a:defRPr sz="4800">
+                <a:effectLst/>
+              </a:defRPr>
+            </a:lvl1pPr>
+          </a:lstStyle>
+          <a:p>
+            <a:r>
+              <a:rPr lang="en-US"/>
               <a:t>Click to edit Master title style</a:t>
             </a:r>
-            <a:endParaRPr lang="en-US"/>
+            <a:endParaRPr lang="en-US" dirty="0"/>
           </a:p>
         </p:txBody>
       </p:sp>
@@ -173,14 +334,24 @@
         </p:nvSpPr>
         <p:spPr>
           <a:xfrm>
-            <a:off x="1371600" y="3886200"/>
-            <a:ext cx="6400800" cy="1752600"/>
+            <a:off x="1921934" y="3598327"/>
+            <a:ext cx="5308866" cy="1377651"/>
           </a:xfrm>
         </p:spPr>
         <p:txBody>
-          <a:bodyPr/>
+          <a:bodyPr anchor="t">
+            <a:normAutofit/>
+          </a:bodyPr>
           <a:lstStyle>
             <a:lvl1pPr marL="0" indent="0" algn="ctr">
+              <a:buNone/>
+              <a:defRPr sz="2000">
+                <a:solidFill>
+                  <a:schemeClr val="tx1"/>
+                </a:solidFill>
+              </a:defRPr>
+            </a:lvl1pPr>
+            <a:lvl2pPr marL="457200" indent="0" algn="ctr">
               <a:buNone/>
               <a:defRPr>
                 <a:solidFill>
@@ -189,8 +360,8 @@
                   </a:schemeClr>
                 </a:solidFill>
               </a:defRPr>
-            </a:lvl1pPr>
-            <a:lvl2pPr marL="457200" indent="0" algn="ctr">
+            </a:lvl2pPr>
+            <a:lvl3pPr marL="914400" indent="0" algn="ctr">
               <a:buNone/>
               <a:defRPr>
                 <a:solidFill>
@@ -199,8 +370,8 @@
                   </a:schemeClr>
                 </a:solidFill>
               </a:defRPr>
-            </a:lvl2pPr>
-            <a:lvl3pPr marL="914400" indent="0" algn="ctr">
+            </a:lvl3pPr>
+            <a:lvl4pPr marL="1371600" indent="0" algn="ctr">
               <a:buNone/>
               <a:defRPr>
                 <a:solidFill>
@@ -209,8 +380,8 @@
                   </a:schemeClr>
                 </a:solidFill>
               </a:defRPr>
-            </a:lvl3pPr>
-            <a:lvl4pPr marL="1371600" indent="0" algn="ctr">
+            </a:lvl4pPr>
+            <a:lvl5pPr marL="1828800" indent="0" algn="ctr">
               <a:buNone/>
               <a:defRPr>
                 <a:solidFill>
@@ -219,8 +390,8 @@
                   </a:schemeClr>
                 </a:solidFill>
               </a:defRPr>
-            </a:lvl4pPr>
-            <a:lvl5pPr marL="1828800" indent="0" algn="ctr">
+            </a:lvl5pPr>
+            <a:lvl6pPr marL="2286000" indent="0" algn="ctr">
               <a:buNone/>
               <a:defRPr>
                 <a:solidFill>
@@ -229,8 +400,8 @@
                   </a:schemeClr>
                 </a:solidFill>
               </a:defRPr>
-            </a:lvl5pPr>
-            <a:lvl6pPr marL="2286000" indent="0" algn="ctr">
+            </a:lvl6pPr>
+            <a:lvl7pPr marL="2743200" indent="0" algn="ctr">
               <a:buNone/>
               <a:defRPr>
                 <a:solidFill>
@@ -239,8 +410,8 @@
                   </a:schemeClr>
                 </a:solidFill>
               </a:defRPr>
-            </a:lvl6pPr>
-            <a:lvl7pPr marL="2743200" indent="0" algn="ctr">
+            </a:lvl7pPr>
+            <a:lvl8pPr marL="3200400" indent="0" algn="ctr">
               <a:buNone/>
               <a:defRPr>
                 <a:solidFill>
@@ -249,8 +420,8 @@
                   </a:schemeClr>
                 </a:solidFill>
               </a:defRPr>
-            </a:lvl7pPr>
-            <a:lvl8pPr marL="3200400" indent="0" algn="ctr">
+            </a:lvl8pPr>
+            <a:lvl9pPr marL="3657600" indent="0" algn="ctr">
               <a:buNone/>
               <a:defRPr>
                 <a:solidFill>
@@ -259,24 +430,14 @@
                   </a:schemeClr>
                 </a:solidFill>
               </a:defRPr>
-            </a:lvl8pPr>
-            <a:lvl9pPr marL="3657600" indent="0" algn="ctr">
-              <a:buNone/>
-              <a:defRPr>
-                <a:solidFill>
-                  <a:schemeClr val="tx1">
-                    <a:tint val="75000"/>
-                  </a:schemeClr>
-                </a:solidFill>
-              </a:defRPr>
             </a:lvl9pPr>
           </a:lstStyle>
           <a:p>
             <a:r>
-              <a:rPr lang="en-US" smtClean="0"/>
+              <a:rPr lang="en-US"/>
               <a:t>Click to edit Master subtitle style</a:t>
             </a:r>
-            <a:endParaRPr lang="en-US"/>
+            <a:endParaRPr lang="en-US" dirty="0"/>
           </a:p>
         </p:txBody>
       </p:sp>
@@ -290,14 +451,19 @@
             <p:ph type="dt" sz="half" idx="10"/>
           </p:nvPr>
         </p:nvSpPr>
-        <p:spPr/>
+        <p:spPr>
+          <a:xfrm>
+            <a:off x="6065417" y="5054602"/>
+            <a:ext cx="673276" cy="279400"/>
+          </a:xfrm>
+        </p:spPr>
         <p:txBody>
           <a:bodyPr/>
           <a:lstStyle/>
           <a:p>
             <a:fld id="{5BCAD085-E8A6-8845-BD4E-CB4CCA059FC4}" type="datetimeFigureOut">
               <a:rPr lang="en-US" smtClean="0"/>
-              <a:t>1/27/13</a:t>
+              <a:t>4/7/2024</a:t>
             </a:fld>
             <a:endParaRPr lang="en-US"/>
           </a:p>
@@ -313,7 +479,12 @@
             <p:ph type="ftr" sz="quarter" idx="11"/>
           </p:nvPr>
         </p:nvSpPr>
-        <p:spPr/>
+        <p:spPr>
+          <a:xfrm>
+            <a:off x="1921934" y="5054602"/>
+            <a:ext cx="4064860" cy="279400"/>
+          </a:xfrm>
+        </p:spPr>
         <p:txBody>
           <a:bodyPr/>
           <a:lstStyle/>
@@ -332,7 +503,12 @@
             <p:ph type="sldNum" sz="quarter" idx="12"/>
           </p:nvPr>
         </p:nvSpPr>
-        <p:spPr/>
+        <p:spPr>
+          <a:xfrm>
+            <a:off x="6817317" y="5054602"/>
+            <a:ext cx="413483" cy="279400"/>
+          </a:xfrm>
+        </p:spPr>
         <p:txBody>
           <a:bodyPr/>
           <a:lstStyle/>
@@ -345,10 +521,41 @@
           </a:p>
         </p:txBody>
       </p:sp>
+      <p:cxnSp>
+        <p:nvCxnSpPr>
+          <p:cNvPr id="15" name="Straight Connector 14"/>
+          <p:cNvCxnSpPr/>
+          <p:nvPr/>
+        </p:nvCxnSpPr>
+        <p:spPr>
+          <a:xfrm>
+            <a:off x="2019825" y="3471329"/>
+            <a:ext cx="5113083" cy="0"/>
+          </a:xfrm>
+          <a:prstGeom prst="line">
+            <a:avLst/>
+          </a:prstGeom>
+          <a:ln w="15875"/>
+        </p:spPr>
+        <p:style>
+          <a:lnRef idx="2">
+            <a:schemeClr val="accent1"/>
+          </a:lnRef>
+          <a:fillRef idx="0">
+            <a:schemeClr val="accent1"/>
+          </a:fillRef>
+          <a:effectRef idx="1">
+            <a:schemeClr val="accent1"/>
+          </a:effectRef>
+          <a:fontRef idx="minor">
+            <a:schemeClr val="tx1"/>
+          </a:fontRef>
+        </p:style>
+      </p:cxnSp>
     </p:spTree>
     <p:extLst>
       <p:ext uri="{BB962C8B-B14F-4D97-AF65-F5344CB8AC3E}">
-        <p14:creationId xmlns:p14="http://schemas.microsoft.com/office/powerpoint/2010/main" val="3168075583"/>
+        <p14:creationId xmlns:p14="http://schemas.microsoft.com/office/powerpoint/2010/main" val="3362777979"/>
       </p:ext>
     </p:extLst>
   </p:cSld>
@@ -359,6 +566,2098 @@
 </file>
 
 <file path=ppt/slideLayouts/slideLayout10.xml><?xml version="1.0" encoding="utf-8"?>
+<p:sldLayout xmlns:a="http://schemas.openxmlformats.org/drawingml/2006/main" xmlns:r="http://schemas.openxmlformats.org/officeDocument/2006/relationships" xmlns:p="http://schemas.openxmlformats.org/presentationml/2006/main" preserve="1">
+  <p:cSld name="Panoramic Picture with Caption">
+    <p:spTree>
+      <p:nvGrpSpPr>
+        <p:cNvPr id="1" name=""/>
+        <p:cNvGrpSpPr/>
+        <p:nvPr/>
+      </p:nvGrpSpPr>
+      <p:grpSpPr>
+        <a:xfrm>
+          <a:off x="0" y="0"/>
+          <a:ext cx="0" cy="0"/>
+          <a:chOff x="0" y="0"/>
+          <a:chExt cx="0" cy="0"/>
+        </a:xfrm>
+      </p:grpSpPr>
+      <p:sp>
+        <p:nvSpPr>
+          <p:cNvPr id="2" name="Title 1"/>
+          <p:cNvSpPr>
+            <a:spLocks noGrp="1"/>
+          </p:cNvSpPr>
+          <p:nvPr>
+            <p:ph type="title"/>
+          </p:nvPr>
+        </p:nvSpPr>
+        <p:spPr>
+          <a:xfrm>
+            <a:off x="1176866" y="4815415"/>
+            <a:ext cx="6798734" cy="566738"/>
+          </a:xfrm>
+        </p:spPr>
+        <p:txBody>
+          <a:bodyPr anchor="b">
+            <a:normAutofit/>
+          </a:bodyPr>
+          <a:lstStyle>
+            <a:lvl1pPr algn="ctr">
+              <a:defRPr sz="2400" b="0"/>
+            </a:lvl1pPr>
+          </a:lstStyle>
+          <a:p>
+            <a:r>
+              <a:rPr lang="en-US"/>
+              <a:t>Click to edit Master title style</a:t>
+            </a:r>
+            <a:endParaRPr lang="en-US" dirty="0"/>
+          </a:p>
+        </p:txBody>
+      </p:sp>
+      <p:sp>
+        <p:nvSpPr>
+          <p:cNvPr id="3" name="Picture Placeholder 2"/>
+          <p:cNvSpPr>
+            <a:spLocks noGrp="1" noChangeAspect="1"/>
+          </p:cNvSpPr>
+          <p:nvPr>
+            <p:ph type="pic" idx="1"/>
+          </p:nvPr>
+        </p:nvSpPr>
+        <p:spPr>
+          <a:xfrm>
+            <a:off x="1026260" y="1032933"/>
+            <a:ext cx="7091482" cy="3361269"/>
+          </a:xfrm>
+          <a:prstGeom prst="roundRect">
+            <a:avLst>
+              <a:gd name="adj" fmla="val 0"/>
+            </a:avLst>
+          </a:prstGeom>
+          <a:ln w="57150" cmpd="thickThin">
+            <a:solidFill>
+              <a:schemeClr val="tx1">
+                <a:lumMod val="50000"/>
+                <a:lumOff val="50000"/>
+              </a:schemeClr>
+            </a:solidFill>
+          </a:ln>
+          <a:effectLst>
+            <a:innerShdw blurRad="57150" dist="38100" dir="14460000">
+              <a:srgbClr val="000000">
+                <a:alpha val="70000"/>
+              </a:srgbClr>
+            </a:innerShdw>
+          </a:effectLst>
+        </p:spPr>
+        <p:txBody>
+          <a:bodyPr anchor="t">
+            <a:normAutofit/>
+          </a:bodyPr>
+          <a:lstStyle>
+            <a:lvl1pPr marL="0" indent="0" algn="ctr">
+              <a:buNone/>
+              <a:defRPr sz="1600"/>
+            </a:lvl1pPr>
+            <a:lvl2pPr marL="457200" indent="0">
+              <a:buNone/>
+              <a:defRPr sz="1600"/>
+            </a:lvl2pPr>
+            <a:lvl3pPr marL="914400" indent="0">
+              <a:buNone/>
+              <a:defRPr sz="1600"/>
+            </a:lvl3pPr>
+            <a:lvl4pPr marL="1371600" indent="0">
+              <a:buNone/>
+              <a:defRPr sz="1600"/>
+            </a:lvl4pPr>
+            <a:lvl5pPr marL="1828800" indent="0">
+              <a:buNone/>
+              <a:defRPr sz="1600"/>
+            </a:lvl5pPr>
+            <a:lvl6pPr marL="2286000" indent="0">
+              <a:buNone/>
+              <a:defRPr sz="1600"/>
+            </a:lvl6pPr>
+            <a:lvl7pPr marL="2743200" indent="0">
+              <a:buNone/>
+              <a:defRPr sz="1600"/>
+            </a:lvl7pPr>
+            <a:lvl8pPr marL="3200400" indent="0">
+              <a:buNone/>
+              <a:defRPr sz="1600"/>
+            </a:lvl8pPr>
+            <a:lvl9pPr marL="3657600" indent="0">
+              <a:buNone/>
+              <a:defRPr sz="1600"/>
+            </a:lvl9pPr>
+          </a:lstStyle>
+          <a:p>
+            <a:r>
+              <a:rPr lang="en-US"/>
+              <a:t>Click icon to add picture</a:t>
+            </a:r>
+            <a:endParaRPr lang="en-US" dirty="0"/>
+          </a:p>
+        </p:txBody>
+      </p:sp>
+      <p:sp>
+        <p:nvSpPr>
+          <p:cNvPr id="4" name="Text Placeholder 3"/>
+          <p:cNvSpPr>
+            <a:spLocks noGrp="1"/>
+          </p:cNvSpPr>
+          <p:nvPr>
+            <p:ph type="body" sz="half" idx="2"/>
+          </p:nvPr>
+        </p:nvSpPr>
+        <p:spPr>
+          <a:xfrm>
+            <a:off x="1176866" y="5382153"/>
+            <a:ext cx="6798734" cy="493712"/>
+          </a:xfrm>
+        </p:spPr>
+        <p:txBody>
+          <a:bodyPr anchor="t">
+            <a:normAutofit/>
+          </a:bodyPr>
+          <a:lstStyle>
+            <a:lvl1pPr marL="0" indent="0" algn="ctr">
+              <a:buNone/>
+              <a:defRPr sz="1600"/>
+            </a:lvl1pPr>
+            <a:lvl2pPr marL="457200" indent="0">
+              <a:buNone/>
+              <a:defRPr sz="1200"/>
+            </a:lvl2pPr>
+            <a:lvl3pPr marL="914400" indent="0">
+              <a:buNone/>
+              <a:defRPr sz="1000"/>
+            </a:lvl3pPr>
+            <a:lvl4pPr marL="1371600" indent="0">
+              <a:buNone/>
+              <a:defRPr sz="900"/>
+            </a:lvl4pPr>
+            <a:lvl5pPr marL="1828800" indent="0">
+              <a:buNone/>
+              <a:defRPr sz="900"/>
+            </a:lvl5pPr>
+            <a:lvl6pPr marL="2286000" indent="0">
+              <a:buNone/>
+              <a:defRPr sz="900"/>
+            </a:lvl6pPr>
+            <a:lvl7pPr marL="2743200" indent="0">
+              <a:buNone/>
+              <a:defRPr sz="900"/>
+            </a:lvl7pPr>
+            <a:lvl8pPr marL="3200400" indent="0">
+              <a:buNone/>
+              <a:defRPr sz="900"/>
+            </a:lvl8pPr>
+            <a:lvl9pPr marL="3657600" indent="0">
+              <a:buNone/>
+              <a:defRPr sz="900"/>
+            </a:lvl9pPr>
+          </a:lstStyle>
+          <a:p>
+            <a:pPr lvl="0"/>
+            <a:r>
+              <a:rPr lang="en-US"/>
+              <a:t>Edit Master text styles</a:t>
+            </a:r>
+          </a:p>
+        </p:txBody>
+      </p:sp>
+      <p:sp>
+        <p:nvSpPr>
+          <p:cNvPr id="5" name="Date Placeholder 4"/>
+          <p:cNvSpPr>
+            <a:spLocks noGrp="1"/>
+          </p:cNvSpPr>
+          <p:nvPr>
+            <p:ph type="dt" sz="half" idx="10"/>
+          </p:nvPr>
+        </p:nvSpPr>
+        <p:spPr/>
+        <p:txBody>
+          <a:bodyPr/>
+          <a:lstStyle/>
+          <a:p>
+            <a:fld id="{5BCAD085-E8A6-8845-BD4E-CB4CCA059FC4}" type="datetimeFigureOut">
+              <a:rPr lang="en-US" smtClean="0"/>
+              <a:t>4/7/2024</a:t>
+            </a:fld>
+            <a:endParaRPr lang="en-US"/>
+          </a:p>
+        </p:txBody>
+      </p:sp>
+      <p:sp>
+        <p:nvSpPr>
+          <p:cNvPr id="6" name="Footer Placeholder 5"/>
+          <p:cNvSpPr>
+            <a:spLocks noGrp="1"/>
+          </p:cNvSpPr>
+          <p:nvPr>
+            <p:ph type="ftr" sz="quarter" idx="11"/>
+          </p:nvPr>
+        </p:nvSpPr>
+        <p:spPr/>
+        <p:txBody>
+          <a:bodyPr/>
+          <a:lstStyle/>
+          <a:p>
+            <a:endParaRPr lang="en-US"/>
+          </a:p>
+        </p:txBody>
+      </p:sp>
+      <p:sp>
+        <p:nvSpPr>
+          <p:cNvPr id="7" name="Slide Number Placeholder 6"/>
+          <p:cNvSpPr>
+            <a:spLocks noGrp="1"/>
+          </p:cNvSpPr>
+          <p:nvPr>
+            <p:ph type="sldNum" sz="quarter" idx="12"/>
+          </p:nvPr>
+        </p:nvSpPr>
+        <p:spPr/>
+        <p:txBody>
+          <a:bodyPr/>
+          <a:lstStyle/>
+          <a:p>
+            <a:fld id="{C1FF6DA9-008F-8B48-92A6-B652298478BF}" type="slidenum">
+              <a:rPr lang="en-US" smtClean="0"/>
+              <a:t>‹#›</a:t>
+            </a:fld>
+            <a:endParaRPr lang="en-US"/>
+          </a:p>
+        </p:txBody>
+      </p:sp>
+    </p:spTree>
+    <p:extLst>
+      <p:ext uri="{BB962C8B-B14F-4D97-AF65-F5344CB8AC3E}">
+        <p14:creationId xmlns:p14="http://schemas.microsoft.com/office/powerpoint/2010/main" val="2076374505"/>
+      </p:ext>
+    </p:extLst>
+  </p:cSld>
+  <p:clrMapOvr>
+    <a:masterClrMapping/>
+  </p:clrMapOvr>
+</p:sldLayout>
+</file>
+
+<file path=ppt/slideLayouts/slideLayout11.xml><?xml version="1.0" encoding="utf-8"?>
+<p:sldLayout xmlns:a="http://schemas.openxmlformats.org/drawingml/2006/main" xmlns:r="http://schemas.openxmlformats.org/officeDocument/2006/relationships" xmlns:p="http://schemas.openxmlformats.org/presentationml/2006/main" preserve="1">
+  <p:cSld name="Title and Caption">
+    <p:spTree>
+      <p:nvGrpSpPr>
+        <p:cNvPr id="1" name=""/>
+        <p:cNvGrpSpPr/>
+        <p:nvPr/>
+      </p:nvGrpSpPr>
+      <p:grpSpPr>
+        <a:xfrm>
+          <a:off x="0" y="0"/>
+          <a:ext cx="0" cy="0"/>
+          <a:chOff x="0" y="0"/>
+          <a:chExt cx="0" cy="0"/>
+        </a:xfrm>
+      </p:grpSpPr>
+      <p:sp>
+        <p:nvSpPr>
+          <p:cNvPr id="2" name="Title 1"/>
+          <p:cNvSpPr>
+            <a:spLocks noGrp="1"/>
+          </p:cNvSpPr>
+          <p:nvPr>
+            <p:ph type="title"/>
+          </p:nvPr>
+        </p:nvSpPr>
+        <p:spPr>
+          <a:xfrm>
+            <a:off x="1176866" y="906873"/>
+            <a:ext cx="6798734" cy="3097860"/>
+          </a:xfrm>
+        </p:spPr>
+        <p:txBody>
+          <a:bodyPr anchor="ctr">
+            <a:normAutofit/>
+          </a:bodyPr>
+          <a:lstStyle>
+            <a:lvl1pPr algn="ctr">
+              <a:defRPr sz="3200" b="0" cap="none"/>
+            </a:lvl1pPr>
+          </a:lstStyle>
+          <a:p>
+            <a:r>
+              <a:rPr lang="en-US"/>
+              <a:t>Click to edit Master title style</a:t>
+            </a:r>
+            <a:endParaRPr lang="en-US" dirty="0"/>
+          </a:p>
+        </p:txBody>
+      </p:sp>
+      <p:sp>
+        <p:nvSpPr>
+          <p:cNvPr id="3" name="Text Placeholder 2"/>
+          <p:cNvSpPr>
+            <a:spLocks noGrp="1"/>
+          </p:cNvSpPr>
+          <p:nvPr>
+            <p:ph type="body" idx="1"/>
+          </p:nvPr>
+        </p:nvSpPr>
+        <p:spPr>
+          <a:xfrm>
+            <a:off x="1176865" y="4275666"/>
+            <a:ext cx="6798736" cy="1600202"/>
+          </a:xfrm>
+        </p:spPr>
+        <p:txBody>
+          <a:bodyPr anchor="ctr">
+            <a:normAutofit/>
+          </a:bodyPr>
+          <a:lstStyle>
+            <a:lvl1pPr marL="0" indent="0" algn="ctr">
+              <a:buNone/>
+              <a:defRPr sz="2000">
+                <a:solidFill>
+                  <a:schemeClr val="tx1"/>
+                </a:solidFill>
+              </a:defRPr>
+            </a:lvl1pPr>
+            <a:lvl2pPr marL="457200" indent="0">
+              <a:buNone/>
+              <a:defRPr sz="1800">
+                <a:solidFill>
+                  <a:schemeClr val="tx1">
+                    <a:tint val="75000"/>
+                  </a:schemeClr>
+                </a:solidFill>
+              </a:defRPr>
+            </a:lvl2pPr>
+            <a:lvl3pPr marL="914400" indent="0">
+              <a:buNone/>
+              <a:defRPr sz="1600">
+                <a:solidFill>
+                  <a:schemeClr val="tx1">
+                    <a:tint val="75000"/>
+                  </a:schemeClr>
+                </a:solidFill>
+              </a:defRPr>
+            </a:lvl3pPr>
+            <a:lvl4pPr marL="1371600" indent="0">
+              <a:buNone/>
+              <a:defRPr sz="1400">
+                <a:solidFill>
+                  <a:schemeClr val="tx1">
+                    <a:tint val="75000"/>
+                  </a:schemeClr>
+                </a:solidFill>
+              </a:defRPr>
+            </a:lvl4pPr>
+            <a:lvl5pPr marL="1828800" indent="0">
+              <a:buNone/>
+              <a:defRPr sz="1400">
+                <a:solidFill>
+                  <a:schemeClr val="tx1">
+                    <a:tint val="75000"/>
+                  </a:schemeClr>
+                </a:solidFill>
+              </a:defRPr>
+            </a:lvl5pPr>
+            <a:lvl6pPr marL="2286000" indent="0">
+              <a:buNone/>
+              <a:defRPr sz="1400">
+                <a:solidFill>
+                  <a:schemeClr val="tx1">
+                    <a:tint val="75000"/>
+                  </a:schemeClr>
+                </a:solidFill>
+              </a:defRPr>
+            </a:lvl6pPr>
+            <a:lvl7pPr marL="2743200" indent="0">
+              <a:buNone/>
+              <a:defRPr sz="1400">
+                <a:solidFill>
+                  <a:schemeClr val="tx1">
+                    <a:tint val="75000"/>
+                  </a:schemeClr>
+                </a:solidFill>
+              </a:defRPr>
+            </a:lvl7pPr>
+            <a:lvl8pPr marL="3200400" indent="0">
+              <a:buNone/>
+              <a:defRPr sz="1400">
+                <a:solidFill>
+                  <a:schemeClr val="tx1">
+                    <a:tint val="75000"/>
+                  </a:schemeClr>
+                </a:solidFill>
+              </a:defRPr>
+            </a:lvl8pPr>
+            <a:lvl9pPr marL="3657600" indent="0">
+              <a:buNone/>
+              <a:defRPr sz="1400">
+                <a:solidFill>
+                  <a:schemeClr val="tx1">
+                    <a:tint val="75000"/>
+                  </a:schemeClr>
+                </a:solidFill>
+              </a:defRPr>
+            </a:lvl9pPr>
+          </a:lstStyle>
+          <a:p>
+            <a:pPr lvl="0"/>
+            <a:r>
+              <a:rPr lang="en-US"/>
+              <a:t>Edit Master text styles</a:t>
+            </a:r>
+          </a:p>
+        </p:txBody>
+      </p:sp>
+      <p:sp>
+        <p:nvSpPr>
+          <p:cNvPr id="4" name="Date Placeholder 3"/>
+          <p:cNvSpPr>
+            <a:spLocks noGrp="1"/>
+          </p:cNvSpPr>
+          <p:nvPr>
+            <p:ph type="dt" sz="half" idx="10"/>
+          </p:nvPr>
+        </p:nvSpPr>
+        <p:spPr/>
+        <p:txBody>
+          <a:bodyPr/>
+          <a:lstStyle/>
+          <a:p>
+            <a:fld id="{5BCAD085-E8A6-8845-BD4E-CB4CCA059FC4}" type="datetimeFigureOut">
+              <a:rPr lang="en-US" smtClean="0"/>
+              <a:t>4/7/2024</a:t>
+            </a:fld>
+            <a:endParaRPr lang="en-US"/>
+          </a:p>
+        </p:txBody>
+      </p:sp>
+      <p:sp>
+        <p:nvSpPr>
+          <p:cNvPr id="5" name="Footer Placeholder 4"/>
+          <p:cNvSpPr>
+            <a:spLocks noGrp="1"/>
+          </p:cNvSpPr>
+          <p:nvPr>
+            <p:ph type="ftr" sz="quarter" idx="11"/>
+          </p:nvPr>
+        </p:nvSpPr>
+        <p:spPr/>
+        <p:txBody>
+          <a:bodyPr/>
+          <a:lstStyle/>
+          <a:p>
+            <a:endParaRPr lang="en-US"/>
+          </a:p>
+        </p:txBody>
+      </p:sp>
+      <p:sp>
+        <p:nvSpPr>
+          <p:cNvPr id="6" name="Slide Number Placeholder 5"/>
+          <p:cNvSpPr>
+            <a:spLocks noGrp="1"/>
+          </p:cNvSpPr>
+          <p:nvPr>
+            <p:ph type="sldNum" sz="quarter" idx="12"/>
+          </p:nvPr>
+        </p:nvSpPr>
+        <p:spPr/>
+        <p:txBody>
+          <a:bodyPr/>
+          <a:lstStyle/>
+          <a:p>
+            <a:fld id="{C1FF6DA9-008F-8B48-92A6-B652298478BF}" type="slidenum">
+              <a:rPr lang="en-US" smtClean="0"/>
+              <a:t>‹#›</a:t>
+            </a:fld>
+            <a:endParaRPr lang="en-US"/>
+          </a:p>
+        </p:txBody>
+      </p:sp>
+      <p:cxnSp>
+        <p:nvCxnSpPr>
+          <p:cNvPr id="15" name="Straight Connector 14"/>
+          <p:cNvCxnSpPr/>
+          <p:nvPr/>
+        </p:nvCxnSpPr>
+        <p:spPr>
+          <a:xfrm>
+            <a:off x="1278465" y="4140199"/>
+            <a:ext cx="6606425" cy="0"/>
+          </a:xfrm>
+          <a:prstGeom prst="line">
+            <a:avLst/>
+          </a:prstGeom>
+          <a:ln w="15875"/>
+        </p:spPr>
+        <p:style>
+          <a:lnRef idx="2">
+            <a:schemeClr val="accent1"/>
+          </a:lnRef>
+          <a:fillRef idx="0">
+            <a:schemeClr val="accent1"/>
+          </a:fillRef>
+          <a:effectRef idx="1">
+            <a:schemeClr val="accent1"/>
+          </a:effectRef>
+          <a:fontRef idx="minor">
+            <a:schemeClr val="tx1"/>
+          </a:fontRef>
+        </p:style>
+      </p:cxnSp>
+    </p:spTree>
+    <p:extLst>
+      <p:ext uri="{BB962C8B-B14F-4D97-AF65-F5344CB8AC3E}">
+        <p14:creationId xmlns:p14="http://schemas.microsoft.com/office/powerpoint/2010/main" val="3586220577"/>
+      </p:ext>
+    </p:extLst>
+  </p:cSld>
+  <p:clrMapOvr>
+    <a:masterClrMapping/>
+  </p:clrMapOvr>
+</p:sldLayout>
+</file>
+
+<file path=ppt/slideLayouts/slideLayout12.xml><?xml version="1.0" encoding="utf-8"?>
+<p:sldLayout xmlns:a="http://schemas.openxmlformats.org/drawingml/2006/main" xmlns:r="http://schemas.openxmlformats.org/officeDocument/2006/relationships" xmlns:p="http://schemas.openxmlformats.org/presentationml/2006/main" preserve="1">
+  <p:cSld name="Quote with Caption">
+    <p:spTree>
+      <p:nvGrpSpPr>
+        <p:cNvPr id="1" name=""/>
+        <p:cNvGrpSpPr/>
+        <p:nvPr/>
+      </p:nvGrpSpPr>
+      <p:grpSpPr>
+        <a:xfrm>
+          <a:off x="0" y="0"/>
+          <a:ext cx="0" cy="0"/>
+          <a:chOff x="0" y="0"/>
+          <a:chExt cx="0" cy="0"/>
+        </a:xfrm>
+      </p:grpSpPr>
+      <p:sp>
+        <p:nvSpPr>
+          <p:cNvPr id="2" name="Title 1"/>
+          <p:cNvSpPr>
+            <a:spLocks noGrp="1"/>
+          </p:cNvSpPr>
+          <p:nvPr>
+            <p:ph type="title"/>
+          </p:nvPr>
+        </p:nvSpPr>
+        <p:spPr>
+          <a:xfrm>
+            <a:off x="1334333" y="982132"/>
+            <a:ext cx="6400250" cy="2370668"/>
+          </a:xfrm>
+        </p:spPr>
+        <p:txBody>
+          <a:bodyPr anchor="ctr">
+            <a:normAutofit/>
+          </a:bodyPr>
+          <a:lstStyle>
+            <a:lvl1pPr algn="ctr">
+              <a:defRPr sz="3200" b="0" cap="none">
+                <a:solidFill>
+                  <a:schemeClr val="tx1"/>
+                </a:solidFill>
+              </a:defRPr>
+            </a:lvl1pPr>
+          </a:lstStyle>
+          <a:p>
+            <a:r>
+              <a:rPr lang="en-US"/>
+              <a:t>Click to edit Master title style</a:t>
+            </a:r>
+            <a:endParaRPr lang="en-US" dirty="0"/>
+          </a:p>
+        </p:txBody>
+      </p:sp>
+      <p:sp>
+        <p:nvSpPr>
+          <p:cNvPr id="10" name="Text Placeholder 9"/>
+          <p:cNvSpPr>
+            <a:spLocks noGrp="1"/>
+          </p:cNvSpPr>
+          <p:nvPr>
+            <p:ph type="body" sz="quarter" idx="13"/>
+          </p:nvPr>
+        </p:nvSpPr>
+        <p:spPr>
+          <a:xfrm>
+            <a:off x="1600200" y="3352799"/>
+            <a:ext cx="5892798" cy="651933"/>
+          </a:xfrm>
+        </p:spPr>
+        <p:txBody>
+          <a:bodyPr anchor="ctr">
+            <a:normAutofit/>
+          </a:bodyPr>
+          <a:lstStyle>
+            <a:lvl1pPr marL="0" indent="0" algn="r">
+              <a:buFontTx/>
+              <a:buNone/>
+              <a:defRPr sz="1800"/>
+            </a:lvl1pPr>
+            <a:lvl2pPr marL="457200" indent="0">
+              <a:buFontTx/>
+              <a:buNone/>
+              <a:defRPr/>
+            </a:lvl2pPr>
+            <a:lvl3pPr marL="914400" indent="0">
+              <a:buFontTx/>
+              <a:buNone/>
+              <a:defRPr/>
+            </a:lvl3pPr>
+            <a:lvl4pPr marL="1371600" indent="0">
+              <a:buFontTx/>
+              <a:buNone/>
+              <a:defRPr/>
+            </a:lvl4pPr>
+            <a:lvl5pPr marL="1828800" indent="0">
+              <a:buFontTx/>
+              <a:buNone/>
+              <a:defRPr/>
+            </a:lvl5pPr>
+          </a:lstStyle>
+          <a:p>
+            <a:pPr lvl="0"/>
+            <a:r>
+              <a:rPr lang="en-US"/>
+              <a:t>Edit Master text styles</a:t>
+            </a:r>
+          </a:p>
+        </p:txBody>
+      </p:sp>
+      <p:sp>
+        <p:nvSpPr>
+          <p:cNvPr id="3" name="Text Placeholder 2"/>
+          <p:cNvSpPr>
+            <a:spLocks noGrp="1"/>
+          </p:cNvSpPr>
+          <p:nvPr>
+            <p:ph type="body" idx="1"/>
+          </p:nvPr>
+        </p:nvSpPr>
+        <p:spPr>
+          <a:xfrm>
+            <a:off x="1176863" y="4343400"/>
+            <a:ext cx="6798738" cy="1532467"/>
+          </a:xfrm>
+        </p:spPr>
+        <p:txBody>
+          <a:bodyPr anchor="ctr">
+            <a:normAutofit/>
+          </a:bodyPr>
+          <a:lstStyle>
+            <a:lvl1pPr marL="0" indent="0" algn="ctr">
+              <a:buNone/>
+              <a:defRPr sz="2000">
+                <a:solidFill>
+                  <a:schemeClr val="tx1"/>
+                </a:solidFill>
+              </a:defRPr>
+            </a:lvl1pPr>
+            <a:lvl2pPr marL="457200" indent="0">
+              <a:buNone/>
+              <a:defRPr sz="1800">
+                <a:solidFill>
+                  <a:schemeClr val="tx1">
+                    <a:tint val="75000"/>
+                  </a:schemeClr>
+                </a:solidFill>
+              </a:defRPr>
+            </a:lvl2pPr>
+            <a:lvl3pPr marL="914400" indent="0">
+              <a:buNone/>
+              <a:defRPr sz="1600">
+                <a:solidFill>
+                  <a:schemeClr val="tx1">
+                    <a:tint val="75000"/>
+                  </a:schemeClr>
+                </a:solidFill>
+              </a:defRPr>
+            </a:lvl3pPr>
+            <a:lvl4pPr marL="1371600" indent="0">
+              <a:buNone/>
+              <a:defRPr sz="1400">
+                <a:solidFill>
+                  <a:schemeClr val="tx1">
+                    <a:tint val="75000"/>
+                  </a:schemeClr>
+                </a:solidFill>
+              </a:defRPr>
+            </a:lvl4pPr>
+            <a:lvl5pPr marL="1828800" indent="0">
+              <a:buNone/>
+              <a:defRPr sz="1400">
+                <a:solidFill>
+                  <a:schemeClr val="tx1">
+                    <a:tint val="75000"/>
+                  </a:schemeClr>
+                </a:solidFill>
+              </a:defRPr>
+            </a:lvl5pPr>
+            <a:lvl6pPr marL="2286000" indent="0">
+              <a:buNone/>
+              <a:defRPr sz="1400">
+                <a:solidFill>
+                  <a:schemeClr val="tx1">
+                    <a:tint val="75000"/>
+                  </a:schemeClr>
+                </a:solidFill>
+              </a:defRPr>
+            </a:lvl6pPr>
+            <a:lvl7pPr marL="2743200" indent="0">
+              <a:buNone/>
+              <a:defRPr sz="1400">
+                <a:solidFill>
+                  <a:schemeClr val="tx1">
+                    <a:tint val="75000"/>
+                  </a:schemeClr>
+                </a:solidFill>
+              </a:defRPr>
+            </a:lvl7pPr>
+            <a:lvl8pPr marL="3200400" indent="0">
+              <a:buNone/>
+              <a:defRPr sz="1400">
+                <a:solidFill>
+                  <a:schemeClr val="tx1">
+                    <a:tint val="75000"/>
+                  </a:schemeClr>
+                </a:solidFill>
+              </a:defRPr>
+            </a:lvl8pPr>
+            <a:lvl9pPr marL="3657600" indent="0">
+              <a:buNone/>
+              <a:defRPr sz="1400">
+                <a:solidFill>
+                  <a:schemeClr val="tx1">
+                    <a:tint val="75000"/>
+                  </a:schemeClr>
+                </a:solidFill>
+              </a:defRPr>
+            </a:lvl9pPr>
+          </a:lstStyle>
+          <a:p>
+            <a:pPr lvl="0"/>
+            <a:r>
+              <a:rPr lang="en-US"/>
+              <a:t>Edit Master text styles</a:t>
+            </a:r>
+          </a:p>
+        </p:txBody>
+      </p:sp>
+      <p:sp>
+        <p:nvSpPr>
+          <p:cNvPr id="4" name="Date Placeholder 3"/>
+          <p:cNvSpPr>
+            <a:spLocks noGrp="1"/>
+          </p:cNvSpPr>
+          <p:nvPr>
+            <p:ph type="dt" sz="half" idx="10"/>
+          </p:nvPr>
+        </p:nvSpPr>
+        <p:spPr/>
+        <p:txBody>
+          <a:bodyPr/>
+          <a:lstStyle/>
+          <a:p>
+            <a:fld id="{5BCAD085-E8A6-8845-BD4E-CB4CCA059FC4}" type="datetimeFigureOut">
+              <a:rPr lang="en-US" smtClean="0"/>
+              <a:t>4/7/2024</a:t>
+            </a:fld>
+            <a:endParaRPr lang="en-US"/>
+          </a:p>
+        </p:txBody>
+      </p:sp>
+      <p:sp>
+        <p:nvSpPr>
+          <p:cNvPr id="5" name="Footer Placeholder 4"/>
+          <p:cNvSpPr>
+            <a:spLocks noGrp="1"/>
+          </p:cNvSpPr>
+          <p:nvPr>
+            <p:ph type="ftr" sz="quarter" idx="11"/>
+          </p:nvPr>
+        </p:nvSpPr>
+        <p:spPr/>
+        <p:txBody>
+          <a:bodyPr/>
+          <a:lstStyle/>
+          <a:p>
+            <a:endParaRPr lang="en-US"/>
+          </a:p>
+        </p:txBody>
+      </p:sp>
+      <p:sp>
+        <p:nvSpPr>
+          <p:cNvPr id="6" name="Slide Number Placeholder 5"/>
+          <p:cNvSpPr>
+            <a:spLocks noGrp="1"/>
+          </p:cNvSpPr>
+          <p:nvPr>
+            <p:ph type="sldNum" sz="quarter" idx="12"/>
+          </p:nvPr>
+        </p:nvSpPr>
+        <p:spPr/>
+        <p:txBody>
+          <a:bodyPr/>
+          <a:lstStyle/>
+          <a:p>
+            <a:fld id="{C1FF6DA9-008F-8B48-92A6-B652298478BF}" type="slidenum">
+              <a:rPr lang="en-US" smtClean="0"/>
+              <a:t>‹#›</a:t>
+            </a:fld>
+            <a:endParaRPr lang="en-US"/>
+          </a:p>
+        </p:txBody>
+      </p:sp>
+      <p:sp>
+        <p:nvSpPr>
+          <p:cNvPr id="14" name="TextBox 13"/>
+          <p:cNvSpPr txBox="1"/>
+          <p:nvPr/>
+        </p:nvSpPr>
+        <p:spPr>
+          <a:xfrm>
+            <a:off x="849969" y="905362"/>
+            <a:ext cx="457319" cy="584776"/>
+          </a:xfrm>
+          <a:prstGeom prst="rect">
+            <a:avLst/>
+          </a:prstGeom>
+        </p:spPr>
+        <p:txBody>
+          <a:bodyPr vert="horz" lIns="91440" tIns="45720" rIns="91440" bIns="45720" rtlCol="0" anchor="ctr">
+            <a:noAutofit/>
+          </a:bodyPr>
+          <a:lstStyle/>
+          <a:p>
+            <a:pPr lvl="0"/>
+            <a:r>
+              <a:rPr lang="en-US" sz="7200" dirty="0">
+                <a:solidFill>
+                  <a:schemeClr val="tx1"/>
+                </a:solidFill>
+                <a:effectLst/>
+              </a:rPr>
+              <a:t>“</a:t>
+            </a:r>
+          </a:p>
+        </p:txBody>
+      </p:sp>
+      <p:sp>
+        <p:nvSpPr>
+          <p:cNvPr id="15" name="TextBox 14"/>
+          <p:cNvSpPr txBox="1"/>
+          <p:nvPr/>
+        </p:nvSpPr>
+        <p:spPr>
+          <a:xfrm>
+            <a:off x="7633503" y="2827870"/>
+            <a:ext cx="457319" cy="584776"/>
+          </a:xfrm>
+          <a:prstGeom prst="rect">
+            <a:avLst/>
+          </a:prstGeom>
+        </p:spPr>
+        <p:txBody>
+          <a:bodyPr vert="horz" lIns="91440" tIns="45720" rIns="91440" bIns="45720" rtlCol="0" anchor="ctr">
+            <a:noAutofit/>
+          </a:bodyPr>
+          <a:lstStyle/>
+          <a:p>
+            <a:pPr lvl="0" algn="r"/>
+            <a:r>
+              <a:rPr lang="en-US" sz="7200" dirty="0">
+                <a:solidFill>
+                  <a:schemeClr val="tx1"/>
+                </a:solidFill>
+                <a:effectLst/>
+              </a:rPr>
+              <a:t>”</a:t>
+            </a:r>
+          </a:p>
+        </p:txBody>
+      </p:sp>
+      <p:cxnSp>
+        <p:nvCxnSpPr>
+          <p:cNvPr id="19" name="Straight Connector 18"/>
+          <p:cNvCxnSpPr/>
+          <p:nvPr/>
+        </p:nvCxnSpPr>
+        <p:spPr>
+          <a:xfrm>
+            <a:off x="1278466" y="4140199"/>
+            <a:ext cx="6595534" cy="0"/>
+          </a:xfrm>
+          <a:prstGeom prst="line">
+            <a:avLst/>
+          </a:prstGeom>
+          <a:ln w="15875"/>
+        </p:spPr>
+        <p:style>
+          <a:lnRef idx="2">
+            <a:schemeClr val="accent1"/>
+          </a:lnRef>
+          <a:fillRef idx="0">
+            <a:schemeClr val="accent1"/>
+          </a:fillRef>
+          <a:effectRef idx="1">
+            <a:schemeClr val="accent1"/>
+          </a:effectRef>
+          <a:fontRef idx="minor">
+            <a:schemeClr val="tx1"/>
+          </a:fontRef>
+        </p:style>
+      </p:cxnSp>
+    </p:spTree>
+    <p:extLst>
+      <p:ext uri="{BB962C8B-B14F-4D97-AF65-F5344CB8AC3E}">
+        <p14:creationId xmlns:p14="http://schemas.microsoft.com/office/powerpoint/2010/main" val="1758761279"/>
+      </p:ext>
+    </p:extLst>
+  </p:cSld>
+  <p:clrMapOvr>
+    <a:masterClrMapping/>
+  </p:clrMapOvr>
+</p:sldLayout>
+</file>
+
+<file path=ppt/slideLayouts/slideLayout13.xml><?xml version="1.0" encoding="utf-8"?>
+<p:sldLayout xmlns:a="http://schemas.openxmlformats.org/drawingml/2006/main" xmlns:r="http://schemas.openxmlformats.org/officeDocument/2006/relationships" xmlns:p="http://schemas.openxmlformats.org/presentationml/2006/main" preserve="1">
+  <p:cSld name="Name Card">
+    <p:spTree>
+      <p:nvGrpSpPr>
+        <p:cNvPr id="1" name=""/>
+        <p:cNvGrpSpPr/>
+        <p:nvPr/>
+      </p:nvGrpSpPr>
+      <p:grpSpPr>
+        <a:xfrm>
+          <a:off x="0" y="0"/>
+          <a:ext cx="0" cy="0"/>
+          <a:chOff x="0" y="0"/>
+          <a:chExt cx="0" cy="0"/>
+        </a:xfrm>
+      </p:grpSpPr>
+      <p:sp>
+        <p:nvSpPr>
+          <p:cNvPr id="2" name="Title 1"/>
+          <p:cNvSpPr>
+            <a:spLocks noGrp="1"/>
+          </p:cNvSpPr>
+          <p:nvPr>
+            <p:ph type="title"/>
+          </p:nvPr>
+        </p:nvSpPr>
+        <p:spPr>
+          <a:xfrm>
+            <a:off x="1176869" y="3308581"/>
+            <a:ext cx="6798728" cy="1468800"/>
+          </a:xfrm>
+        </p:spPr>
+        <p:txBody>
+          <a:bodyPr anchor="b">
+            <a:normAutofit/>
+          </a:bodyPr>
+          <a:lstStyle>
+            <a:lvl1pPr algn="l">
+              <a:defRPr sz="3200" b="0" cap="none"/>
+            </a:lvl1pPr>
+          </a:lstStyle>
+          <a:p>
+            <a:r>
+              <a:rPr lang="en-US"/>
+              <a:t>Click to edit Master title style</a:t>
+            </a:r>
+            <a:endParaRPr lang="en-US" dirty="0"/>
+          </a:p>
+        </p:txBody>
+      </p:sp>
+      <p:sp>
+        <p:nvSpPr>
+          <p:cNvPr id="3" name="Text Placeholder 2"/>
+          <p:cNvSpPr>
+            <a:spLocks noGrp="1"/>
+          </p:cNvSpPr>
+          <p:nvPr>
+            <p:ph type="body" idx="1"/>
+          </p:nvPr>
+        </p:nvSpPr>
+        <p:spPr>
+          <a:xfrm>
+            <a:off x="1176868" y="4777381"/>
+            <a:ext cx="6798730" cy="860400"/>
+          </a:xfrm>
+        </p:spPr>
+        <p:txBody>
+          <a:bodyPr anchor="t">
+            <a:normAutofit/>
+          </a:bodyPr>
+          <a:lstStyle>
+            <a:lvl1pPr marL="0" indent="0" algn="l">
+              <a:buNone/>
+              <a:defRPr sz="1800">
+                <a:solidFill>
+                  <a:schemeClr val="tx1"/>
+                </a:solidFill>
+              </a:defRPr>
+            </a:lvl1pPr>
+            <a:lvl2pPr marL="457200" indent="0">
+              <a:buNone/>
+              <a:defRPr sz="1800">
+                <a:solidFill>
+                  <a:schemeClr val="tx1">
+                    <a:tint val="75000"/>
+                  </a:schemeClr>
+                </a:solidFill>
+              </a:defRPr>
+            </a:lvl2pPr>
+            <a:lvl3pPr marL="914400" indent="0">
+              <a:buNone/>
+              <a:defRPr sz="1600">
+                <a:solidFill>
+                  <a:schemeClr val="tx1">
+                    <a:tint val="75000"/>
+                  </a:schemeClr>
+                </a:solidFill>
+              </a:defRPr>
+            </a:lvl3pPr>
+            <a:lvl4pPr marL="1371600" indent="0">
+              <a:buNone/>
+              <a:defRPr sz="1400">
+                <a:solidFill>
+                  <a:schemeClr val="tx1">
+                    <a:tint val="75000"/>
+                  </a:schemeClr>
+                </a:solidFill>
+              </a:defRPr>
+            </a:lvl4pPr>
+            <a:lvl5pPr marL="1828800" indent="0">
+              <a:buNone/>
+              <a:defRPr sz="1400">
+                <a:solidFill>
+                  <a:schemeClr val="tx1">
+                    <a:tint val="75000"/>
+                  </a:schemeClr>
+                </a:solidFill>
+              </a:defRPr>
+            </a:lvl5pPr>
+            <a:lvl6pPr marL="2286000" indent="0">
+              <a:buNone/>
+              <a:defRPr sz="1400">
+                <a:solidFill>
+                  <a:schemeClr val="tx1">
+                    <a:tint val="75000"/>
+                  </a:schemeClr>
+                </a:solidFill>
+              </a:defRPr>
+            </a:lvl6pPr>
+            <a:lvl7pPr marL="2743200" indent="0">
+              <a:buNone/>
+              <a:defRPr sz="1400">
+                <a:solidFill>
+                  <a:schemeClr val="tx1">
+                    <a:tint val="75000"/>
+                  </a:schemeClr>
+                </a:solidFill>
+              </a:defRPr>
+            </a:lvl7pPr>
+            <a:lvl8pPr marL="3200400" indent="0">
+              <a:buNone/>
+              <a:defRPr sz="1400">
+                <a:solidFill>
+                  <a:schemeClr val="tx1">
+                    <a:tint val="75000"/>
+                  </a:schemeClr>
+                </a:solidFill>
+              </a:defRPr>
+            </a:lvl8pPr>
+            <a:lvl9pPr marL="3657600" indent="0">
+              <a:buNone/>
+              <a:defRPr sz="1400">
+                <a:solidFill>
+                  <a:schemeClr val="tx1">
+                    <a:tint val="75000"/>
+                  </a:schemeClr>
+                </a:solidFill>
+              </a:defRPr>
+            </a:lvl9pPr>
+          </a:lstStyle>
+          <a:p>
+            <a:pPr lvl="0"/>
+            <a:r>
+              <a:rPr lang="en-US"/>
+              <a:t>Edit Master text styles</a:t>
+            </a:r>
+          </a:p>
+        </p:txBody>
+      </p:sp>
+      <p:sp>
+        <p:nvSpPr>
+          <p:cNvPr id="4" name="Date Placeholder 3"/>
+          <p:cNvSpPr>
+            <a:spLocks noGrp="1"/>
+          </p:cNvSpPr>
+          <p:nvPr>
+            <p:ph type="dt" sz="half" idx="10"/>
+          </p:nvPr>
+        </p:nvSpPr>
+        <p:spPr/>
+        <p:txBody>
+          <a:bodyPr/>
+          <a:lstStyle/>
+          <a:p>
+            <a:fld id="{5BCAD085-E8A6-8845-BD4E-CB4CCA059FC4}" type="datetimeFigureOut">
+              <a:rPr lang="en-US" smtClean="0"/>
+              <a:t>4/7/2024</a:t>
+            </a:fld>
+            <a:endParaRPr lang="en-US"/>
+          </a:p>
+        </p:txBody>
+      </p:sp>
+      <p:sp>
+        <p:nvSpPr>
+          <p:cNvPr id="5" name="Footer Placeholder 4"/>
+          <p:cNvSpPr>
+            <a:spLocks noGrp="1"/>
+          </p:cNvSpPr>
+          <p:nvPr>
+            <p:ph type="ftr" sz="quarter" idx="11"/>
+          </p:nvPr>
+        </p:nvSpPr>
+        <p:spPr/>
+        <p:txBody>
+          <a:bodyPr/>
+          <a:lstStyle/>
+          <a:p>
+            <a:endParaRPr lang="en-US"/>
+          </a:p>
+        </p:txBody>
+      </p:sp>
+      <p:sp>
+        <p:nvSpPr>
+          <p:cNvPr id="6" name="Slide Number Placeholder 5"/>
+          <p:cNvSpPr>
+            <a:spLocks noGrp="1"/>
+          </p:cNvSpPr>
+          <p:nvPr>
+            <p:ph type="sldNum" sz="quarter" idx="12"/>
+          </p:nvPr>
+        </p:nvSpPr>
+        <p:spPr/>
+        <p:txBody>
+          <a:bodyPr/>
+          <a:lstStyle/>
+          <a:p>
+            <a:fld id="{C1FF6DA9-008F-8B48-92A6-B652298478BF}" type="slidenum">
+              <a:rPr lang="en-US" smtClean="0"/>
+              <a:t>‹#›</a:t>
+            </a:fld>
+            <a:endParaRPr lang="en-US"/>
+          </a:p>
+        </p:txBody>
+      </p:sp>
+    </p:spTree>
+    <p:extLst>
+      <p:ext uri="{BB962C8B-B14F-4D97-AF65-F5344CB8AC3E}">
+        <p14:creationId xmlns:p14="http://schemas.microsoft.com/office/powerpoint/2010/main" val="615609497"/>
+      </p:ext>
+    </p:extLst>
+  </p:cSld>
+  <p:clrMapOvr>
+    <a:masterClrMapping/>
+  </p:clrMapOvr>
+</p:sldLayout>
+</file>
+
+<file path=ppt/slideLayouts/slideLayout14.xml><?xml version="1.0" encoding="utf-8"?>
+<p:sldLayout xmlns:a="http://schemas.openxmlformats.org/drawingml/2006/main" xmlns:r="http://schemas.openxmlformats.org/officeDocument/2006/relationships" xmlns:p="http://schemas.openxmlformats.org/presentationml/2006/main" preserve="1">
+  <p:cSld name="Quote Name Card">
+    <p:spTree>
+      <p:nvGrpSpPr>
+        <p:cNvPr id="1" name=""/>
+        <p:cNvGrpSpPr/>
+        <p:nvPr/>
+      </p:nvGrpSpPr>
+      <p:grpSpPr>
+        <a:xfrm>
+          <a:off x="0" y="0"/>
+          <a:ext cx="0" cy="0"/>
+          <a:chOff x="0" y="0"/>
+          <a:chExt cx="0" cy="0"/>
+        </a:xfrm>
+      </p:grpSpPr>
+      <p:sp>
+        <p:nvSpPr>
+          <p:cNvPr id="2" name="Title 1"/>
+          <p:cNvSpPr>
+            <a:spLocks noGrp="1"/>
+          </p:cNvSpPr>
+          <p:nvPr>
+            <p:ph type="title"/>
+          </p:nvPr>
+        </p:nvSpPr>
+        <p:spPr>
+          <a:xfrm>
+            <a:off x="1409416" y="982132"/>
+            <a:ext cx="6325168" cy="2243668"/>
+          </a:xfrm>
+        </p:spPr>
+        <p:txBody>
+          <a:bodyPr anchor="ctr">
+            <a:normAutofit/>
+          </a:bodyPr>
+          <a:lstStyle>
+            <a:lvl1pPr algn="ctr">
+              <a:defRPr sz="3200" b="0" cap="none">
+                <a:solidFill>
+                  <a:schemeClr val="tx1"/>
+                </a:solidFill>
+              </a:defRPr>
+            </a:lvl1pPr>
+          </a:lstStyle>
+          <a:p>
+            <a:r>
+              <a:rPr lang="en-US"/>
+              <a:t>Click to edit Master title style</a:t>
+            </a:r>
+            <a:endParaRPr lang="en-US" dirty="0"/>
+          </a:p>
+        </p:txBody>
+      </p:sp>
+      <p:sp>
+        <p:nvSpPr>
+          <p:cNvPr id="18" name="Text Placeholder 2"/>
+          <p:cNvSpPr>
+            <a:spLocks noGrp="1"/>
+          </p:cNvSpPr>
+          <p:nvPr>
+            <p:ph type="body" idx="13"/>
+          </p:nvPr>
+        </p:nvSpPr>
+        <p:spPr>
+          <a:xfrm>
+            <a:off x="1176868" y="3639312"/>
+            <a:ext cx="6798730" cy="886968"/>
+          </a:xfrm>
+        </p:spPr>
+        <p:txBody>
+          <a:bodyPr anchor="b">
+            <a:normAutofit/>
+          </a:bodyPr>
+          <a:lstStyle>
+            <a:lvl1pPr marL="0" indent="0" algn="l">
+              <a:spcBef>
+                <a:spcPts val="0"/>
+              </a:spcBef>
+              <a:buNone/>
+              <a:defRPr sz="2000">
+                <a:solidFill>
+                  <a:schemeClr val="tx1"/>
+                </a:solidFill>
+              </a:defRPr>
+            </a:lvl1pPr>
+            <a:lvl2pPr marL="457200" indent="0">
+              <a:buNone/>
+              <a:defRPr sz="1800">
+                <a:solidFill>
+                  <a:schemeClr val="tx1">
+                    <a:tint val="75000"/>
+                  </a:schemeClr>
+                </a:solidFill>
+              </a:defRPr>
+            </a:lvl2pPr>
+            <a:lvl3pPr marL="914400" indent="0">
+              <a:buNone/>
+              <a:defRPr sz="1600">
+                <a:solidFill>
+                  <a:schemeClr val="tx1">
+                    <a:tint val="75000"/>
+                  </a:schemeClr>
+                </a:solidFill>
+              </a:defRPr>
+            </a:lvl3pPr>
+            <a:lvl4pPr marL="1371600" indent="0">
+              <a:buNone/>
+              <a:defRPr sz="1400">
+                <a:solidFill>
+                  <a:schemeClr val="tx1">
+                    <a:tint val="75000"/>
+                  </a:schemeClr>
+                </a:solidFill>
+              </a:defRPr>
+            </a:lvl4pPr>
+            <a:lvl5pPr marL="1828800" indent="0">
+              <a:buNone/>
+              <a:defRPr sz="1400">
+                <a:solidFill>
+                  <a:schemeClr val="tx1">
+                    <a:tint val="75000"/>
+                  </a:schemeClr>
+                </a:solidFill>
+              </a:defRPr>
+            </a:lvl5pPr>
+            <a:lvl6pPr marL="2286000" indent="0">
+              <a:buNone/>
+              <a:defRPr sz="1400">
+                <a:solidFill>
+                  <a:schemeClr val="tx1">
+                    <a:tint val="75000"/>
+                  </a:schemeClr>
+                </a:solidFill>
+              </a:defRPr>
+            </a:lvl6pPr>
+            <a:lvl7pPr marL="2743200" indent="0">
+              <a:buNone/>
+              <a:defRPr sz="1400">
+                <a:solidFill>
+                  <a:schemeClr val="tx1">
+                    <a:tint val="75000"/>
+                  </a:schemeClr>
+                </a:solidFill>
+              </a:defRPr>
+            </a:lvl7pPr>
+            <a:lvl8pPr marL="3200400" indent="0">
+              <a:buNone/>
+              <a:defRPr sz="1400">
+                <a:solidFill>
+                  <a:schemeClr val="tx1">
+                    <a:tint val="75000"/>
+                  </a:schemeClr>
+                </a:solidFill>
+              </a:defRPr>
+            </a:lvl8pPr>
+            <a:lvl9pPr marL="3657600" indent="0">
+              <a:buNone/>
+              <a:defRPr sz="1400">
+                <a:solidFill>
+                  <a:schemeClr val="tx1">
+                    <a:tint val="75000"/>
+                  </a:schemeClr>
+                </a:solidFill>
+              </a:defRPr>
+            </a:lvl9pPr>
+          </a:lstStyle>
+          <a:p>
+            <a:pPr lvl="0"/>
+            <a:r>
+              <a:rPr lang="en-US"/>
+              <a:t>Edit Master text styles</a:t>
+            </a:r>
+          </a:p>
+        </p:txBody>
+      </p:sp>
+      <p:sp>
+        <p:nvSpPr>
+          <p:cNvPr id="3" name="Text Placeholder 2"/>
+          <p:cNvSpPr>
+            <a:spLocks noGrp="1"/>
+          </p:cNvSpPr>
+          <p:nvPr>
+            <p:ph type="body" idx="1"/>
+          </p:nvPr>
+        </p:nvSpPr>
+        <p:spPr>
+          <a:xfrm>
+            <a:off x="1176865" y="4529667"/>
+            <a:ext cx="6798736" cy="1346200"/>
+          </a:xfrm>
+        </p:spPr>
+        <p:txBody>
+          <a:bodyPr anchor="t">
+            <a:normAutofit/>
+          </a:bodyPr>
+          <a:lstStyle>
+            <a:lvl1pPr marL="0" indent="0" algn="l">
+              <a:buNone/>
+              <a:defRPr sz="1600">
+                <a:solidFill>
+                  <a:schemeClr val="tx1"/>
+                </a:solidFill>
+              </a:defRPr>
+            </a:lvl1pPr>
+            <a:lvl2pPr marL="457200" indent="0">
+              <a:buNone/>
+              <a:defRPr sz="1600">
+                <a:solidFill>
+                  <a:schemeClr val="tx1">
+                    <a:tint val="75000"/>
+                  </a:schemeClr>
+                </a:solidFill>
+              </a:defRPr>
+            </a:lvl2pPr>
+            <a:lvl3pPr marL="914400" indent="0">
+              <a:buNone/>
+              <a:defRPr sz="1600">
+                <a:solidFill>
+                  <a:schemeClr val="tx1">
+                    <a:tint val="75000"/>
+                  </a:schemeClr>
+                </a:solidFill>
+              </a:defRPr>
+            </a:lvl3pPr>
+            <a:lvl4pPr marL="1371600" indent="0">
+              <a:buNone/>
+              <a:defRPr sz="1400">
+                <a:solidFill>
+                  <a:schemeClr val="tx1">
+                    <a:tint val="75000"/>
+                  </a:schemeClr>
+                </a:solidFill>
+              </a:defRPr>
+            </a:lvl4pPr>
+            <a:lvl5pPr marL="1828800" indent="0">
+              <a:buNone/>
+              <a:defRPr sz="1400">
+                <a:solidFill>
+                  <a:schemeClr val="tx1">
+                    <a:tint val="75000"/>
+                  </a:schemeClr>
+                </a:solidFill>
+              </a:defRPr>
+            </a:lvl5pPr>
+            <a:lvl6pPr marL="2286000" indent="0">
+              <a:buNone/>
+              <a:defRPr sz="1400">
+                <a:solidFill>
+                  <a:schemeClr val="tx1">
+                    <a:tint val="75000"/>
+                  </a:schemeClr>
+                </a:solidFill>
+              </a:defRPr>
+            </a:lvl6pPr>
+            <a:lvl7pPr marL="2743200" indent="0">
+              <a:buNone/>
+              <a:defRPr sz="1400">
+                <a:solidFill>
+                  <a:schemeClr val="tx1">
+                    <a:tint val="75000"/>
+                  </a:schemeClr>
+                </a:solidFill>
+              </a:defRPr>
+            </a:lvl7pPr>
+            <a:lvl8pPr marL="3200400" indent="0">
+              <a:buNone/>
+              <a:defRPr sz="1400">
+                <a:solidFill>
+                  <a:schemeClr val="tx1">
+                    <a:tint val="75000"/>
+                  </a:schemeClr>
+                </a:solidFill>
+              </a:defRPr>
+            </a:lvl8pPr>
+            <a:lvl9pPr marL="3657600" indent="0">
+              <a:buNone/>
+              <a:defRPr sz="1400">
+                <a:solidFill>
+                  <a:schemeClr val="tx1">
+                    <a:tint val="75000"/>
+                  </a:schemeClr>
+                </a:solidFill>
+              </a:defRPr>
+            </a:lvl9pPr>
+          </a:lstStyle>
+          <a:p>
+            <a:pPr lvl="0"/>
+            <a:r>
+              <a:rPr lang="en-US"/>
+              <a:t>Edit Master text styles</a:t>
+            </a:r>
+          </a:p>
+        </p:txBody>
+      </p:sp>
+      <p:sp>
+        <p:nvSpPr>
+          <p:cNvPr id="4" name="Date Placeholder 3"/>
+          <p:cNvSpPr>
+            <a:spLocks noGrp="1"/>
+          </p:cNvSpPr>
+          <p:nvPr>
+            <p:ph type="dt" sz="half" idx="10"/>
+          </p:nvPr>
+        </p:nvSpPr>
+        <p:spPr/>
+        <p:txBody>
+          <a:bodyPr/>
+          <a:lstStyle/>
+          <a:p>
+            <a:fld id="{5BCAD085-E8A6-8845-BD4E-CB4CCA059FC4}" type="datetimeFigureOut">
+              <a:rPr lang="en-US" smtClean="0"/>
+              <a:t>4/7/2024</a:t>
+            </a:fld>
+            <a:endParaRPr lang="en-US"/>
+          </a:p>
+        </p:txBody>
+      </p:sp>
+      <p:sp>
+        <p:nvSpPr>
+          <p:cNvPr id="5" name="Footer Placeholder 4"/>
+          <p:cNvSpPr>
+            <a:spLocks noGrp="1"/>
+          </p:cNvSpPr>
+          <p:nvPr>
+            <p:ph type="ftr" sz="quarter" idx="11"/>
+          </p:nvPr>
+        </p:nvSpPr>
+        <p:spPr/>
+        <p:txBody>
+          <a:bodyPr/>
+          <a:lstStyle/>
+          <a:p>
+            <a:endParaRPr lang="en-US"/>
+          </a:p>
+        </p:txBody>
+      </p:sp>
+      <p:sp>
+        <p:nvSpPr>
+          <p:cNvPr id="6" name="Slide Number Placeholder 5"/>
+          <p:cNvSpPr>
+            <a:spLocks noGrp="1"/>
+          </p:cNvSpPr>
+          <p:nvPr>
+            <p:ph type="sldNum" sz="quarter" idx="12"/>
+          </p:nvPr>
+        </p:nvSpPr>
+        <p:spPr/>
+        <p:txBody>
+          <a:bodyPr/>
+          <a:lstStyle/>
+          <a:p>
+            <a:fld id="{C1FF6DA9-008F-8B48-92A6-B652298478BF}" type="slidenum">
+              <a:rPr lang="en-US" smtClean="0"/>
+              <a:t>‹#›</a:t>
+            </a:fld>
+            <a:endParaRPr lang="en-US"/>
+          </a:p>
+        </p:txBody>
+      </p:sp>
+      <p:sp>
+        <p:nvSpPr>
+          <p:cNvPr id="12" name="TextBox 11"/>
+          <p:cNvSpPr txBox="1"/>
+          <p:nvPr/>
+        </p:nvSpPr>
+        <p:spPr>
+          <a:xfrm>
+            <a:off x="878060" y="896895"/>
+            <a:ext cx="457319" cy="584776"/>
+          </a:xfrm>
+          <a:prstGeom prst="rect">
+            <a:avLst/>
+          </a:prstGeom>
+        </p:spPr>
+        <p:txBody>
+          <a:bodyPr vert="horz" lIns="91440" tIns="45720" rIns="91440" bIns="45720" rtlCol="0" anchor="ctr">
+            <a:noAutofit/>
+          </a:bodyPr>
+          <a:lstStyle/>
+          <a:p>
+            <a:pPr lvl="0"/>
+            <a:r>
+              <a:rPr lang="en-US" sz="8000" dirty="0">
+                <a:solidFill>
+                  <a:schemeClr val="tx1"/>
+                </a:solidFill>
+                <a:effectLst/>
+              </a:rPr>
+              <a:t>“</a:t>
+            </a:r>
+          </a:p>
+        </p:txBody>
+      </p:sp>
+      <p:sp>
+        <p:nvSpPr>
+          <p:cNvPr id="13" name="TextBox 12"/>
+          <p:cNvSpPr txBox="1"/>
+          <p:nvPr/>
+        </p:nvSpPr>
+        <p:spPr>
+          <a:xfrm>
+            <a:off x="7649796" y="2607728"/>
+            <a:ext cx="457319" cy="584776"/>
+          </a:xfrm>
+          <a:prstGeom prst="rect">
+            <a:avLst/>
+          </a:prstGeom>
+        </p:spPr>
+        <p:txBody>
+          <a:bodyPr vert="horz" lIns="91440" tIns="45720" rIns="91440" bIns="45720" rtlCol="0" anchor="ctr">
+            <a:noAutofit/>
+          </a:bodyPr>
+          <a:lstStyle/>
+          <a:p>
+            <a:pPr lvl="0" algn="r"/>
+            <a:r>
+              <a:rPr lang="en-US" sz="8000" dirty="0">
+                <a:solidFill>
+                  <a:schemeClr val="tx1"/>
+                </a:solidFill>
+                <a:effectLst/>
+              </a:rPr>
+              <a:t>”</a:t>
+            </a:r>
+          </a:p>
+        </p:txBody>
+      </p:sp>
+      <p:cxnSp>
+        <p:nvCxnSpPr>
+          <p:cNvPr id="26" name="Straight Connector 25"/>
+          <p:cNvCxnSpPr/>
+          <p:nvPr/>
+        </p:nvCxnSpPr>
+        <p:spPr>
+          <a:xfrm>
+            <a:off x="1278466" y="3429000"/>
+            <a:ext cx="6595534" cy="0"/>
+          </a:xfrm>
+          <a:prstGeom prst="line">
+            <a:avLst/>
+          </a:prstGeom>
+          <a:ln w="15875"/>
+        </p:spPr>
+        <p:style>
+          <a:lnRef idx="2">
+            <a:schemeClr val="accent1"/>
+          </a:lnRef>
+          <a:fillRef idx="0">
+            <a:schemeClr val="accent1"/>
+          </a:fillRef>
+          <a:effectRef idx="1">
+            <a:schemeClr val="accent1"/>
+          </a:effectRef>
+          <a:fontRef idx="minor">
+            <a:schemeClr val="tx1"/>
+          </a:fontRef>
+        </p:style>
+      </p:cxnSp>
+    </p:spTree>
+    <p:extLst>
+      <p:ext uri="{BB962C8B-B14F-4D97-AF65-F5344CB8AC3E}">
+        <p14:creationId xmlns:p14="http://schemas.microsoft.com/office/powerpoint/2010/main" val="1876739101"/>
+      </p:ext>
+    </p:extLst>
+  </p:cSld>
+  <p:clrMapOvr>
+    <a:masterClrMapping/>
+  </p:clrMapOvr>
+</p:sldLayout>
+</file>
+
+<file path=ppt/slideLayouts/slideLayout15.xml><?xml version="1.0" encoding="utf-8"?>
+<p:sldLayout xmlns:a="http://schemas.openxmlformats.org/drawingml/2006/main" xmlns:r="http://schemas.openxmlformats.org/officeDocument/2006/relationships" xmlns:p="http://schemas.openxmlformats.org/presentationml/2006/main" preserve="1">
+  <p:cSld name="True or False">
+    <p:spTree>
+      <p:nvGrpSpPr>
+        <p:cNvPr id="1" name=""/>
+        <p:cNvGrpSpPr/>
+        <p:nvPr/>
+      </p:nvGrpSpPr>
+      <p:grpSpPr>
+        <a:xfrm>
+          <a:off x="0" y="0"/>
+          <a:ext cx="0" cy="0"/>
+          <a:chOff x="0" y="0"/>
+          <a:chExt cx="0" cy="0"/>
+        </a:xfrm>
+      </p:grpSpPr>
+      <p:sp>
+        <p:nvSpPr>
+          <p:cNvPr id="2" name="Title 1"/>
+          <p:cNvSpPr>
+            <a:spLocks noGrp="1"/>
+          </p:cNvSpPr>
+          <p:nvPr>
+            <p:ph type="title"/>
+          </p:nvPr>
+        </p:nvSpPr>
+        <p:spPr>
+          <a:xfrm>
+            <a:off x="1176865" y="982131"/>
+            <a:ext cx="6798734" cy="2294467"/>
+          </a:xfrm>
+        </p:spPr>
+        <p:txBody>
+          <a:bodyPr vert="horz" lIns="91440" tIns="45720" rIns="91440" bIns="45720" rtlCol="0" anchor="ctr">
+            <a:normAutofit/>
+          </a:bodyPr>
+          <a:lstStyle>
+            <a:lvl1pPr>
+              <a:defRPr lang="en-US" sz="3200" b="0" dirty="0"/>
+            </a:lvl1pPr>
+          </a:lstStyle>
+          <a:p>
+            <a:pPr marL="0" lvl="0"/>
+            <a:r>
+              <a:rPr lang="en-US"/>
+              <a:t>Click to edit Master title style</a:t>
+            </a:r>
+            <a:endParaRPr lang="en-US" dirty="0"/>
+          </a:p>
+        </p:txBody>
+      </p:sp>
+      <p:sp>
+        <p:nvSpPr>
+          <p:cNvPr id="14" name="Text Placeholder 2"/>
+          <p:cNvSpPr>
+            <a:spLocks noGrp="1"/>
+          </p:cNvSpPr>
+          <p:nvPr>
+            <p:ph type="body" idx="13"/>
+          </p:nvPr>
+        </p:nvSpPr>
+        <p:spPr>
+          <a:xfrm>
+            <a:off x="1176868" y="3566160"/>
+            <a:ext cx="6798730" cy="905256"/>
+          </a:xfrm>
+        </p:spPr>
+        <p:txBody>
+          <a:bodyPr anchor="b">
+            <a:normAutofit/>
+          </a:bodyPr>
+          <a:lstStyle>
+            <a:lvl1pPr marL="0" indent="0" algn="l">
+              <a:spcBef>
+                <a:spcPts val="0"/>
+              </a:spcBef>
+              <a:buNone/>
+              <a:defRPr sz="2000">
+                <a:solidFill>
+                  <a:schemeClr val="tx1"/>
+                </a:solidFill>
+              </a:defRPr>
+            </a:lvl1pPr>
+            <a:lvl2pPr marL="457200" indent="0">
+              <a:buNone/>
+              <a:defRPr sz="1800">
+                <a:solidFill>
+                  <a:schemeClr val="tx1">
+                    <a:tint val="75000"/>
+                  </a:schemeClr>
+                </a:solidFill>
+              </a:defRPr>
+            </a:lvl2pPr>
+            <a:lvl3pPr marL="914400" indent="0">
+              <a:buNone/>
+              <a:defRPr sz="1600">
+                <a:solidFill>
+                  <a:schemeClr val="tx1">
+                    <a:tint val="75000"/>
+                  </a:schemeClr>
+                </a:solidFill>
+              </a:defRPr>
+            </a:lvl3pPr>
+            <a:lvl4pPr marL="1371600" indent="0">
+              <a:buNone/>
+              <a:defRPr sz="1400">
+                <a:solidFill>
+                  <a:schemeClr val="tx1">
+                    <a:tint val="75000"/>
+                  </a:schemeClr>
+                </a:solidFill>
+              </a:defRPr>
+            </a:lvl4pPr>
+            <a:lvl5pPr marL="1828800" indent="0">
+              <a:buNone/>
+              <a:defRPr sz="1400">
+                <a:solidFill>
+                  <a:schemeClr val="tx1">
+                    <a:tint val="75000"/>
+                  </a:schemeClr>
+                </a:solidFill>
+              </a:defRPr>
+            </a:lvl5pPr>
+            <a:lvl6pPr marL="2286000" indent="0">
+              <a:buNone/>
+              <a:defRPr sz="1400">
+                <a:solidFill>
+                  <a:schemeClr val="tx1">
+                    <a:tint val="75000"/>
+                  </a:schemeClr>
+                </a:solidFill>
+              </a:defRPr>
+            </a:lvl6pPr>
+            <a:lvl7pPr marL="2743200" indent="0">
+              <a:buNone/>
+              <a:defRPr sz="1400">
+                <a:solidFill>
+                  <a:schemeClr val="tx1">
+                    <a:tint val="75000"/>
+                  </a:schemeClr>
+                </a:solidFill>
+              </a:defRPr>
+            </a:lvl7pPr>
+            <a:lvl8pPr marL="3200400" indent="0">
+              <a:buNone/>
+              <a:defRPr sz="1400">
+                <a:solidFill>
+                  <a:schemeClr val="tx1">
+                    <a:tint val="75000"/>
+                  </a:schemeClr>
+                </a:solidFill>
+              </a:defRPr>
+            </a:lvl8pPr>
+            <a:lvl9pPr marL="3657600" indent="0">
+              <a:buNone/>
+              <a:defRPr sz="1400">
+                <a:solidFill>
+                  <a:schemeClr val="tx1">
+                    <a:tint val="75000"/>
+                  </a:schemeClr>
+                </a:solidFill>
+              </a:defRPr>
+            </a:lvl9pPr>
+          </a:lstStyle>
+          <a:p>
+            <a:pPr lvl="0"/>
+            <a:r>
+              <a:rPr lang="en-US"/>
+              <a:t>Edit Master text styles</a:t>
+            </a:r>
+          </a:p>
+        </p:txBody>
+      </p:sp>
+      <p:sp>
+        <p:nvSpPr>
+          <p:cNvPr id="3" name="Text Placeholder 2"/>
+          <p:cNvSpPr>
+            <a:spLocks noGrp="1"/>
+          </p:cNvSpPr>
+          <p:nvPr>
+            <p:ph type="body" idx="1"/>
+          </p:nvPr>
+        </p:nvSpPr>
+        <p:spPr>
+          <a:xfrm>
+            <a:off x="1176866" y="4470400"/>
+            <a:ext cx="6798734" cy="1405467"/>
+          </a:xfrm>
+        </p:spPr>
+        <p:txBody>
+          <a:bodyPr anchor="t">
+            <a:normAutofit/>
+          </a:bodyPr>
+          <a:lstStyle>
+            <a:lvl1pPr marL="0" indent="0" algn="l">
+              <a:buNone/>
+              <a:defRPr sz="1600">
+                <a:solidFill>
+                  <a:schemeClr val="tx1"/>
+                </a:solidFill>
+              </a:defRPr>
+            </a:lvl1pPr>
+            <a:lvl2pPr marL="457200" indent="0">
+              <a:buNone/>
+              <a:defRPr sz="1600">
+                <a:solidFill>
+                  <a:schemeClr val="tx1">
+                    <a:tint val="75000"/>
+                  </a:schemeClr>
+                </a:solidFill>
+              </a:defRPr>
+            </a:lvl2pPr>
+            <a:lvl3pPr marL="914400" indent="0">
+              <a:buNone/>
+              <a:defRPr sz="1600">
+                <a:solidFill>
+                  <a:schemeClr val="tx1">
+                    <a:tint val="75000"/>
+                  </a:schemeClr>
+                </a:solidFill>
+              </a:defRPr>
+            </a:lvl3pPr>
+            <a:lvl4pPr marL="1371600" indent="0">
+              <a:buNone/>
+              <a:defRPr sz="1400">
+                <a:solidFill>
+                  <a:schemeClr val="tx1">
+                    <a:tint val="75000"/>
+                  </a:schemeClr>
+                </a:solidFill>
+              </a:defRPr>
+            </a:lvl4pPr>
+            <a:lvl5pPr marL="1828800" indent="0">
+              <a:buNone/>
+              <a:defRPr sz="1400">
+                <a:solidFill>
+                  <a:schemeClr val="tx1">
+                    <a:tint val="75000"/>
+                  </a:schemeClr>
+                </a:solidFill>
+              </a:defRPr>
+            </a:lvl5pPr>
+            <a:lvl6pPr marL="2286000" indent="0">
+              <a:buNone/>
+              <a:defRPr sz="1400">
+                <a:solidFill>
+                  <a:schemeClr val="tx1">
+                    <a:tint val="75000"/>
+                  </a:schemeClr>
+                </a:solidFill>
+              </a:defRPr>
+            </a:lvl6pPr>
+            <a:lvl7pPr marL="2743200" indent="0">
+              <a:buNone/>
+              <a:defRPr sz="1400">
+                <a:solidFill>
+                  <a:schemeClr val="tx1">
+                    <a:tint val="75000"/>
+                  </a:schemeClr>
+                </a:solidFill>
+              </a:defRPr>
+            </a:lvl7pPr>
+            <a:lvl8pPr marL="3200400" indent="0">
+              <a:buNone/>
+              <a:defRPr sz="1400">
+                <a:solidFill>
+                  <a:schemeClr val="tx1">
+                    <a:tint val="75000"/>
+                  </a:schemeClr>
+                </a:solidFill>
+              </a:defRPr>
+            </a:lvl8pPr>
+            <a:lvl9pPr marL="3657600" indent="0">
+              <a:buNone/>
+              <a:defRPr sz="1400">
+                <a:solidFill>
+                  <a:schemeClr val="tx1">
+                    <a:tint val="75000"/>
+                  </a:schemeClr>
+                </a:solidFill>
+              </a:defRPr>
+            </a:lvl9pPr>
+          </a:lstStyle>
+          <a:p>
+            <a:pPr lvl="0"/>
+            <a:r>
+              <a:rPr lang="en-US"/>
+              <a:t>Edit Master text styles</a:t>
+            </a:r>
+          </a:p>
+        </p:txBody>
+      </p:sp>
+      <p:sp>
+        <p:nvSpPr>
+          <p:cNvPr id="4" name="Date Placeholder 3"/>
+          <p:cNvSpPr>
+            <a:spLocks noGrp="1"/>
+          </p:cNvSpPr>
+          <p:nvPr>
+            <p:ph type="dt" sz="half" idx="10"/>
+          </p:nvPr>
+        </p:nvSpPr>
+        <p:spPr/>
+        <p:txBody>
+          <a:bodyPr/>
+          <a:lstStyle/>
+          <a:p>
+            <a:fld id="{5BCAD085-E8A6-8845-BD4E-CB4CCA059FC4}" type="datetimeFigureOut">
+              <a:rPr lang="en-US" smtClean="0"/>
+              <a:t>4/7/2024</a:t>
+            </a:fld>
+            <a:endParaRPr lang="en-US"/>
+          </a:p>
+        </p:txBody>
+      </p:sp>
+      <p:sp>
+        <p:nvSpPr>
+          <p:cNvPr id="5" name="Footer Placeholder 4"/>
+          <p:cNvSpPr>
+            <a:spLocks noGrp="1"/>
+          </p:cNvSpPr>
+          <p:nvPr>
+            <p:ph type="ftr" sz="quarter" idx="11"/>
+          </p:nvPr>
+        </p:nvSpPr>
+        <p:spPr/>
+        <p:txBody>
+          <a:bodyPr/>
+          <a:lstStyle/>
+          <a:p>
+            <a:endParaRPr lang="en-US"/>
+          </a:p>
+        </p:txBody>
+      </p:sp>
+      <p:sp>
+        <p:nvSpPr>
+          <p:cNvPr id="6" name="Slide Number Placeholder 5"/>
+          <p:cNvSpPr>
+            <a:spLocks noGrp="1"/>
+          </p:cNvSpPr>
+          <p:nvPr>
+            <p:ph type="sldNum" sz="quarter" idx="12"/>
+          </p:nvPr>
+        </p:nvSpPr>
+        <p:spPr/>
+        <p:txBody>
+          <a:bodyPr/>
+          <a:lstStyle/>
+          <a:p>
+            <a:fld id="{C1FF6DA9-008F-8B48-92A6-B652298478BF}" type="slidenum">
+              <a:rPr lang="en-US" smtClean="0"/>
+              <a:t>‹#›</a:t>
+            </a:fld>
+            <a:endParaRPr lang="en-US"/>
+          </a:p>
+        </p:txBody>
+      </p:sp>
+      <p:cxnSp>
+        <p:nvCxnSpPr>
+          <p:cNvPr id="15" name="Straight Connector 14"/>
+          <p:cNvCxnSpPr/>
+          <p:nvPr/>
+        </p:nvCxnSpPr>
+        <p:spPr>
+          <a:xfrm>
+            <a:off x="1278469" y="3429000"/>
+            <a:ext cx="6606421" cy="0"/>
+          </a:xfrm>
+          <a:prstGeom prst="line">
+            <a:avLst/>
+          </a:prstGeom>
+          <a:ln w="15875"/>
+        </p:spPr>
+        <p:style>
+          <a:lnRef idx="2">
+            <a:schemeClr val="accent1"/>
+          </a:lnRef>
+          <a:fillRef idx="0">
+            <a:schemeClr val="accent1"/>
+          </a:fillRef>
+          <a:effectRef idx="1">
+            <a:schemeClr val="accent1"/>
+          </a:effectRef>
+          <a:fontRef idx="minor">
+            <a:schemeClr val="tx1"/>
+          </a:fontRef>
+        </p:style>
+      </p:cxnSp>
+    </p:spTree>
+    <p:extLst>
+      <p:ext uri="{BB962C8B-B14F-4D97-AF65-F5344CB8AC3E}">
+        <p14:creationId xmlns:p14="http://schemas.microsoft.com/office/powerpoint/2010/main" val="3008018668"/>
+      </p:ext>
+    </p:extLst>
+  </p:cSld>
+  <p:clrMapOvr>
+    <a:masterClrMapping/>
+  </p:clrMapOvr>
+</p:sldLayout>
+</file>
+
+<file path=ppt/slideLayouts/slideLayout16.xml><?xml version="1.0" encoding="utf-8"?>
 <p:sldLayout xmlns:a="http://schemas.openxmlformats.org/drawingml/2006/main" xmlns:r="http://schemas.openxmlformats.org/officeDocument/2006/relationships" xmlns:p="http://schemas.openxmlformats.org/presentationml/2006/main" type="vertTx" preserve="1">
   <p:cSld name="Title and Vertical Text">
     <p:spTree>
@@ -388,13 +2687,17 @@
         <p:spPr/>
         <p:txBody>
           <a:bodyPr/>
-          <a:lstStyle/>
-          <a:p>
-            <a:r>
-              <a:rPr lang="en-US" smtClean="0"/>
+          <a:lstStyle>
+            <a:lvl1pPr algn="ctr">
+              <a:defRPr/>
+            </a:lvl1pPr>
+          </a:lstStyle>
+          <a:p>
+            <a:r>
+              <a:rPr lang="en-US"/>
               <a:t>Click to edit Master title style</a:t>
             </a:r>
-            <a:endParaRPr lang="en-US"/>
+            <a:endParaRPr lang="en-US" dirty="0"/>
           </a:p>
         </p:txBody>
       </p:sp>
@@ -408,45 +2711,50 @@
             <p:ph type="body" orient="vert" idx="1"/>
           </p:nvPr>
         </p:nvSpPr>
-        <p:spPr/>
-        <p:txBody>
-          <a:bodyPr vert="eaVert"/>
+        <p:spPr>
+          <a:xfrm>
+            <a:off x="1176865" y="2490135"/>
+            <a:ext cx="6798736" cy="3385733"/>
+          </a:xfrm>
+        </p:spPr>
+        <p:txBody>
+          <a:bodyPr vert="eaVert" anchor="t"/>
           <a:lstStyle/>
           <a:p>
             <a:pPr lvl="0"/>
             <a:r>
-              <a:rPr lang="en-US" smtClean="0"/>
-              <a:t>Click to edit Master text styles</a:t>
+              <a:rPr lang="en-US"/>
+              <a:t>Edit Master text styles</a:t>
             </a:r>
           </a:p>
           <a:p>
             <a:pPr lvl="1"/>
             <a:r>
-              <a:rPr lang="en-US" smtClean="0"/>
+              <a:rPr lang="en-US"/>
               <a:t>Second level</a:t>
             </a:r>
           </a:p>
           <a:p>
             <a:pPr lvl="2"/>
             <a:r>
-              <a:rPr lang="en-US" smtClean="0"/>
+              <a:rPr lang="en-US"/>
               <a:t>Third level</a:t>
             </a:r>
           </a:p>
           <a:p>
             <a:pPr lvl="3"/>
             <a:r>
-              <a:rPr lang="en-US" smtClean="0"/>
+              <a:rPr lang="en-US"/>
               <a:t>Fourth level</a:t>
             </a:r>
           </a:p>
           <a:p>
             <a:pPr lvl="4"/>
             <a:r>
-              <a:rPr lang="en-US" smtClean="0"/>
+              <a:rPr lang="en-US"/>
               <a:t>Fifth level</a:t>
             </a:r>
-            <a:endParaRPr lang="en-US"/>
+            <a:endParaRPr lang="en-US" dirty="0"/>
           </a:p>
         </p:txBody>
       </p:sp>
@@ -467,7 +2775,7 @@
           <a:p>
             <a:fld id="{5BCAD085-E8A6-8845-BD4E-CB4CCA059FC4}" type="datetimeFigureOut">
               <a:rPr lang="en-US" smtClean="0"/>
-              <a:t>1/27/13</a:t>
+              <a:t>4/7/2024</a:t>
             </a:fld>
             <a:endParaRPr lang="en-US"/>
           </a:p>
@@ -515,10 +2823,41 @@
           </a:p>
         </p:txBody>
       </p:sp>
+      <p:cxnSp>
+        <p:nvCxnSpPr>
+          <p:cNvPr id="14" name="Straight Connector 13"/>
+          <p:cNvCxnSpPr/>
+          <p:nvPr/>
+        </p:nvCxnSpPr>
+        <p:spPr>
+          <a:xfrm>
+            <a:off x="1278466" y="2354670"/>
+            <a:ext cx="6606424" cy="0"/>
+          </a:xfrm>
+          <a:prstGeom prst="line">
+            <a:avLst/>
+          </a:prstGeom>
+          <a:ln w="15875"/>
+        </p:spPr>
+        <p:style>
+          <a:lnRef idx="2">
+            <a:schemeClr val="accent1"/>
+          </a:lnRef>
+          <a:fillRef idx="0">
+            <a:schemeClr val="accent1"/>
+          </a:fillRef>
+          <a:effectRef idx="1">
+            <a:schemeClr val="accent1"/>
+          </a:effectRef>
+          <a:fontRef idx="minor">
+            <a:schemeClr val="tx1"/>
+          </a:fontRef>
+        </p:style>
+      </p:cxnSp>
     </p:spTree>
     <p:extLst>
       <p:ext uri="{BB962C8B-B14F-4D97-AF65-F5344CB8AC3E}">
-        <p14:creationId xmlns:p14="http://schemas.microsoft.com/office/powerpoint/2010/main" val="2910927964"/>
+        <p14:creationId xmlns:p14="http://schemas.microsoft.com/office/powerpoint/2010/main" val="1479730333"/>
       </p:ext>
     </p:extLst>
   </p:cSld>
@@ -528,7 +2867,7 @@
 </p:sldLayout>
 </file>
 
-<file path=ppt/slideLayouts/slideLayout11.xml><?xml version="1.0" encoding="utf-8"?>
+<file path=ppt/slideLayouts/slideLayout17.xml><?xml version="1.0" encoding="utf-8"?>
 <p:sldLayout xmlns:a="http://schemas.openxmlformats.org/drawingml/2006/main" xmlns:r="http://schemas.openxmlformats.org/officeDocument/2006/relationships" xmlns:p="http://schemas.openxmlformats.org/presentationml/2006/main" type="vertTitleAndTx" preserve="1">
   <p:cSld name="Vertical Title and Text">
     <p:spTree>
@@ -557,8 +2896,8 @@
         </p:nvSpPr>
         <p:spPr>
           <a:xfrm>
-            <a:off x="6629400" y="274638"/>
-            <a:ext cx="2057400" cy="5851525"/>
+            <a:off x="6356667" y="906873"/>
+            <a:ext cx="1618930" cy="4968995"/>
           </a:xfrm>
         </p:spPr>
         <p:txBody>
@@ -566,10 +2905,10 @@
           <a:lstStyle/>
           <a:p>
             <a:r>
-              <a:rPr lang="en-US" smtClean="0"/>
+              <a:rPr lang="en-US"/>
               <a:t>Click to edit Master title style</a:t>
             </a:r>
-            <a:endParaRPr lang="en-US"/>
+            <a:endParaRPr lang="en-US" dirty="0"/>
           </a:p>
         </p:txBody>
       </p:sp>
@@ -585,48 +2924,48 @@
         </p:nvSpPr>
         <p:spPr>
           <a:xfrm>
-            <a:off x="457200" y="274638"/>
-            <a:ext cx="6019800" cy="5851525"/>
+            <a:off x="1176867" y="906873"/>
+            <a:ext cx="4915509" cy="4968993"/>
           </a:xfrm>
         </p:spPr>
         <p:txBody>
-          <a:bodyPr vert="eaVert"/>
+          <a:bodyPr vert="eaVert" anchor="t"/>
           <a:lstStyle/>
           <a:p>
             <a:pPr lvl="0"/>
             <a:r>
-              <a:rPr lang="en-US" smtClean="0"/>
-              <a:t>Click to edit Master text styles</a:t>
+              <a:rPr lang="en-US"/>
+              <a:t>Edit Master text styles</a:t>
             </a:r>
           </a:p>
           <a:p>
             <a:pPr lvl="1"/>
             <a:r>
-              <a:rPr lang="en-US" smtClean="0"/>
+              <a:rPr lang="en-US"/>
               <a:t>Second level</a:t>
             </a:r>
           </a:p>
           <a:p>
             <a:pPr lvl="2"/>
             <a:r>
-              <a:rPr lang="en-US" smtClean="0"/>
+              <a:rPr lang="en-US"/>
               <a:t>Third level</a:t>
             </a:r>
           </a:p>
           <a:p>
             <a:pPr lvl="3"/>
             <a:r>
-              <a:rPr lang="en-US" smtClean="0"/>
+              <a:rPr lang="en-US"/>
               <a:t>Fourth level</a:t>
             </a:r>
           </a:p>
           <a:p>
             <a:pPr lvl="4"/>
             <a:r>
-              <a:rPr lang="en-US" smtClean="0"/>
+              <a:rPr lang="en-US"/>
               <a:t>Fifth level</a:t>
             </a:r>
-            <a:endParaRPr lang="en-US"/>
+            <a:endParaRPr lang="en-US" dirty="0"/>
           </a:p>
         </p:txBody>
       </p:sp>
@@ -647,7 +2986,7 @@
           <a:p>
             <a:fld id="{5BCAD085-E8A6-8845-BD4E-CB4CCA059FC4}" type="datetimeFigureOut">
               <a:rPr lang="en-US" smtClean="0"/>
-              <a:t>1/27/13</a:t>
+              <a:t>4/7/2024</a:t>
             </a:fld>
             <a:endParaRPr lang="en-US"/>
           </a:p>
@@ -695,10 +3034,41 @@
           </a:p>
         </p:txBody>
       </p:sp>
+      <p:cxnSp>
+        <p:nvCxnSpPr>
+          <p:cNvPr id="14" name="Straight Connector 13"/>
+          <p:cNvCxnSpPr/>
+          <p:nvPr/>
+        </p:nvCxnSpPr>
+        <p:spPr>
+          <a:xfrm>
+            <a:off x="6245512" y="906873"/>
+            <a:ext cx="0" cy="4968993"/>
+          </a:xfrm>
+          <a:prstGeom prst="line">
+            <a:avLst/>
+          </a:prstGeom>
+          <a:ln w="15875"/>
+        </p:spPr>
+        <p:style>
+          <a:lnRef idx="2">
+            <a:schemeClr val="accent1"/>
+          </a:lnRef>
+          <a:fillRef idx="0">
+            <a:schemeClr val="accent1"/>
+          </a:fillRef>
+          <a:effectRef idx="1">
+            <a:schemeClr val="accent1"/>
+          </a:effectRef>
+          <a:fontRef idx="minor">
+            <a:schemeClr val="tx1"/>
+          </a:fontRef>
+        </p:style>
+      </p:cxnSp>
     </p:spTree>
     <p:extLst>
       <p:ext uri="{BB962C8B-B14F-4D97-AF65-F5344CB8AC3E}">
-        <p14:creationId xmlns:p14="http://schemas.microsoft.com/office/powerpoint/2010/main" val="3612223792"/>
+        <p14:creationId xmlns:p14="http://schemas.microsoft.com/office/powerpoint/2010/main" val="2541111111"/>
       </p:ext>
     </p:extLst>
   </p:cSld>
@@ -725,6 +3095,37 @@
           <a:chExt cx="0" cy="0"/>
         </a:xfrm>
       </p:grpSpPr>
+      <p:cxnSp>
+        <p:nvCxnSpPr>
+          <p:cNvPr id="7" name="Straight Connector 6"/>
+          <p:cNvCxnSpPr/>
+          <p:nvPr/>
+        </p:nvCxnSpPr>
+        <p:spPr>
+          <a:xfrm>
+            <a:off x="1278465" y="2356260"/>
+            <a:ext cx="6595534" cy="0"/>
+          </a:xfrm>
+          <a:prstGeom prst="line">
+            <a:avLst/>
+          </a:prstGeom>
+          <a:ln w="15875"/>
+        </p:spPr>
+        <p:style>
+          <a:lnRef idx="2">
+            <a:schemeClr val="accent1"/>
+          </a:lnRef>
+          <a:fillRef idx="0">
+            <a:schemeClr val="accent1"/>
+          </a:fillRef>
+          <a:effectRef idx="1">
+            <a:schemeClr val="accent1"/>
+          </a:effectRef>
+          <a:fontRef idx="minor">
+            <a:schemeClr val="tx1"/>
+          </a:fontRef>
+        </p:style>
+      </p:cxnSp>
       <p:sp>
         <p:nvSpPr>
           <p:cNvPr id="2" name="Title 1"/>
@@ -741,10 +3142,10 @@
           <a:lstStyle/>
           <a:p>
             <a:r>
-              <a:rPr lang="en-US" smtClean="0"/>
+              <a:rPr lang="en-US"/>
               <a:t>Click to edit Master title style</a:t>
             </a:r>
-            <a:endParaRPr lang="en-US"/>
+            <a:endParaRPr lang="en-US" dirty="0"/>
           </a:p>
         </p:txBody>
       </p:sp>
@@ -765,38 +3166,38 @@
           <a:p>
             <a:pPr lvl="0"/>
             <a:r>
-              <a:rPr lang="en-US" smtClean="0"/>
-              <a:t>Click to edit Master text styles</a:t>
+              <a:rPr lang="en-US"/>
+              <a:t>Edit Master text styles</a:t>
             </a:r>
           </a:p>
           <a:p>
             <a:pPr lvl="1"/>
             <a:r>
-              <a:rPr lang="en-US" smtClean="0"/>
+              <a:rPr lang="en-US"/>
               <a:t>Second level</a:t>
             </a:r>
           </a:p>
           <a:p>
             <a:pPr lvl="2"/>
             <a:r>
-              <a:rPr lang="en-US" smtClean="0"/>
+              <a:rPr lang="en-US"/>
               <a:t>Third level</a:t>
             </a:r>
           </a:p>
           <a:p>
             <a:pPr lvl="3"/>
             <a:r>
-              <a:rPr lang="en-US" smtClean="0"/>
+              <a:rPr lang="en-US"/>
               <a:t>Fourth level</a:t>
             </a:r>
           </a:p>
           <a:p>
             <a:pPr lvl="4"/>
             <a:r>
-              <a:rPr lang="en-US" smtClean="0"/>
+              <a:rPr lang="en-US"/>
               <a:t>Fifth level</a:t>
             </a:r>
-            <a:endParaRPr lang="en-US"/>
+            <a:endParaRPr lang="en-US" dirty="0"/>
           </a:p>
         </p:txBody>
       </p:sp>
@@ -817,7 +3218,7 @@
           <a:p>
             <a:fld id="{5BCAD085-E8A6-8845-BD4E-CB4CCA059FC4}" type="datetimeFigureOut">
               <a:rPr lang="en-US" smtClean="0"/>
-              <a:t>1/27/13</a:t>
+              <a:t>4/7/2024</a:t>
             </a:fld>
             <a:endParaRPr lang="en-US"/>
           </a:p>
@@ -868,7 +3269,7 @@
     </p:spTree>
     <p:extLst>
       <p:ext uri="{BB962C8B-B14F-4D97-AF65-F5344CB8AC3E}">
-        <p14:creationId xmlns:p14="http://schemas.microsoft.com/office/powerpoint/2010/main" val="2614314258"/>
+        <p14:creationId xmlns:p14="http://schemas.microsoft.com/office/powerpoint/2010/main" val="3897631688"/>
       </p:ext>
     </p:extLst>
   </p:cSld>
@@ -907,23 +3308,25 @@
         </p:nvSpPr>
         <p:spPr>
           <a:xfrm>
-            <a:off x="722313" y="4406900"/>
-            <a:ext cx="7772400" cy="1362075"/>
+            <a:off x="1278465" y="1641413"/>
+            <a:ext cx="6595534" cy="1822514"/>
           </a:xfrm>
         </p:spPr>
         <p:txBody>
-          <a:bodyPr anchor="t"/>
+          <a:bodyPr anchor="b">
+            <a:normAutofit/>
+          </a:bodyPr>
           <a:lstStyle>
-            <a:lvl1pPr algn="l">
-              <a:defRPr sz="4000" b="1" cap="all"/>
+            <a:lvl1pPr algn="ctr">
+              <a:defRPr sz="4000" b="0" cap="none"/>
             </a:lvl1pPr>
           </a:lstStyle>
           <a:p>
             <a:r>
-              <a:rPr lang="en-US" smtClean="0"/>
+              <a:rPr lang="en-US"/>
               <a:t>Click to edit Master title style</a:t>
             </a:r>
-            <a:endParaRPr lang="en-US"/>
+            <a:endParaRPr lang="en-US" dirty="0"/>
           </a:p>
         </p:txBody>
       </p:sp>
@@ -939,44 +3342,54 @@
         </p:nvSpPr>
         <p:spPr>
           <a:xfrm>
-            <a:off x="722313" y="2906713"/>
-            <a:ext cx="7772400" cy="1500187"/>
+            <a:off x="1278465" y="3734859"/>
+            <a:ext cx="6595534" cy="1090015"/>
           </a:xfrm>
         </p:spPr>
         <p:txBody>
-          <a:bodyPr anchor="b"/>
+          <a:bodyPr anchor="t">
+            <a:normAutofit/>
+          </a:bodyPr>
           <a:lstStyle>
-            <a:lvl1pPr marL="0" indent="0">
-              <a:buNone/>
-              <a:defRPr sz="2000">
+            <a:lvl1pPr marL="0" indent="0" algn="ctr">
+              <a:buNone/>
+              <a:defRPr sz="2400">
+                <a:solidFill>
+                  <a:schemeClr val="tx1"/>
+                </a:solidFill>
+              </a:defRPr>
+            </a:lvl1pPr>
+            <a:lvl2pPr marL="457200" indent="0">
+              <a:buNone/>
+              <a:defRPr sz="1800">
                 <a:solidFill>
                   <a:schemeClr val="tx1">
                     <a:tint val="75000"/>
                   </a:schemeClr>
                 </a:solidFill>
               </a:defRPr>
-            </a:lvl1pPr>
-            <a:lvl2pPr marL="457200" indent="0">
-              <a:buNone/>
-              <a:defRPr sz="1800">
+            </a:lvl2pPr>
+            <a:lvl3pPr marL="914400" indent="0">
+              <a:buNone/>
+              <a:defRPr sz="1600">
                 <a:solidFill>
                   <a:schemeClr val="tx1">
                     <a:tint val="75000"/>
                   </a:schemeClr>
                 </a:solidFill>
               </a:defRPr>
-            </a:lvl2pPr>
-            <a:lvl3pPr marL="914400" indent="0">
-              <a:buNone/>
-              <a:defRPr sz="1600">
+            </a:lvl3pPr>
+            <a:lvl4pPr marL="1371600" indent="0">
+              <a:buNone/>
+              <a:defRPr sz="1400">
                 <a:solidFill>
                   <a:schemeClr val="tx1">
                     <a:tint val="75000"/>
                   </a:schemeClr>
                 </a:solidFill>
               </a:defRPr>
-            </a:lvl3pPr>
-            <a:lvl4pPr marL="1371600" indent="0">
+            </a:lvl4pPr>
+            <a:lvl5pPr marL="1828800" indent="0">
               <a:buNone/>
               <a:defRPr sz="1400">
                 <a:solidFill>
@@ -985,8 +3398,8 @@
                   </a:schemeClr>
                 </a:solidFill>
               </a:defRPr>
-            </a:lvl4pPr>
-            <a:lvl5pPr marL="1828800" indent="0">
+            </a:lvl5pPr>
+            <a:lvl6pPr marL="2286000" indent="0">
               <a:buNone/>
               <a:defRPr sz="1400">
                 <a:solidFill>
@@ -995,8 +3408,8 @@
                   </a:schemeClr>
                 </a:solidFill>
               </a:defRPr>
-            </a:lvl5pPr>
-            <a:lvl6pPr marL="2286000" indent="0">
+            </a:lvl6pPr>
+            <a:lvl7pPr marL="2743200" indent="0">
               <a:buNone/>
               <a:defRPr sz="1400">
                 <a:solidFill>
@@ -1005,8 +3418,8 @@
                   </a:schemeClr>
                 </a:solidFill>
               </a:defRPr>
-            </a:lvl6pPr>
-            <a:lvl7pPr marL="2743200" indent="0">
+            </a:lvl7pPr>
+            <a:lvl8pPr marL="3200400" indent="0">
               <a:buNone/>
               <a:defRPr sz="1400">
                 <a:solidFill>
@@ -1015,8 +3428,8 @@
                   </a:schemeClr>
                 </a:solidFill>
               </a:defRPr>
-            </a:lvl7pPr>
-            <a:lvl8pPr marL="3200400" indent="0">
+            </a:lvl8pPr>
+            <a:lvl9pPr marL="3657600" indent="0">
               <a:buNone/>
               <a:defRPr sz="1400">
                 <a:solidFill>
@@ -1025,23 +3438,13 @@
                   </a:schemeClr>
                 </a:solidFill>
               </a:defRPr>
-            </a:lvl8pPr>
-            <a:lvl9pPr marL="3657600" indent="0">
-              <a:buNone/>
-              <a:defRPr sz="1400">
-                <a:solidFill>
-                  <a:schemeClr val="tx1">
-                    <a:tint val="75000"/>
-                  </a:schemeClr>
-                </a:solidFill>
-              </a:defRPr>
             </a:lvl9pPr>
           </a:lstStyle>
           <a:p>
             <a:pPr lvl="0"/>
             <a:r>
-              <a:rPr lang="en-US" smtClean="0"/>
-              <a:t>Click to edit Master text styles</a:t>
+              <a:rPr lang="en-US"/>
+              <a:t>Edit Master text styles</a:t>
             </a:r>
           </a:p>
         </p:txBody>
@@ -1063,7 +3466,7 @@
           <a:p>
             <a:fld id="{5BCAD085-E8A6-8845-BD4E-CB4CCA059FC4}" type="datetimeFigureOut">
               <a:rPr lang="en-US" smtClean="0"/>
-              <a:t>1/27/13</a:t>
+              <a:t>4/7/2024</a:t>
             </a:fld>
             <a:endParaRPr lang="en-US"/>
           </a:p>
@@ -1111,10 +3514,41 @@
           </a:p>
         </p:txBody>
       </p:sp>
+      <p:cxnSp>
+        <p:nvCxnSpPr>
+          <p:cNvPr id="31" name="Straight Connector 30"/>
+          <p:cNvCxnSpPr/>
+          <p:nvPr/>
+        </p:nvCxnSpPr>
+        <p:spPr>
+          <a:xfrm>
+            <a:off x="1278466" y="3599392"/>
+            <a:ext cx="6595533" cy="0"/>
+          </a:xfrm>
+          <a:prstGeom prst="line">
+            <a:avLst/>
+          </a:prstGeom>
+          <a:ln w="15875"/>
+        </p:spPr>
+        <p:style>
+          <a:lnRef idx="2">
+            <a:schemeClr val="accent1"/>
+          </a:lnRef>
+          <a:fillRef idx="0">
+            <a:schemeClr val="accent1"/>
+          </a:fillRef>
+          <a:effectRef idx="1">
+            <a:schemeClr val="accent1"/>
+          </a:effectRef>
+          <a:fontRef idx="minor">
+            <a:schemeClr val="tx1"/>
+          </a:fontRef>
+        </p:style>
+      </p:cxnSp>
     </p:spTree>
     <p:extLst>
       <p:ext uri="{BB962C8B-B14F-4D97-AF65-F5344CB8AC3E}">
-        <p14:creationId xmlns:p14="http://schemas.microsoft.com/office/powerpoint/2010/main" val="960648375"/>
+        <p14:creationId xmlns:p14="http://schemas.microsoft.com/office/powerpoint/2010/main" val="4158271583"/>
       </p:ext>
     </p:extLst>
   </p:cSld>
@@ -1141,196 +3575,180 @@
           <a:chExt cx="0" cy="0"/>
         </a:xfrm>
       </p:grpSpPr>
-      <p:sp>
-        <p:nvSpPr>
-          <p:cNvPr id="2" name="Title 1"/>
-          <p:cNvSpPr>
-            <a:spLocks noGrp="1"/>
-          </p:cNvSpPr>
-          <p:nvPr>
-            <p:ph type="title"/>
-          </p:nvPr>
-        </p:nvSpPr>
-        <p:spPr/>
-        <p:txBody>
-          <a:bodyPr/>
-          <a:lstStyle/>
-          <a:p>
-            <a:r>
-              <a:rPr lang="en-US" smtClean="0"/>
-              <a:t>Click to edit Master title style</a:t>
-            </a:r>
-            <a:endParaRPr lang="en-US"/>
-          </a:p>
-        </p:txBody>
-      </p:sp>
-      <p:sp>
-        <p:nvSpPr>
-          <p:cNvPr id="3" name="Content Placeholder 2"/>
-          <p:cNvSpPr>
-            <a:spLocks noGrp="1"/>
-          </p:cNvSpPr>
-          <p:nvPr>
-            <p:ph sz="half" idx="1"/>
-          </p:nvPr>
-        </p:nvSpPr>
+      <p:cxnSp>
+        <p:nvCxnSpPr>
+          <p:cNvPr id="8" name="Straight Connector 7"/>
+          <p:cNvCxnSpPr/>
+          <p:nvPr/>
+        </p:nvCxnSpPr>
         <p:spPr>
           <a:xfrm>
-            <a:off x="457200" y="1600200"/>
-            <a:ext cx="4038600" cy="4525963"/>
+            <a:off x="1278465" y="2356260"/>
+            <a:ext cx="6595534" cy="0"/>
+          </a:xfrm>
+          <a:prstGeom prst="line">
+            <a:avLst/>
+          </a:prstGeom>
+          <a:ln w="15875"/>
+        </p:spPr>
+        <p:style>
+          <a:lnRef idx="2">
+            <a:schemeClr val="accent1"/>
+          </a:lnRef>
+          <a:fillRef idx="0">
+            <a:schemeClr val="accent1"/>
+          </a:fillRef>
+          <a:effectRef idx="1">
+            <a:schemeClr val="accent1"/>
+          </a:effectRef>
+          <a:fontRef idx="minor">
+            <a:schemeClr val="tx1"/>
+          </a:fontRef>
+        </p:style>
+      </p:cxnSp>
+      <p:sp>
+        <p:nvSpPr>
+          <p:cNvPr id="2" name="Title 1"/>
+          <p:cNvSpPr>
+            <a:spLocks noGrp="1"/>
+          </p:cNvSpPr>
+          <p:nvPr>
+            <p:ph type="title"/>
+          </p:nvPr>
+        </p:nvSpPr>
+        <p:spPr>
+          <a:xfrm>
+            <a:off x="1176866" y="915337"/>
+            <a:ext cx="6798734" cy="1303867"/>
           </a:xfrm>
         </p:spPr>
         <p:txBody>
           <a:bodyPr/>
-          <a:lstStyle>
-            <a:lvl1pPr>
-              <a:defRPr sz="2800"/>
-            </a:lvl1pPr>
-            <a:lvl2pPr>
-              <a:defRPr sz="2400"/>
-            </a:lvl2pPr>
-            <a:lvl3pPr>
-              <a:defRPr sz="2000"/>
-            </a:lvl3pPr>
-            <a:lvl4pPr>
-              <a:defRPr sz="1800"/>
-            </a:lvl4pPr>
-            <a:lvl5pPr>
-              <a:defRPr sz="1800"/>
-            </a:lvl5pPr>
-            <a:lvl6pPr>
-              <a:defRPr sz="1800"/>
-            </a:lvl6pPr>
-            <a:lvl7pPr>
-              <a:defRPr sz="1800"/>
-            </a:lvl7pPr>
-            <a:lvl8pPr>
-              <a:defRPr sz="1800"/>
-            </a:lvl8pPr>
-            <a:lvl9pPr>
-              <a:defRPr sz="1800"/>
-            </a:lvl9pPr>
-          </a:lstStyle>
-          <a:p>
-            <a:pPr lvl="0"/>
-            <a:r>
-              <a:rPr lang="en-US" smtClean="0"/>
-              <a:t>Click to edit Master text styles</a:t>
-            </a:r>
-          </a:p>
-          <a:p>
-            <a:pPr lvl="1"/>
-            <a:r>
-              <a:rPr lang="en-US" smtClean="0"/>
-              <a:t>Second level</a:t>
-            </a:r>
-          </a:p>
-          <a:p>
-            <a:pPr lvl="2"/>
-            <a:r>
-              <a:rPr lang="en-US" smtClean="0"/>
-              <a:t>Third level</a:t>
-            </a:r>
-          </a:p>
-          <a:p>
-            <a:pPr lvl="3"/>
-            <a:r>
-              <a:rPr lang="en-US" smtClean="0"/>
-              <a:t>Fourth level</a:t>
-            </a:r>
-          </a:p>
-          <a:p>
-            <a:pPr lvl="4"/>
-            <a:r>
-              <a:rPr lang="en-US" smtClean="0"/>
-              <a:t>Fifth level</a:t>
-            </a:r>
-            <a:endParaRPr lang="en-US"/>
-          </a:p>
-        </p:txBody>
-      </p:sp>
-      <p:sp>
-        <p:nvSpPr>
-          <p:cNvPr id="4" name="Content Placeholder 3"/>
-          <p:cNvSpPr>
-            <a:spLocks noGrp="1"/>
-          </p:cNvSpPr>
-          <p:nvPr>
-            <p:ph sz="half" idx="2"/>
+          <a:lstStyle/>
+          <a:p>
+            <a:r>
+              <a:rPr lang="en-US"/>
+              <a:t>Click to edit Master title style</a:t>
+            </a:r>
+            <a:endParaRPr lang="en-US" dirty="0"/>
+          </a:p>
+        </p:txBody>
+      </p:sp>
+      <p:sp>
+        <p:nvSpPr>
+          <p:cNvPr id="3" name="Content Placeholder 2"/>
+          <p:cNvSpPr>
+            <a:spLocks noGrp="1"/>
+          </p:cNvSpPr>
+          <p:nvPr>
+            <p:ph sz="half" idx="1"/>
           </p:nvPr>
         </p:nvSpPr>
         <p:spPr>
           <a:xfrm>
-            <a:off x="4648200" y="1600200"/>
-            <a:ext cx="4038600" cy="4525963"/>
+            <a:off x="1176866" y="2487168"/>
+            <a:ext cx="3337560" cy="3447288"/>
           </a:xfrm>
         </p:spPr>
         <p:txBody>
-          <a:bodyPr/>
-          <a:lstStyle>
-            <a:lvl1pPr>
-              <a:defRPr sz="2800"/>
-            </a:lvl1pPr>
-            <a:lvl2pPr>
-              <a:defRPr sz="2400"/>
-            </a:lvl2pPr>
-            <a:lvl3pPr>
-              <a:defRPr sz="2000"/>
-            </a:lvl3pPr>
-            <a:lvl4pPr>
-              <a:defRPr sz="1800"/>
-            </a:lvl4pPr>
-            <a:lvl5pPr>
-              <a:defRPr sz="1800"/>
-            </a:lvl5pPr>
-            <a:lvl6pPr>
-              <a:defRPr sz="1800"/>
-            </a:lvl6pPr>
-            <a:lvl7pPr>
-              <a:defRPr sz="1800"/>
-            </a:lvl7pPr>
-            <a:lvl8pPr>
-              <a:defRPr sz="1800"/>
-            </a:lvl8pPr>
-            <a:lvl9pPr>
-              <a:defRPr sz="1800"/>
-            </a:lvl9pPr>
-          </a:lstStyle>
+          <a:bodyPr>
+            <a:normAutofit/>
+          </a:bodyPr>
+          <a:lstStyle/>
           <a:p>
             <a:pPr lvl="0"/>
             <a:r>
-              <a:rPr lang="en-US" smtClean="0"/>
-              <a:t>Click to edit Master text styles</a:t>
+              <a:rPr lang="en-US"/>
+              <a:t>Edit Master text styles</a:t>
             </a:r>
           </a:p>
           <a:p>
             <a:pPr lvl="1"/>
             <a:r>
-              <a:rPr lang="en-US" smtClean="0"/>
+              <a:rPr lang="en-US"/>
               <a:t>Second level</a:t>
             </a:r>
           </a:p>
           <a:p>
             <a:pPr lvl="2"/>
             <a:r>
-              <a:rPr lang="en-US" smtClean="0"/>
+              <a:rPr lang="en-US"/>
               <a:t>Third level</a:t>
             </a:r>
           </a:p>
           <a:p>
             <a:pPr lvl="3"/>
             <a:r>
-              <a:rPr lang="en-US" smtClean="0"/>
+              <a:rPr lang="en-US"/>
               <a:t>Fourth level</a:t>
             </a:r>
           </a:p>
           <a:p>
             <a:pPr lvl="4"/>
             <a:r>
-              <a:rPr lang="en-US" smtClean="0"/>
+              <a:rPr lang="en-US"/>
               <a:t>Fifth level</a:t>
             </a:r>
-            <a:endParaRPr lang="en-US"/>
+            <a:endParaRPr lang="en-US" dirty="0"/>
+          </a:p>
+        </p:txBody>
+      </p:sp>
+      <p:sp>
+        <p:nvSpPr>
+          <p:cNvPr id="4" name="Content Placeholder 3"/>
+          <p:cNvSpPr>
+            <a:spLocks noGrp="1"/>
+          </p:cNvSpPr>
+          <p:nvPr>
+            <p:ph sz="half" idx="2"/>
+          </p:nvPr>
+        </p:nvSpPr>
+        <p:spPr>
+          <a:xfrm>
+            <a:off x="4645152" y="2487168"/>
+            <a:ext cx="3337560" cy="3447288"/>
+          </a:xfrm>
+        </p:spPr>
+        <p:txBody>
+          <a:bodyPr>
+            <a:normAutofit/>
+          </a:bodyPr>
+          <a:lstStyle/>
+          <a:p>
+            <a:pPr lvl="0"/>
+            <a:r>
+              <a:rPr lang="en-US"/>
+              <a:t>Edit Master text styles</a:t>
+            </a:r>
+          </a:p>
+          <a:p>
+            <a:pPr lvl="1"/>
+            <a:r>
+              <a:rPr lang="en-US"/>
+              <a:t>Second level</a:t>
+            </a:r>
+          </a:p>
+          <a:p>
+            <a:pPr lvl="2"/>
+            <a:r>
+              <a:rPr lang="en-US"/>
+              <a:t>Third level</a:t>
+            </a:r>
+          </a:p>
+          <a:p>
+            <a:pPr lvl="3"/>
+            <a:r>
+              <a:rPr lang="en-US"/>
+              <a:t>Fourth level</a:t>
+            </a:r>
+          </a:p>
+          <a:p>
+            <a:pPr lvl="4"/>
+            <a:r>
+              <a:rPr lang="en-US"/>
+              <a:t>Fifth level</a:t>
+            </a:r>
+            <a:endParaRPr lang="en-US" dirty="0"/>
           </a:p>
         </p:txBody>
       </p:sp>
@@ -1351,7 +3769,7 @@
           <a:p>
             <a:fld id="{5BCAD085-E8A6-8845-BD4E-CB4CCA059FC4}" type="datetimeFigureOut">
               <a:rPr lang="en-US" smtClean="0"/>
-              <a:t>1/27/13</a:t>
+              <a:t>4/7/2024</a:t>
             </a:fld>
             <a:endParaRPr lang="en-US"/>
           </a:p>
@@ -1402,7 +3820,7 @@
     </p:spTree>
     <p:extLst>
       <p:ext uri="{BB962C8B-B14F-4D97-AF65-F5344CB8AC3E}">
-        <p14:creationId xmlns:p14="http://schemas.microsoft.com/office/powerpoint/2010/main" val="2782244947"/>
+        <p14:creationId xmlns:p14="http://schemas.microsoft.com/office/powerpoint/2010/main" val="1559305642"/>
       </p:ext>
     </p:extLst>
   </p:cSld>
@@ -1449,10 +3867,10 @@
           </a:lstStyle>
           <a:p>
             <a:r>
-              <a:rPr lang="en-US" smtClean="0"/>
+              <a:rPr lang="en-US"/>
               <a:t>Click to edit Master title style</a:t>
             </a:r>
-            <a:endParaRPr lang="en-US"/>
+            <a:endParaRPr lang="en-US" dirty="0"/>
           </a:p>
         </p:txBody>
       </p:sp>
@@ -1468,16 +3886,22 @@
         </p:nvSpPr>
         <p:spPr>
           <a:xfrm>
-            <a:off x="457200" y="1535113"/>
-            <a:ext cx="4040188" cy="639762"/>
+            <a:off x="1176868" y="2658533"/>
+            <a:ext cx="3337560" cy="576262"/>
           </a:xfrm>
         </p:spPr>
         <p:txBody>
-          <a:bodyPr anchor="b"/>
+          <a:bodyPr anchor="b">
+            <a:noAutofit/>
+          </a:bodyPr>
           <a:lstStyle>
             <a:lvl1pPr marL="0" indent="0">
               <a:buNone/>
-              <a:defRPr sz="2400" b="1"/>
+              <a:defRPr sz="2400" b="0">
+                <a:solidFill>
+                  <a:schemeClr val="accent1"/>
+                </a:solidFill>
+              </a:defRPr>
             </a:lvl1pPr>
             <a:lvl2pPr marL="457200" indent="0">
               <a:buNone/>
@@ -1515,8 +3939,8 @@
           <a:p>
             <a:pPr lvl="0"/>
             <a:r>
-              <a:rPr lang="en-US" smtClean="0"/>
-              <a:t>Click to edit Master text styles</a:t>
+              <a:rPr lang="en-US"/>
+              <a:t>Edit Master text styles</a:t>
             </a:r>
           </a:p>
         </p:txBody>
@@ -1533,76 +3957,50 @@
         </p:nvSpPr>
         <p:spPr>
           <a:xfrm>
-            <a:off x="457200" y="2174875"/>
-            <a:ext cx="4040188" cy="3951288"/>
+            <a:off x="1176868" y="3243263"/>
+            <a:ext cx="3337560" cy="2706624"/>
           </a:xfrm>
         </p:spPr>
         <p:txBody>
-          <a:bodyPr/>
-          <a:lstStyle>
-            <a:lvl1pPr>
-              <a:defRPr sz="2400"/>
-            </a:lvl1pPr>
-            <a:lvl2pPr>
-              <a:defRPr sz="2000"/>
-            </a:lvl2pPr>
-            <a:lvl3pPr>
-              <a:defRPr sz="1800"/>
-            </a:lvl3pPr>
-            <a:lvl4pPr>
-              <a:defRPr sz="1600"/>
-            </a:lvl4pPr>
-            <a:lvl5pPr>
-              <a:defRPr sz="1600"/>
-            </a:lvl5pPr>
-            <a:lvl6pPr>
-              <a:defRPr sz="1600"/>
-            </a:lvl6pPr>
-            <a:lvl7pPr>
-              <a:defRPr sz="1600"/>
-            </a:lvl7pPr>
-            <a:lvl8pPr>
-              <a:defRPr sz="1600"/>
-            </a:lvl8pPr>
-            <a:lvl9pPr>
-              <a:defRPr sz="1600"/>
-            </a:lvl9pPr>
-          </a:lstStyle>
+          <a:bodyPr>
+            <a:normAutofit/>
+          </a:bodyPr>
+          <a:lstStyle/>
           <a:p>
             <a:pPr lvl="0"/>
             <a:r>
-              <a:rPr lang="en-US" smtClean="0"/>
-              <a:t>Click to edit Master text styles</a:t>
+              <a:rPr lang="en-US"/>
+              <a:t>Edit Master text styles</a:t>
             </a:r>
           </a:p>
           <a:p>
             <a:pPr lvl="1"/>
             <a:r>
-              <a:rPr lang="en-US" smtClean="0"/>
+              <a:rPr lang="en-US"/>
               <a:t>Second level</a:t>
             </a:r>
           </a:p>
           <a:p>
             <a:pPr lvl="2"/>
             <a:r>
-              <a:rPr lang="en-US" smtClean="0"/>
+              <a:rPr lang="en-US"/>
               <a:t>Third level</a:t>
             </a:r>
           </a:p>
           <a:p>
             <a:pPr lvl="3"/>
             <a:r>
-              <a:rPr lang="en-US" smtClean="0"/>
+              <a:rPr lang="en-US"/>
               <a:t>Fourth level</a:t>
             </a:r>
           </a:p>
           <a:p>
             <a:pPr lvl="4"/>
             <a:r>
-              <a:rPr lang="en-US" smtClean="0"/>
+              <a:rPr lang="en-US"/>
               <a:t>Fifth level</a:t>
             </a:r>
-            <a:endParaRPr lang="en-US"/>
+            <a:endParaRPr lang="en-US" dirty="0"/>
           </a:p>
         </p:txBody>
       </p:sp>
@@ -1618,16 +4016,22 @@
         </p:nvSpPr>
         <p:spPr>
           <a:xfrm>
-            <a:off x="4645025" y="1535113"/>
-            <a:ext cx="4041775" cy="639762"/>
+            <a:off x="4641832" y="2658533"/>
+            <a:ext cx="3337560" cy="576262"/>
           </a:xfrm>
         </p:spPr>
         <p:txBody>
-          <a:bodyPr anchor="b"/>
+          <a:bodyPr anchor="b">
+            <a:noAutofit/>
+          </a:bodyPr>
           <a:lstStyle>
             <a:lvl1pPr marL="0" indent="0">
               <a:buNone/>
-              <a:defRPr sz="2400" b="1"/>
+              <a:defRPr sz="2400" b="0">
+                <a:solidFill>
+                  <a:schemeClr val="accent1"/>
+                </a:solidFill>
+              </a:defRPr>
             </a:lvl1pPr>
             <a:lvl2pPr marL="457200" indent="0">
               <a:buNone/>
@@ -1665,8 +4069,8 @@
           <a:p>
             <a:pPr lvl="0"/>
             <a:r>
-              <a:rPr lang="en-US" smtClean="0"/>
-              <a:t>Click to edit Master text styles</a:t>
+              <a:rPr lang="en-US"/>
+              <a:t>Edit Master text styles</a:t>
             </a:r>
           </a:p>
         </p:txBody>
@@ -1683,76 +4087,50 @@
         </p:nvSpPr>
         <p:spPr>
           <a:xfrm>
-            <a:off x="4645025" y="2174875"/>
-            <a:ext cx="4041775" cy="3951288"/>
+            <a:off x="4641832" y="3243263"/>
+            <a:ext cx="3337560" cy="2706624"/>
           </a:xfrm>
         </p:spPr>
         <p:txBody>
-          <a:bodyPr/>
-          <a:lstStyle>
-            <a:lvl1pPr>
-              <a:defRPr sz="2400"/>
-            </a:lvl1pPr>
-            <a:lvl2pPr>
-              <a:defRPr sz="2000"/>
-            </a:lvl2pPr>
-            <a:lvl3pPr>
-              <a:defRPr sz="1800"/>
-            </a:lvl3pPr>
-            <a:lvl4pPr>
-              <a:defRPr sz="1600"/>
-            </a:lvl4pPr>
-            <a:lvl5pPr>
-              <a:defRPr sz="1600"/>
-            </a:lvl5pPr>
-            <a:lvl6pPr>
-              <a:defRPr sz="1600"/>
-            </a:lvl6pPr>
-            <a:lvl7pPr>
-              <a:defRPr sz="1600"/>
-            </a:lvl7pPr>
-            <a:lvl8pPr>
-              <a:defRPr sz="1600"/>
-            </a:lvl8pPr>
-            <a:lvl9pPr>
-              <a:defRPr sz="1600"/>
-            </a:lvl9pPr>
-          </a:lstStyle>
+          <a:bodyPr>
+            <a:normAutofit/>
+          </a:bodyPr>
+          <a:lstStyle/>
           <a:p>
             <a:pPr lvl="0"/>
             <a:r>
-              <a:rPr lang="en-US" smtClean="0"/>
-              <a:t>Click to edit Master text styles</a:t>
+              <a:rPr lang="en-US"/>
+              <a:t>Edit Master text styles</a:t>
             </a:r>
           </a:p>
           <a:p>
             <a:pPr lvl="1"/>
             <a:r>
-              <a:rPr lang="en-US" smtClean="0"/>
+              <a:rPr lang="en-US"/>
               <a:t>Second level</a:t>
             </a:r>
           </a:p>
           <a:p>
             <a:pPr lvl="2"/>
             <a:r>
-              <a:rPr lang="en-US" smtClean="0"/>
+              <a:rPr lang="en-US"/>
               <a:t>Third level</a:t>
             </a:r>
           </a:p>
           <a:p>
             <a:pPr lvl="3"/>
             <a:r>
-              <a:rPr lang="en-US" smtClean="0"/>
+              <a:rPr lang="en-US"/>
               <a:t>Fourth level</a:t>
             </a:r>
           </a:p>
           <a:p>
             <a:pPr lvl="4"/>
             <a:r>
-              <a:rPr lang="en-US" smtClean="0"/>
+              <a:rPr lang="en-US"/>
               <a:t>Fifth level</a:t>
             </a:r>
-            <a:endParaRPr lang="en-US"/>
+            <a:endParaRPr lang="en-US" dirty="0"/>
           </a:p>
         </p:txBody>
       </p:sp>
@@ -1773,7 +4151,7 @@
           <a:p>
             <a:fld id="{5BCAD085-E8A6-8845-BD4E-CB4CCA059FC4}" type="datetimeFigureOut">
               <a:rPr lang="en-US" smtClean="0"/>
-              <a:t>1/27/13</a:t>
+              <a:t>4/7/2024</a:t>
             </a:fld>
             <a:endParaRPr lang="en-US"/>
           </a:p>
@@ -1821,10 +4199,41 @@
           </a:p>
         </p:txBody>
       </p:sp>
+      <p:cxnSp>
+        <p:nvCxnSpPr>
+          <p:cNvPr id="41" name="Straight Connector 40"/>
+          <p:cNvCxnSpPr/>
+          <p:nvPr/>
+        </p:nvCxnSpPr>
+        <p:spPr>
+          <a:xfrm>
+            <a:off x="1278466" y="2354670"/>
+            <a:ext cx="6595534" cy="0"/>
+          </a:xfrm>
+          <a:prstGeom prst="line">
+            <a:avLst/>
+          </a:prstGeom>
+          <a:ln w="15875"/>
+        </p:spPr>
+        <p:style>
+          <a:lnRef idx="2">
+            <a:schemeClr val="accent1"/>
+          </a:lnRef>
+          <a:fillRef idx="0">
+            <a:schemeClr val="accent1"/>
+          </a:fillRef>
+          <a:effectRef idx="1">
+            <a:schemeClr val="accent1"/>
+          </a:effectRef>
+          <a:fontRef idx="minor">
+            <a:schemeClr val="tx1"/>
+          </a:fontRef>
+        </p:style>
+      </p:cxnSp>
     </p:spTree>
     <p:extLst>
       <p:ext uri="{BB962C8B-B14F-4D97-AF65-F5344CB8AC3E}">
-        <p14:creationId xmlns:p14="http://schemas.microsoft.com/office/powerpoint/2010/main" val="990158736"/>
+        <p14:creationId xmlns:p14="http://schemas.microsoft.com/office/powerpoint/2010/main" val="2493041895"/>
       </p:ext>
     </p:extLst>
   </p:cSld>
@@ -1861,16 +4270,21 @@
             <p:ph type="title"/>
           </p:nvPr>
         </p:nvSpPr>
-        <p:spPr/>
+        <p:spPr>
+          <a:xfrm>
+            <a:off x="1176865" y="915337"/>
+            <a:ext cx="6798735" cy="1303867"/>
+          </a:xfrm>
+        </p:spPr>
         <p:txBody>
           <a:bodyPr/>
           <a:lstStyle/>
           <a:p>
             <a:r>
-              <a:rPr lang="en-US" smtClean="0"/>
+              <a:rPr lang="en-US"/>
               <a:t>Click to edit Master title style</a:t>
             </a:r>
-            <a:endParaRPr lang="en-US"/>
+            <a:endParaRPr lang="en-US" dirty="0"/>
           </a:p>
         </p:txBody>
       </p:sp>
@@ -1891,7 +4305,7 @@
           <a:p>
             <a:fld id="{5BCAD085-E8A6-8845-BD4E-CB4CCA059FC4}" type="datetimeFigureOut">
               <a:rPr lang="en-US" smtClean="0"/>
-              <a:t>1/27/13</a:t>
+              <a:t>4/7/2024</a:t>
             </a:fld>
             <a:endParaRPr lang="en-US"/>
           </a:p>
@@ -1939,10 +4353,41 @@
           </a:p>
         </p:txBody>
       </p:sp>
+      <p:cxnSp>
+        <p:nvCxnSpPr>
+          <p:cNvPr id="14" name="Straight Connector 13"/>
+          <p:cNvCxnSpPr/>
+          <p:nvPr/>
+        </p:nvCxnSpPr>
+        <p:spPr>
+          <a:xfrm>
+            <a:off x="1278466" y="2354670"/>
+            <a:ext cx="6595534" cy="0"/>
+          </a:xfrm>
+          <a:prstGeom prst="line">
+            <a:avLst/>
+          </a:prstGeom>
+          <a:ln w="15875"/>
+        </p:spPr>
+        <p:style>
+          <a:lnRef idx="2">
+            <a:schemeClr val="accent1"/>
+          </a:lnRef>
+          <a:fillRef idx="0">
+            <a:schemeClr val="accent1"/>
+          </a:fillRef>
+          <a:effectRef idx="1">
+            <a:schemeClr val="accent1"/>
+          </a:effectRef>
+          <a:fontRef idx="minor">
+            <a:schemeClr val="tx1"/>
+          </a:fontRef>
+        </p:style>
+      </p:cxnSp>
     </p:spTree>
     <p:extLst>
       <p:ext uri="{BB962C8B-B14F-4D97-AF65-F5344CB8AC3E}">
-        <p14:creationId xmlns:p14="http://schemas.microsoft.com/office/powerpoint/2010/main" val="727027711"/>
+        <p14:creationId xmlns:p14="http://schemas.microsoft.com/office/powerpoint/2010/main" val="1897779436"/>
       </p:ext>
     </p:extLst>
   </p:cSld>
@@ -1986,7 +4431,7 @@
           <a:p>
             <a:fld id="{5BCAD085-E8A6-8845-BD4E-CB4CCA059FC4}" type="datetimeFigureOut">
               <a:rPr lang="en-US" smtClean="0"/>
-              <a:t>1/27/13</a:t>
+              <a:t>4/7/2024</a:t>
             </a:fld>
             <a:endParaRPr lang="en-US"/>
           </a:p>
@@ -2037,7 +4482,7 @@
     </p:spTree>
     <p:extLst>
       <p:ext uri="{BB962C8B-B14F-4D97-AF65-F5344CB8AC3E}">
-        <p14:creationId xmlns:p14="http://schemas.microsoft.com/office/powerpoint/2010/main" val="1212999818"/>
+        <p14:creationId xmlns:p14="http://schemas.microsoft.com/office/powerpoint/2010/main" val="3662151371"/>
       </p:ext>
     </p:extLst>
   </p:cSld>
@@ -2076,23 +4521,25 @@
         </p:nvSpPr>
         <p:spPr>
           <a:xfrm>
-            <a:off x="457200" y="273050"/>
-            <a:ext cx="3008313" cy="1162050"/>
+            <a:off x="1176865" y="1388534"/>
+            <a:ext cx="2536798" cy="1371600"/>
           </a:xfrm>
         </p:spPr>
         <p:txBody>
-          <a:bodyPr anchor="b"/>
+          <a:bodyPr anchor="b">
+            <a:normAutofit/>
+          </a:bodyPr>
           <a:lstStyle>
-            <a:lvl1pPr algn="l">
-              <a:defRPr sz="2000" b="1"/>
+            <a:lvl1pPr algn="ctr">
+              <a:defRPr sz="2400" b="0"/>
             </a:lvl1pPr>
           </a:lstStyle>
           <a:p>
             <a:r>
-              <a:rPr lang="en-US" smtClean="0"/>
+              <a:rPr lang="en-US"/>
               <a:t>Click to edit Master title style</a:t>
             </a:r>
-            <a:endParaRPr lang="en-US"/>
+            <a:endParaRPr lang="en-US" dirty="0"/>
           </a:p>
         </p:txBody>
       </p:sp>
@@ -2108,76 +4555,50 @@
         </p:nvSpPr>
         <p:spPr>
           <a:xfrm>
-            <a:off x="3575050" y="273050"/>
-            <a:ext cx="5111750" cy="5853113"/>
+            <a:off x="4120062" y="982132"/>
+            <a:ext cx="3855539" cy="4893735"/>
           </a:xfrm>
         </p:spPr>
         <p:txBody>
-          <a:bodyPr/>
-          <a:lstStyle>
-            <a:lvl1pPr>
-              <a:defRPr sz="3200"/>
-            </a:lvl1pPr>
-            <a:lvl2pPr>
-              <a:defRPr sz="2800"/>
-            </a:lvl2pPr>
-            <a:lvl3pPr>
-              <a:defRPr sz="2400"/>
-            </a:lvl3pPr>
-            <a:lvl4pPr>
-              <a:defRPr sz="2000"/>
-            </a:lvl4pPr>
-            <a:lvl5pPr>
-              <a:defRPr sz="2000"/>
-            </a:lvl5pPr>
-            <a:lvl6pPr>
-              <a:defRPr sz="2000"/>
-            </a:lvl6pPr>
-            <a:lvl7pPr>
-              <a:defRPr sz="2000"/>
-            </a:lvl7pPr>
-            <a:lvl8pPr>
-              <a:defRPr sz="2000"/>
-            </a:lvl8pPr>
-            <a:lvl9pPr>
-              <a:defRPr sz="2000"/>
-            </a:lvl9pPr>
-          </a:lstStyle>
+          <a:bodyPr anchor="ctr">
+            <a:normAutofit/>
+          </a:bodyPr>
+          <a:lstStyle/>
           <a:p>
             <a:pPr lvl="0"/>
             <a:r>
-              <a:rPr lang="en-US" smtClean="0"/>
-              <a:t>Click to edit Master text styles</a:t>
+              <a:rPr lang="en-US"/>
+              <a:t>Edit Master text styles</a:t>
             </a:r>
           </a:p>
           <a:p>
             <a:pPr lvl="1"/>
             <a:r>
-              <a:rPr lang="en-US" smtClean="0"/>
+              <a:rPr lang="en-US"/>
               <a:t>Second level</a:t>
             </a:r>
           </a:p>
           <a:p>
             <a:pPr lvl="2"/>
             <a:r>
-              <a:rPr lang="en-US" smtClean="0"/>
+              <a:rPr lang="en-US"/>
               <a:t>Third level</a:t>
             </a:r>
           </a:p>
           <a:p>
             <a:pPr lvl="3"/>
             <a:r>
-              <a:rPr lang="en-US" smtClean="0"/>
+              <a:rPr lang="en-US"/>
               <a:t>Fourth level</a:t>
             </a:r>
           </a:p>
           <a:p>
             <a:pPr lvl="4"/>
             <a:r>
-              <a:rPr lang="en-US" smtClean="0"/>
+              <a:rPr lang="en-US"/>
               <a:t>Fifth level</a:t>
             </a:r>
-            <a:endParaRPr lang="en-US"/>
+            <a:endParaRPr lang="en-US" dirty="0"/>
           </a:p>
         </p:txBody>
       </p:sp>
@@ -2193,16 +4614,18 @@
         </p:nvSpPr>
         <p:spPr>
           <a:xfrm>
-            <a:off x="457200" y="1435100"/>
-            <a:ext cx="3008313" cy="4691063"/>
+            <a:off x="1176865" y="3031065"/>
+            <a:ext cx="2536798" cy="2438404"/>
           </a:xfrm>
         </p:spPr>
         <p:txBody>
-          <a:bodyPr/>
+          <a:bodyPr anchor="t">
+            <a:normAutofit/>
+          </a:bodyPr>
           <a:lstStyle>
-            <a:lvl1pPr marL="0" indent="0">
-              <a:buNone/>
-              <a:defRPr sz="1400"/>
+            <a:lvl1pPr marL="0" indent="0" algn="ctr">
+              <a:buNone/>
+              <a:defRPr sz="1600"/>
             </a:lvl1pPr>
             <a:lvl2pPr marL="457200" indent="0">
               <a:buNone/>
@@ -2240,8 +4663,8 @@
           <a:p>
             <a:pPr lvl="0"/>
             <a:r>
-              <a:rPr lang="en-US" smtClean="0"/>
-              <a:t>Click to edit Master text styles</a:t>
+              <a:rPr lang="en-US"/>
+              <a:t>Edit Master text styles</a:t>
             </a:r>
           </a:p>
         </p:txBody>
@@ -2263,7 +4686,7 @@
           <a:p>
             <a:fld id="{5BCAD085-E8A6-8845-BD4E-CB4CCA059FC4}" type="datetimeFigureOut">
               <a:rPr lang="en-US" smtClean="0"/>
-              <a:t>1/27/13</a:t>
+              <a:t>4/7/2024</a:t>
             </a:fld>
             <a:endParaRPr lang="en-US"/>
           </a:p>
@@ -2311,10 +4734,41 @@
           </a:p>
         </p:txBody>
       </p:sp>
+      <p:cxnSp>
+        <p:nvCxnSpPr>
+          <p:cNvPr id="16" name="Straight Connector 15"/>
+          <p:cNvCxnSpPr/>
+          <p:nvPr/>
+        </p:nvCxnSpPr>
+        <p:spPr>
+          <a:xfrm>
+            <a:off x="1278466" y="2912533"/>
+            <a:ext cx="2333594" cy="0"/>
+          </a:xfrm>
+          <a:prstGeom prst="line">
+            <a:avLst/>
+          </a:prstGeom>
+          <a:ln w="15875"/>
+        </p:spPr>
+        <p:style>
+          <a:lnRef idx="2">
+            <a:schemeClr val="accent1"/>
+          </a:lnRef>
+          <a:fillRef idx="0">
+            <a:schemeClr val="accent1"/>
+          </a:fillRef>
+          <a:effectRef idx="1">
+            <a:schemeClr val="accent1"/>
+          </a:effectRef>
+          <a:fontRef idx="minor">
+            <a:schemeClr val="tx1"/>
+          </a:fontRef>
+        </p:style>
+      </p:cxnSp>
     </p:spTree>
     <p:extLst>
       <p:ext uri="{BB962C8B-B14F-4D97-AF65-F5344CB8AC3E}">
-        <p14:creationId xmlns:p14="http://schemas.microsoft.com/office/powerpoint/2010/main" val="1840726560"/>
+        <p14:creationId xmlns:p14="http://schemas.microsoft.com/office/powerpoint/2010/main" val="842760796"/>
       </p:ext>
     </p:extLst>
   </p:cSld>
@@ -2353,31 +4807,33 @@
         </p:nvSpPr>
         <p:spPr>
           <a:xfrm>
-            <a:off x="1792288" y="4800600"/>
-            <a:ext cx="5486400" cy="566738"/>
+            <a:off x="1176865" y="1883832"/>
+            <a:ext cx="3632202" cy="1371600"/>
           </a:xfrm>
         </p:spPr>
         <p:txBody>
-          <a:bodyPr anchor="b"/>
+          <a:bodyPr anchor="b">
+            <a:normAutofit/>
+          </a:bodyPr>
           <a:lstStyle>
-            <a:lvl1pPr algn="l">
-              <a:defRPr sz="2000" b="1"/>
+            <a:lvl1pPr algn="ctr">
+              <a:defRPr sz="2400" b="0"/>
             </a:lvl1pPr>
           </a:lstStyle>
           <a:p>
             <a:r>
-              <a:rPr lang="en-US" smtClean="0"/>
+              <a:rPr lang="en-US"/>
               <a:t>Click to edit Master title style</a:t>
             </a:r>
-            <a:endParaRPr lang="en-US"/>
-          </a:p>
-        </p:txBody>
-      </p:sp>
-      <p:sp>
-        <p:nvSpPr>
-          <p:cNvPr id="3" name="Picture Placeholder 2"/>
-          <p:cNvSpPr>
-            <a:spLocks noGrp="1"/>
+            <a:endParaRPr lang="en-US" dirty="0"/>
+          </a:p>
+        </p:txBody>
+      </p:sp>
+      <p:sp>
+        <p:nvSpPr>
+          <p:cNvPr id="17" name="Picture Placeholder 2"/>
+          <p:cNvSpPr>
+            <a:spLocks noGrp="1" noChangeAspect="1"/>
           </p:cNvSpPr>
           <p:nvPr>
             <p:ph type="pic" idx="1"/>
@@ -2385,77 +4841,105 @@
         </p:nvSpPr>
         <p:spPr>
           <a:xfrm>
-            <a:off x="1792288" y="612775"/>
-            <a:ext cx="5486400" cy="4114800"/>
+            <a:off x="5183069" y="1032933"/>
+            <a:ext cx="2929463" cy="4792136"/>
+          </a:xfrm>
+          <a:prstGeom prst="roundRect">
+            <a:avLst>
+              <a:gd name="adj" fmla="val 0"/>
+            </a:avLst>
+          </a:prstGeom>
+          <a:ln w="57150" cmpd="thickThin">
+            <a:solidFill>
+              <a:schemeClr val="tx1">
+                <a:lumMod val="50000"/>
+                <a:lumOff val="50000"/>
+              </a:schemeClr>
+            </a:solidFill>
+          </a:ln>
+          <a:effectLst>
+            <a:innerShdw blurRad="57150" dist="38100" dir="14460000">
+              <a:srgbClr val="000000">
+                <a:alpha val="70000"/>
+              </a:srgbClr>
+            </a:innerShdw>
+          </a:effectLst>
+        </p:spPr>
+        <p:txBody>
+          <a:bodyPr anchor="t">
+            <a:normAutofit/>
+          </a:bodyPr>
+          <a:lstStyle>
+            <a:lvl1pPr marL="0" indent="0" algn="ctr">
+              <a:buNone/>
+              <a:defRPr sz="1600"/>
+            </a:lvl1pPr>
+            <a:lvl2pPr marL="457200" indent="0">
+              <a:buNone/>
+              <a:defRPr sz="1600"/>
+            </a:lvl2pPr>
+            <a:lvl3pPr marL="914400" indent="0">
+              <a:buNone/>
+              <a:defRPr sz="1600"/>
+            </a:lvl3pPr>
+            <a:lvl4pPr marL="1371600" indent="0">
+              <a:buNone/>
+              <a:defRPr sz="1600"/>
+            </a:lvl4pPr>
+            <a:lvl5pPr marL="1828800" indent="0">
+              <a:buNone/>
+              <a:defRPr sz="1600"/>
+            </a:lvl5pPr>
+            <a:lvl6pPr marL="2286000" indent="0">
+              <a:buNone/>
+              <a:defRPr sz="1600"/>
+            </a:lvl6pPr>
+            <a:lvl7pPr marL="2743200" indent="0">
+              <a:buNone/>
+              <a:defRPr sz="1600"/>
+            </a:lvl7pPr>
+            <a:lvl8pPr marL="3200400" indent="0">
+              <a:buNone/>
+              <a:defRPr sz="1600"/>
+            </a:lvl8pPr>
+            <a:lvl9pPr marL="3657600" indent="0">
+              <a:buNone/>
+              <a:defRPr sz="1600"/>
+            </a:lvl9pPr>
+          </a:lstStyle>
+          <a:p>
+            <a:r>
+              <a:rPr lang="en-US"/>
+              <a:t>Click icon to add picture</a:t>
+            </a:r>
+            <a:endParaRPr lang="en-US" dirty="0"/>
+          </a:p>
+        </p:txBody>
+      </p:sp>
+      <p:sp>
+        <p:nvSpPr>
+          <p:cNvPr id="4" name="Text Placeholder 3"/>
+          <p:cNvSpPr>
+            <a:spLocks noGrp="1"/>
+          </p:cNvSpPr>
+          <p:nvPr>
+            <p:ph type="body" sz="half" idx="2"/>
+          </p:nvPr>
+        </p:nvSpPr>
+        <p:spPr>
+          <a:xfrm>
+            <a:off x="1176865" y="3255432"/>
+            <a:ext cx="3632201" cy="1828800"/>
           </a:xfrm>
         </p:spPr>
         <p:txBody>
-          <a:bodyPr/>
+          <a:bodyPr anchor="t">
+            <a:normAutofit/>
+          </a:bodyPr>
           <a:lstStyle>
-            <a:lvl1pPr marL="0" indent="0">
-              <a:buNone/>
-              <a:defRPr sz="3200"/>
-            </a:lvl1pPr>
-            <a:lvl2pPr marL="457200" indent="0">
-              <a:buNone/>
-              <a:defRPr sz="2800"/>
-            </a:lvl2pPr>
-            <a:lvl3pPr marL="914400" indent="0">
-              <a:buNone/>
-              <a:defRPr sz="2400"/>
-            </a:lvl3pPr>
-            <a:lvl4pPr marL="1371600" indent="0">
-              <a:buNone/>
-              <a:defRPr sz="2000"/>
-            </a:lvl4pPr>
-            <a:lvl5pPr marL="1828800" indent="0">
-              <a:buNone/>
-              <a:defRPr sz="2000"/>
-            </a:lvl5pPr>
-            <a:lvl6pPr marL="2286000" indent="0">
-              <a:buNone/>
-              <a:defRPr sz="2000"/>
-            </a:lvl6pPr>
-            <a:lvl7pPr marL="2743200" indent="0">
-              <a:buNone/>
-              <a:defRPr sz="2000"/>
-            </a:lvl7pPr>
-            <a:lvl8pPr marL="3200400" indent="0">
-              <a:buNone/>
-              <a:defRPr sz="2000"/>
-            </a:lvl8pPr>
-            <a:lvl9pPr marL="3657600" indent="0">
-              <a:buNone/>
-              <a:defRPr sz="2000"/>
-            </a:lvl9pPr>
-          </a:lstStyle>
-          <a:p>
-            <a:endParaRPr lang="en-US"/>
-          </a:p>
-        </p:txBody>
-      </p:sp>
-      <p:sp>
-        <p:nvSpPr>
-          <p:cNvPr id="4" name="Text Placeholder 3"/>
-          <p:cNvSpPr>
-            <a:spLocks noGrp="1"/>
-          </p:cNvSpPr>
-          <p:nvPr>
-            <p:ph type="body" sz="half" idx="2"/>
-          </p:nvPr>
-        </p:nvSpPr>
-        <p:spPr>
-          <a:xfrm>
-            <a:off x="1792288" y="5367338"/>
-            <a:ext cx="5486400" cy="804862"/>
-          </a:xfrm>
-        </p:spPr>
-        <p:txBody>
-          <a:bodyPr/>
-          <a:lstStyle>
-            <a:lvl1pPr marL="0" indent="0">
-              <a:buNone/>
-              <a:defRPr sz="1400"/>
+            <a:lvl1pPr marL="0" indent="0" algn="ctr">
+              <a:buNone/>
+              <a:defRPr sz="1600"/>
             </a:lvl1pPr>
             <a:lvl2pPr marL="457200" indent="0">
               <a:buNone/>
@@ -2493,8 +4977,8 @@
           <a:p>
             <a:pPr lvl="0"/>
             <a:r>
-              <a:rPr lang="en-US" smtClean="0"/>
-              <a:t>Click to edit Master text styles</a:t>
+              <a:rPr lang="en-US"/>
+              <a:t>Edit Master text styles</a:t>
             </a:r>
           </a:p>
         </p:txBody>
@@ -2516,7 +5000,7 @@
           <a:p>
             <a:fld id="{5BCAD085-E8A6-8845-BD4E-CB4CCA059FC4}" type="datetimeFigureOut">
               <a:rPr lang="en-US" smtClean="0"/>
-              <a:t>1/27/13</a:t>
+              <a:t>4/7/2024</a:t>
             </a:fld>
             <a:endParaRPr lang="en-US"/>
           </a:p>
@@ -2567,7 +5051,7 @@
     </p:spTree>
     <p:extLst>
       <p:ext uri="{BB962C8B-B14F-4D97-AF65-F5344CB8AC3E}">
-        <p14:creationId xmlns:p14="http://schemas.microsoft.com/office/powerpoint/2010/main" val="3889236939"/>
+        <p14:creationId xmlns:p14="http://schemas.microsoft.com/office/powerpoint/2010/main" val="3526218848"/>
       </p:ext>
     </p:extLst>
   </p:cSld>
@@ -2581,7 +5065,7 @@
 <p:sldMaster xmlns:a="http://schemas.openxmlformats.org/drawingml/2006/main" xmlns:r="http://schemas.openxmlformats.org/officeDocument/2006/relationships" xmlns:p="http://schemas.openxmlformats.org/presentationml/2006/main">
   <p:cSld>
     <p:bg>
-      <p:bgRef idx="1001">
+      <p:bgRef idx="1003">
         <a:schemeClr val="bg1"/>
       </p:bgRef>
     </p:bg>
@@ -2599,6 +5083,143 @@
           <a:chExt cx="0" cy="0"/>
         </a:xfrm>
       </p:grpSpPr>
+      <p:grpSp>
+        <p:nvGrpSpPr>
+          <p:cNvPr id="7" name="Group 6"/>
+          <p:cNvGrpSpPr/>
+          <p:nvPr/>
+        </p:nvGrpSpPr>
+        <p:grpSpPr>
+          <a:xfrm>
+            <a:off x="0" y="0"/>
+            <a:ext cx="9152467" cy="6858000"/>
+            <a:chOff x="0" y="0"/>
+            <a:chExt cx="9152467" cy="6858000"/>
+          </a:xfrm>
+        </p:grpSpPr>
+        <p:pic>
+          <p:nvPicPr>
+            <p:cNvPr id="8" name="Picture 7" descr="SD-PanelContent.png"/>
+            <p:cNvPicPr>
+              <a:picLocks noChangeAspect="1"/>
+            </p:cNvPicPr>
+            <p:nvPr/>
+          </p:nvPicPr>
+          <p:blipFill>
+            <a:blip r:embed="rId19">
+              <a:extLst>
+                <a:ext uri="{28A0092B-C50C-407E-A947-70E740481C1C}">
+                  <a14:useLocalDpi xmlns:a14="http://schemas.microsoft.com/office/drawing/2010/main" val="0"/>
+                </a:ext>
+              </a:extLst>
+            </a:blip>
+            <a:stretch>
+              <a:fillRect/>
+            </a:stretch>
+          </p:blipFill>
+          <p:spPr>
+            <a:xfrm>
+              <a:off x="0" y="0"/>
+              <a:ext cx="9144000" cy="6858000"/>
+            </a:xfrm>
+            <a:prstGeom prst="rect">
+              <a:avLst/>
+            </a:prstGeom>
+          </p:spPr>
+        </p:pic>
+        <p:sp>
+          <p:nvSpPr>
+            <p:cNvPr id="9" name="Rectangle 8"/>
+            <p:cNvSpPr/>
+            <p:nvPr/>
+          </p:nvSpPr>
+          <p:spPr>
+            <a:xfrm>
+              <a:off x="553888" y="542807"/>
+              <a:ext cx="8039776" cy="5756392"/>
+            </a:xfrm>
+            <a:prstGeom prst="rect">
+              <a:avLst/>
+            </a:prstGeom>
+            <a:noFill/>
+            <a:ln w="15875" cap="flat">
+              <a:miter lim="800000"/>
+            </a:ln>
+          </p:spPr>
+          <p:style>
+            <a:lnRef idx="1">
+              <a:schemeClr val="accent1"/>
+            </a:lnRef>
+            <a:fillRef idx="3">
+              <a:schemeClr val="accent1"/>
+            </a:fillRef>
+            <a:effectRef idx="2">
+              <a:schemeClr val="accent1"/>
+            </a:effectRef>
+            <a:fontRef idx="minor">
+              <a:schemeClr val="lt1"/>
+            </a:fontRef>
+          </p:style>
+        </p:sp>
+        <p:pic>
+          <p:nvPicPr>
+            <p:cNvPr id="10" name="Picture 9" descr="HDRibbonContent-UniformTrim.png"/>
+            <p:cNvPicPr>
+              <a:picLocks noChangeAspect="1"/>
+            </p:cNvPicPr>
+            <p:nvPr/>
+          </p:nvPicPr>
+          <p:blipFill rotWithShape="1">
+            <a:blip r:embed="rId20">
+              <a:extLst>
+                <a:ext uri="{28A0092B-C50C-407E-A947-70E740481C1C}">
+                  <a14:useLocalDpi xmlns:a14="http://schemas.microsoft.com/office/drawing/2010/main" val="0"/>
+                </a:ext>
+              </a:extLst>
+            </a:blip>
+            <a:srcRect l="1" r="14240"/>
+            <a:stretch/>
+          </p:blipFill>
+          <p:spPr>
+            <a:xfrm>
+              <a:off x="0" y="3128434"/>
+              <a:ext cx="685800" cy="606425"/>
+            </a:xfrm>
+            <a:prstGeom prst="rect">
+              <a:avLst/>
+            </a:prstGeom>
+          </p:spPr>
+        </p:pic>
+        <p:pic>
+          <p:nvPicPr>
+            <p:cNvPr id="11" name="Picture 10" descr="HDRibbonContent-UniformTrim.png"/>
+            <p:cNvPicPr>
+              <a:picLocks noChangeAspect="1"/>
+            </p:cNvPicPr>
+            <p:nvPr/>
+          </p:nvPicPr>
+          <p:blipFill rotWithShape="1">
+            <a:blip r:embed="rId20">
+              <a:extLst>
+                <a:ext uri="{28A0092B-C50C-407E-A947-70E740481C1C}">
+                  <a14:useLocalDpi xmlns:a14="http://schemas.microsoft.com/office/drawing/2010/main" val="0"/>
+                </a:ext>
+              </a:extLst>
+            </a:blip>
+            <a:srcRect l="1" r="14240"/>
+            <a:stretch/>
+          </p:blipFill>
+          <p:spPr>
+            <a:xfrm>
+              <a:off x="8466667" y="3128434"/>
+              <a:ext cx="685800" cy="606425"/>
+            </a:xfrm>
+            <a:prstGeom prst="rect">
+              <a:avLst/>
+            </a:prstGeom>
+          </p:spPr>
+        </p:pic>
+      </p:grpSp>
       <p:sp>
         <p:nvSpPr>
           <p:cNvPr id="2" name="Title Placeholder 1"/>
@@ -2611,103 +5232,145 @@
         </p:nvSpPr>
         <p:spPr>
           <a:xfrm>
-            <a:off x="457200" y="274638"/>
-            <a:ext cx="8229600" cy="1143000"/>
+            <a:off x="1176866" y="915337"/>
+            <a:ext cx="6798734" cy="1303867"/>
+          </a:xfrm>
+          <a:prstGeom prst="rect">
+            <a:avLst/>
+          </a:prstGeom>
+          <a:effectLst/>
+        </p:spPr>
+        <p:txBody>
+          <a:bodyPr vert="horz" lIns="91440" tIns="45720" rIns="91440" bIns="45720" rtlCol="0" anchor="ctr">
+            <a:normAutofit/>
+          </a:bodyPr>
+          <a:lstStyle/>
+          <a:p>
+            <a:r>
+              <a:rPr lang="en-US"/>
+              <a:t>Click to edit Master title style</a:t>
+            </a:r>
+            <a:endParaRPr lang="en-US" dirty="0"/>
+          </a:p>
+        </p:txBody>
+      </p:sp>
+      <p:sp>
+        <p:nvSpPr>
+          <p:cNvPr id="3" name="Text Placeholder 2"/>
+          <p:cNvSpPr>
+            <a:spLocks noGrp="1"/>
+          </p:cNvSpPr>
+          <p:nvPr>
+            <p:ph type="body" idx="1"/>
+          </p:nvPr>
+        </p:nvSpPr>
+        <p:spPr>
+          <a:xfrm>
+            <a:off x="1176865" y="2490135"/>
+            <a:ext cx="6798736" cy="3444997"/>
           </a:xfrm>
           <a:prstGeom prst="rect">
             <a:avLst/>
           </a:prstGeom>
         </p:spPr>
         <p:txBody>
-          <a:bodyPr vert="horz" lIns="91440" tIns="45720" rIns="91440" bIns="45720" rtlCol="0" anchor="ctr">
+          <a:bodyPr vert="horz" lIns="91440" tIns="45720" rIns="91440" bIns="45720" rtlCol="0" anchor="t">
             <a:normAutofit/>
           </a:bodyPr>
           <a:lstStyle/>
           <a:p>
-            <a:r>
-              <a:rPr lang="en-US" smtClean="0"/>
-              <a:t>Click to edit Master title style</a:t>
-            </a:r>
-            <a:endParaRPr lang="en-US"/>
-          </a:p>
-        </p:txBody>
-      </p:sp>
-      <p:sp>
-        <p:nvSpPr>
-          <p:cNvPr id="3" name="Text Placeholder 2"/>
-          <p:cNvSpPr>
-            <a:spLocks noGrp="1"/>
-          </p:cNvSpPr>
-          <p:nvPr>
-            <p:ph type="body" idx="1"/>
+            <a:pPr lvl="0"/>
+            <a:r>
+              <a:rPr lang="en-US"/>
+              <a:t>Edit Master text styles</a:t>
+            </a:r>
+          </a:p>
+          <a:p>
+            <a:pPr lvl="1"/>
+            <a:r>
+              <a:rPr lang="en-US"/>
+              <a:t>Second level</a:t>
+            </a:r>
+          </a:p>
+          <a:p>
+            <a:pPr lvl="2"/>
+            <a:r>
+              <a:rPr lang="en-US"/>
+              <a:t>Third level</a:t>
+            </a:r>
+          </a:p>
+          <a:p>
+            <a:pPr lvl="3"/>
+            <a:r>
+              <a:rPr lang="en-US"/>
+              <a:t>Fourth level</a:t>
+            </a:r>
+          </a:p>
+          <a:p>
+            <a:pPr lvl="4"/>
+            <a:r>
+              <a:rPr lang="en-US"/>
+              <a:t>Fifth level</a:t>
+            </a:r>
+            <a:endParaRPr lang="en-US" dirty="0"/>
+          </a:p>
+        </p:txBody>
+      </p:sp>
+      <p:sp>
+        <p:nvSpPr>
+          <p:cNvPr id="4" name="Date Placeholder 3"/>
+          <p:cNvSpPr>
+            <a:spLocks noGrp="1"/>
+          </p:cNvSpPr>
+          <p:nvPr>
+            <p:ph type="dt" sz="half" idx="2"/>
           </p:nvPr>
         </p:nvSpPr>
         <p:spPr>
           <a:xfrm>
-            <a:off x="457200" y="1600200"/>
-            <a:ext cx="8229600" cy="4525963"/>
+            <a:off x="6356670" y="5960533"/>
+            <a:ext cx="1148283" cy="279400"/>
           </a:xfrm>
           <a:prstGeom prst="rect">
             <a:avLst/>
           </a:prstGeom>
         </p:spPr>
         <p:txBody>
-          <a:bodyPr vert="horz" lIns="91440" tIns="45720" rIns="91440" bIns="45720" rtlCol="0">
-            <a:normAutofit/>
-          </a:bodyPr>
-          <a:lstStyle/>
-          <a:p>
-            <a:pPr lvl="0"/>
-            <a:r>
+          <a:bodyPr vert="horz" lIns="91440" tIns="45720" rIns="91440" bIns="45720" rtlCol="0" anchor="ctr"/>
+          <a:lstStyle>
+            <a:lvl1pPr algn="r">
+              <a:defRPr sz="1000" b="0" i="0">
+                <a:solidFill>
+                  <a:schemeClr val="tx1"/>
+                </a:solidFill>
+                <a:effectLst/>
+                <a:latin typeface="+mn-lt"/>
+              </a:defRPr>
+            </a:lvl1pPr>
+          </a:lstStyle>
+          <a:p>
+            <a:fld id="{5BCAD085-E8A6-8845-BD4E-CB4CCA059FC4}" type="datetimeFigureOut">
               <a:rPr lang="en-US" smtClean="0"/>
-              <a:t>Click to edit Master text styles</a:t>
-            </a:r>
-          </a:p>
-          <a:p>
-            <a:pPr lvl="1"/>
-            <a:r>
-              <a:rPr lang="en-US" smtClean="0"/>
-              <a:t>Second level</a:t>
-            </a:r>
-          </a:p>
-          <a:p>
-            <a:pPr lvl="2"/>
-            <a:r>
-              <a:rPr lang="en-US" smtClean="0"/>
-              <a:t>Third level</a:t>
-            </a:r>
-          </a:p>
-          <a:p>
-            <a:pPr lvl="3"/>
-            <a:r>
-              <a:rPr lang="en-US" smtClean="0"/>
-              <a:t>Fourth level</a:t>
-            </a:r>
-          </a:p>
-          <a:p>
-            <a:pPr lvl="4"/>
-            <a:r>
-              <a:rPr lang="en-US" smtClean="0"/>
-              <a:t>Fifth level</a:t>
-            </a:r>
+              <a:t>4/7/2024</a:t>
+            </a:fld>
             <a:endParaRPr lang="en-US"/>
           </a:p>
         </p:txBody>
       </p:sp>
       <p:sp>
         <p:nvSpPr>
-          <p:cNvPr id="4" name="Date Placeholder 3"/>
-          <p:cNvSpPr>
-            <a:spLocks noGrp="1"/>
-          </p:cNvSpPr>
-          <p:nvPr>
-            <p:ph type="dt" sz="half" idx="2"/>
+          <p:cNvPr id="5" name="Footer Placeholder 4"/>
+          <p:cNvSpPr>
+            <a:spLocks noGrp="1"/>
+          </p:cNvSpPr>
+          <p:nvPr>
+            <p:ph type="ftr" sz="quarter" idx="3"/>
           </p:nvPr>
         </p:nvSpPr>
         <p:spPr>
           <a:xfrm>
-            <a:off x="457200" y="6356350"/>
-            <a:ext cx="2133600" cy="365125"/>
+            <a:off x="1176865" y="5960533"/>
+            <a:ext cx="5104667" cy="279400"/>
           </a:xfrm>
           <a:prstGeom prst="rect">
             <a:avLst/>
@@ -2717,38 +5380,34 @@
           <a:bodyPr vert="horz" lIns="91440" tIns="45720" rIns="91440" bIns="45720" rtlCol="0" anchor="ctr"/>
           <a:lstStyle>
             <a:lvl1pPr algn="l">
-              <a:defRPr sz="1200">
-                <a:solidFill>
-                  <a:schemeClr val="tx1">
-                    <a:tint val="75000"/>
-                  </a:schemeClr>
-                </a:solidFill>
+              <a:defRPr sz="1000" b="0" i="0">
+                <a:solidFill>
+                  <a:schemeClr val="tx1"/>
+                </a:solidFill>
+                <a:effectLst/>
+                <a:latin typeface="+mn-lt"/>
               </a:defRPr>
             </a:lvl1pPr>
           </a:lstStyle>
           <a:p>
-            <a:fld id="{5BCAD085-E8A6-8845-BD4E-CB4CCA059FC4}" type="datetimeFigureOut">
-              <a:rPr lang="en-US" smtClean="0"/>
-              <a:t>1/27/13</a:t>
-            </a:fld>
             <a:endParaRPr lang="en-US"/>
           </a:p>
         </p:txBody>
       </p:sp>
       <p:sp>
         <p:nvSpPr>
-          <p:cNvPr id="5" name="Footer Placeholder 4"/>
-          <p:cNvSpPr>
-            <a:spLocks noGrp="1"/>
-          </p:cNvSpPr>
-          <p:nvPr>
-            <p:ph type="ftr" sz="quarter" idx="3"/>
+          <p:cNvPr id="6" name="Slide Number Placeholder 5"/>
+          <p:cNvSpPr>
+            <a:spLocks noGrp="1"/>
+          </p:cNvSpPr>
+          <p:nvPr>
+            <p:ph type="sldNum" sz="quarter" idx="4"/>
           </p:nvPr>
         </p:nvSpPr>
         <p:spPr>
           <a:xfrm>
-            <a:off x="3124200" y="6356350"/>
-            <a:ext cx="2895600" cy="365125"/>
+            <a:off x="7580091" y="5960533"/>
+            <a:ext cx="395510" cy="279400"/>
           </a:xfrm>
           <a:prstGeom prst="rect">
             <a:avLst/>
@@ -2757,50 +5416,13 @@
         <p:txBody>
           <a:bodyPr vert="horz" lIns="91440" tIns="45720" rIns="91440" bIns="45720" rtlCol="0" anchor="ctr"/>
           <a:lstStyle>
-            <a:lvl1pPr algn="ctr">
-              <a:defRPr sz="1200">
-                <a:solidFill>
-                  <a:schemeClr val="tx1">
-                    <a:tint val="75000"/>
-                  </a:schemeClr>
-                </a:solidFill>
-              </a:defRPr>
-            </a:lvl1pPr>
-          </a:lstStyle>
-          <a:p>
-            <a:endParaRPr lang="en-US"/>
-          </a:p>
-        </p:txBody>
-      </p:sp>
-      <p:sp>
-        <p:nvSpPr>
-          <p:cNvPr id="6" name="Slide Number Placeholder 5"/>
-          <p:cNvSpPr>
-            <a:spLocks noGrp="1"/>
-          </p:cNvSpPr>
-          <p:nvPr>
-            <p:ph type="sldNum" sz="quarter" idx="4"/>
-          </p:nvPr>
-        </p:nvSpPr>
-        <p:spPr>
-          <a:xfrm>
-            <a:off x="6553200" y="6356350"/>
-            <a:ext cx="2133600" cy="365125"/>
-          </a:xfrm>
-          <a:prstGeom prst="rect">
-            <a:avLst/>
-          </a:prstGeom>
-        </p:spPr>
-        <p:txBody>
-          <a:bodyPr vert="horz" lIns="91440" tIns="45720" rIns="91440" bIns="45720" rtlCol="0" anchor="ctr"/>
-          <a:lstStyle>
             <a:lvl1pPr algn="r">
-              <a:defRPr sz="1200">
-                <a:solidFill>
-                  <a:schemeClr val="tx1">
-                    <a:tint val="75000"/>
-                  </a:schemeClr>
-                </a:solidFill>
+              <a:defRPr sz="1000" b="0" i="0">
+                <a:solidFill>
+                  <a:schemeClr val="tx1"/>
+                </a:solidFill>
+                <a:effectLst/>
+                <a:latin typeface="+mn-lt"/>
               </a:defRPr>
             </a:lvl1pPr>
           </a:lstStyle>
@@ -2816,23 +5438,29 @@
     </p:spTree>
     <p:extLst>
       <p:ext uri="{BB962C8B-B14F-4D97-AF65-F5344CB8AC3E}">
-        <p14:creationId xmlns:p14="http://schemas.microsoft.com/office/powerpoint/2010/main" val="2209977519"/>
+        <p14:creationId xmlns:p14="http://schemas.microsoft.com/office/powerpoint/2010/main" val="3703510637"/>
       </p:ext>
     </p:extLst>
   </p:cSld>
   <p:clrMap bg1="lt1" tx1="dk1" bg2="lt2" tx2="dk2" accent1="accent1" accent2="accent2" accent3="accent3" accent4="accent4" accent5="accent5" accent6="accent6" hlink="hlink" folHlink="folHlink"/>
   <p:sldLayoutIdLst>
-    <p:sldLayoutId id="2147483649" r:id="rId1"/>
-    <p:sldLayoutId id="2147483650" r:id="rId2"/>
-    <p:sldLayoutId id="2147483651" r:id="rId3"/>
-    <p:sldLayoutId id="2147483652" r:id="rId4"/>
-    <p:sldLayoutId id="2147483653" r:id="rId5"/>
-    <p:sldLayoutId id="2147483654" r:id="rId6"/>
-    <p:sldLayoutId id="2147483655" r:id="rId7"/>
-    <p:sldLayoutId id="2147483656" r:id="rId8"/>
-    <p:sldLayoutId id="2147483657" r:id="rId9"/>
-    <p:sldLayoutId id="2147483658" r:id="rId10"/>
-    <p:sldLayoutId id="2147483659" r:id="rId11"/>
+    <p:sldLayoutId id="2147483661" r:id="rId1"/>
+    <p:sldLayoutId id="2147483662" r:id="rId2"/>
+    <p:sldLayoutId id="2147483663" r:id="rId3"/>
+    <p:sldLayoutId id="2147483664" r:id="rId4"/>
+    <p:sldLayoutId id="2147483665" r:id="rId5"/>
+    <p:sldLayoutId id="2147483666" r:id="rId6"/>
+    <p:sldLayoutId id="2147483667" r:id="rId7"/>
+    <p:sldLayoutId id="2147483668" r:id="rId8"/>
+    <p:sldLayoutId id="2147483669" r:id="rId9"/>
+    <p:sldLayoutId id="2147483670" r:id="rId10"/>
+    <p:sldLayoutId id="2147483671" r:id="rId11"/>
+    <p:sldLayoutId id="2147483672" r:id="rId12"/>
+    <p:sldLayoutId id="2147483673" r:id="rId13"/>
+    <p:sldLayoutId id="2147483674" r:id="rId14"/>
+    <p:sldLayoutId id="2147483675" r:id="rId15"/>
+    <p:sldLayoutId id="2147483676" r:id="rId16"/>
+    <p:sldLayoutId id="2147483677" r:id="rId17"/>
   </p:sldLayoutIdLst>
   <p:txStyles>
     <p:titleStyle>
@@ -2841,27 +5469,101 @@
           <a:spcPct val="0"/>
         </a:spcBef>
         <a:buNone/>
-        <a:defRPr sz="4400" kern="1200">
+        <a:defRPr sz="4000" kern="1200" cap="none">
+          <a:ln w="3175" cmpd="sng">
+            <a:noFill/>
+          </a:ln>
           <a:solidFill>
-            <a:schemeClr val="tx1"/>
+            <a:schemeClr val="tx1">
+              <a:lumMod val="85000"/>
+              <a:lumOff val="15000"/>
+            </a:schemeClr>
           </a:solidFill>
+          <a:effectLst/>
           <a:latin typeface="+mj-lt"/>
           <a:ea typeface="+mj-ea"/>
           <a:cs typeface="+mj-cs"/>
         </a:defRPr>
       </a:lvl1pPr>
+      <a:lvl2pPr eaLnBrk="1" hangingPunct="1">
+        <a:defRPr>
+          <a:solidFill>
+            <a:schemeClr val="tx2"/>
+          </a:solidFill>
+        </a:defRPr>
+      </a:lvl2pPr>
+      <a:lvl3pPr eaLnBrk="1" hangingPunct="1">
+        <a:defRPr>
+          <a:solidFill>
+            <a:schemeClr val="tx2"/>
+          </a:solidFill>
+        </a:defRPr>
+      </a:lvl3pPr>
+      <a:lvl4pPr eaLnBrk="1" hangingPunct="1">
+        <a:defRPr>
+          <a:solidFill>
+            <a:schemeClr val="tx2"/>
+          </a:solidFill>
+        </a:defRPr>
+      </a:lvl4pPr>
+      <a:lvl5pPr eaLnBrk="1" hangingPunct="1">
+        <a:defRPr>
+          <a:solidFill>
+            <a:schemeClr val="tx2"/>
+          </a:solidFill>
+        </a:defRPr>
+      </a:lvl5pPr>
+      <a:lvl6pPr eaLnBrk="1" hangingPunct="1">
+        <a:defRPr>
+          <a:solidFill>
+            <a:schemeClr val="tx2"/>
+          </a:solidFill>
+        </a:defRPr>
+      </a:lvl6pPr>
+      <a:lvl7pPr eaLnBrk="1" hangingPunct="1">
+        <a:defRPr>
+          <a:solidFill>
+            <a:schemeClr val="tx2"/>
+          </a:solidFill>
+        </a:defRPr>
+      </a:lvl7pPr>
+      <a:lvl8pPr eaLnBrk="1" hangingPunct="1">
+        <a:defRPr>
+          <a:solidFill>
+            <a:schemeClr val="tx2"/>
+          </a:solidFill>
+        </a:defRPr>
+      </a:lvl8pPr>
+      <a:lvl9pPr eaLnBrk="1" hangingPunct="1">
+        <a:defRPr>
+          <a:solidFill>
+            <a:schemeClr val="tx2"/>
+          </a:solidFill>
+        </a:defRPr>
+      </a:lvl9pPr>
     </p:titleStyle>
     <p:bodyStyle>
-      <a:lvl1pPr marL="342900" indent="-342900" algn="l" defTabSz="457200" rtl="0" eaLnBrk="1" latinLnBrk="0" hangingPunct="1">
+      <a:lvl1pPr marL="285750" indent="-285750" algn="l" defTabSz="457200" rtl="0" eaLnBrk="1" latinLnBrk="0" hangingPunct="1">
         <a:spcBef>
           <a:spcPct val="20000"/>
         </a:spcBef>
+        <a:spcAft>
+          <a:spcPts val="600"/>
+        </a:spcAft>
+        <a:buClr>
+          <a:schemeClr val="accent1"/>
+        </a:buClr>
+        <a:buSzPct val="115000"/>
         <a:buFont typeface="Arial"/>
         <a:buChar char="•"/>
-        <a:defRPr sz="3200" kern="1200">
+        <a:defRPr sz="2400" kern="1200" cap="none">
           <a:solidFill>
-            <a:schemeClr val="tx1"/>
+            <a:schemeClr val="tx1">
+              <a:lumMod val="85000"/>
+              <a:lumOff val="15000"/>
+            </a:schemeClr>
           </a:solidFill>
+          <a:effectLst/>
           <a:latin typeface="+mn-lt"/>
           <a:ea typeface="+mn-ea"/>
           <a:cs typeface="+mn-cs"/>
@@ -2871,57 +5573,101 @@
         <a:spcBef>
           <a:spcPct val="20000"/>
         </a:spcBef>
+        <a:spcAft>
+          <a:spcPts val="600"/>
+        </a:spcAft>
+        <a:buClr>
+          <a:schemeClr val="accent1"/>
+        </a:buClr>
+        <a:buSzPct val="115000"/>
         <a:buFont typeface="Arial"/>
-        <a:buChar char="–"/>
-        <a:defRPr sz="2800" kern="1200">
+        <a:buChar char="•"/>
+        <a:defRPr sz="2000" kern="1200" cap="none">
           <a:solidFill>
-            <a:schemeClr val="tx1"/>
+            <a:schemeClr val="tx1">
+              <a:lumMod val="85000"/>
+              <a:lumOff val="15000"/>
+            </a:schemeClr>
           </a:solidFill>
+          <a:effectLst/>
           <a:latin typeface="+mn-lt"/>
           <a:ea typeface="+mn-ea"/>
           <a:cs typeface="+mn-cs"/>
         </a:defRPr>
       </a:lvl2pPr>
-      <a:lvl3pPr marL="1143000" indent="-228600" algn="l" defTabSz="457200" rtl="0" eaLnBrk="1" latinLnBrk="0" hangingPunct="1">
+      <a:lvl3pPr marL="1200150" indent="-285750" algn="l" defTabSz="457200" rtl="0" eaLnBrk="1" latinLnBrk="0" hangingPunct="1">
         <a:spcBef>
           <a:spcPct val="20000"/>
         </a:spcBef>
+        <a:spcAft>
+          <a:spcPts val="600"/>
+        </a:spcAft>
+        <a:buClr>
+          <a:schemeClr val="accent1"/>
+        </a:buClr>
+        <a:buSzPct val="115000"/>
         <a:buFont typeface="Arial"/>
         <a:buChar char="•"/>
-        <a:defRPr sz="2400" kern="1200">
+        <a:defRPr sz="1800" kern="1200" cap="none">
           <a:solidFill>
-            <a:schemeClr val="tx1"/>
+            <a:schemeClr val="tx1">
+              <a:lumMod val="85000"/>
+              <a:lumOff val="15000"/>
+            </a:schemeClr>
           </a:solidFill>
+          <a:effectLst/>
           <a:latin typeface="+mn-lt"/>
           <a:ea typeface="+mn-ea"/>
           <a:cs typeface="+mn-cs"/>
         </a:defRPr>
       </a:lvl3pPr>
-      <a:lvl4pPr marL="1600200" indent="-228600" algn="l" defTabSz="457200" rtl="0" eaLnBrk="1" latinLnBrk="0" hangingPunct="1">
+      <a:lvl4pPr marL="1543050" indent="-171450" algn="l" defTabSz="457200" rtl="0" eaLnBrk="1" latinLnBrk="0" hangingPunct="1">
         <a:spcBef>
           <a:spcPct val="20000"/>
         </a:spcBef>
+        <a:spcAft>
+          <a:spcPts val="600"/>
+        </a:spcAft>
+        <a:buClr>
+          <a:schemeClr val="accent1"/>
+        </a:buClr>
+        <a:buSzPct val="115000"/>
         <a:buFont typeface="Arial"/>
-        <a:buChar char="–"/>
-        <a:defRPr sz="2000" kern="1200">
+        <a:buChar char="•"/>
+        <a:defRPr sz="1600" kern="1200" cap="none">
           <a:solidFill>
-            <a:schemeClr val="tx1"/>
+            <a:schemeClr val="tx1">
+              <a:lumMod val="85000"/>
+              <a:lumOff val="15000"/>
+            </a:schemeClr>
           </a:solidFill>
+          <a:effectLst/>
           <a:latin typeface="+mn-lt"/>
           <a:ea typeface="+mn-ea"/>
           <a:cs typeface="+mn-cs"/>
         </a:defRPr>
       </a:lvl4pPr>
-      <a:lvl5pPr marL="2057400" indent="-228600" algn="l" defTabSz="457200" rtl="0" eaLnBrk="1" latinLnBrk="0" hangingPunct="1">
+      <a:lvl5pPr marL="2000250" indent="-171450" algn="l" defTabSz="457200" rtl="0" eaLnBrk="1" latinLnBrk="0" hangingPunct="1">
         <a:spcBef>
           <a:spcPct val="20000"/>
         </a:spcBef>
+        <a:spcAft>
+          <a:spcPts val="600"/>
+        </a:spcAft>
+        <a:buClr>
+          <a:schemeClr val="accent1"/>
+        </a:buClr>
+        <a:buSzPct val="115000"/>
         <a:buFont typeface="Arial"/>
-        <a:buChar char="»"/>
-        <a:defRPr sz="2000" kern="1200">
+        <a:buChar char="•"/>
+        <a:defRPr sz="1400" kern="1200" cap="none">
           <a:solidFill>
-            <a:schemeClr val="tx1"/>
+            <a:schemeClr val="tx1">
+              <a:lumMod val="85000"/>
+              <a:lumOff val="15000"/>
+            </a:schemeClr>
           </a:solidFill>
+          <a:effectLst/>
           <a:latin typeface="+mn-lt"/>
           <a:ea typeface="+mn-ea"/>
           <a:cs typeface="+mn-cs"/>
@@ -2931,12 +5677,23 @@
         <a:spcBef>
           <a:spcPct val="20000"/>
         </a:spcBef>
+        <a:spcAft>
+          <a:spcPts val="600"/>
+        </a:spcAft>
+        <a:buClr>
+          <a:schemeClr val="accent1"/>
+        </a:buClr>
+        <a:buSzPct val="115000"/>
         <a:buFont typeface="Arial"/>
         <a:buChar char="•"/>
-        <a:defRPr sz="2000" kern="1200">
+        <a:defRPr sz="1400" kern="1200" cap="none">
           <a:solidFill>
-            <a:schemeClr val="tx1"/>
+            <a:schemeClr val="tx1">
+              <a:lumMod val="85000"/>
+              <a:lumOff val="15000"/>
+            </a:schemeClr>
           </a:solidFill>
+          <a:effectLst/>
           <a:latin typeface="+mn-lt"/>
           <a:ea typeface="+mn-ea"/>
           <a:cs typeface="+mn-cs"/>
@@ -2946,12 +5703,23 @@
         <a:spcBef>
           <a:spcPct val="20000"/>
         </a:spcBef>
+        <a:spcAft>
+          <a:spcPts val="600"/>
+        </a:spcAft>
+        <a:buClr>
+          <a:schemeClr val="accent1"/>
+        </a:buClr>
+        <a:buSzPct val="115000"/>
         <a:buFont typeface="Arial"/>
         <a:buChar char="•"/>
-        <a:defRPr sz="2000" kern="1200">
+        <a:defRPr sz="1400" kern="1200" cap="none">
           <a:solidFill>
-            <a:schemeClr val="tx1"/>
+            <a:schemeClr val="tx1">
+              <a:lumMod val="85000"/>
+              <a:lumOff val="15000"/>
+            </a:schemeClr>
           </a:solidFill>
+          <a:effectLst/>
           <a:latin typeface="+mn-lt"/>
           <a:ea typeface="+mn-ea"/>
           <a:cs typeface="+mn-cs"/>
@@ -2961,12 +5729,23 @@
         <a:spcBef>
           <a:spcPct val="20000"/>
         </a:spcBef>
+        <a:spcAft>
+          <a:spcPts val="600"/>
+        </a:spcAft>
+        <a:buClr>
+          <a:schemeClr val="accent1"/>
+        </a:buClr>
+        <a:buSzPct val="115000"/>
         <a:buFont typeface="Arial"/>
         <a:buChar char="•"/>
-        <a:defRPr sz="2000" kern="1200">
+        <a:defRPr sz="1400" kern="1200" cap="none">
           <a:solidFill>
-            <a:schemeClr val="tx1"/>
+            <a:schemeClr val="tx1">
+              <a:lumMod val="85000"/>
+              <a:lumOff val="15000"/>
+            </a:schemeClr>
           </a:solidFill>
+          <a:effectLst/>
           <a:latin typeface="+mn-lt"/>
           <a:ea typeface="+mn-ea"/>
           <a:cs typeface="+mn-cs"/>
@@ -2976,12 +5755,23 @@
         <a:spcBef>
           <a:spcPct val="20000"/>
         </a:spcBef>
+        <a:spcAft>
+          <a:spcPts val="600"/>
+        </a:spcAft>
+        <a:buClr>
+          <a:schemeClr val="accent1"/>
+        </a:buClr>
+        <a:buSzPct val="115000"/>
         <a:buFont typeface="Arial"/>
         <a:buChar char="•"/>
-        <a:defRPr sz="2000" kern="1200">
+        <a:defRPr sz="1400" kern="1200" cap="none">
           <a:solidFill>
-            <a:schemeClr val="tx1"/>
+            <a:schemeClr val="tx1">
+              <a:lumMod val="85000"/>
+              <a:lumOff val="15000"/>
+            </a:schemeClr>
           </a:solidFill>
+          <a:effectLst/>
           <a:latin typeface="+mn-lt"/>
           <a:ea typeface="+mn-ea"/>
           <a:cs typeface="+mn-cs"/>
@@ -3088,7 +5878,7 @@
 </file>
 
 <file path=ppt/slides/slide1.xml><?xml version="1.0" encoding="utf-8"?>
-<p:sld xmlns:a="http://schemas.openxmlformats.org/drawingml/2006/main" xmlns:p="http://schemas.openxmlformats.org/presentationml/2006/main" xmlns:r="http://schemas.openxmlformats.org/officeDocument/2006/relationships">
+<p:sld xmlns:a="http://schemas.openxmlformats.org/drawingml/2006/main" xmlns:r="http://schemas.openxmlformats.org/officeDocument/2006/relationships" xmlns:p="http://schemas.openxmlformats.org/presentationml/2006/main">
   <p:cSld>
     <p:spTree>
       <p:nvGrpSpPr>
@@ -3096,7 +5886,14 @@
         <p:cNvGrpSpPr/>
         <p:nvPr/>
       </p:nvGrpSpPr>
-      <p:grpSpPr/>
+      <p:grpSpPr>
+        <a:xfrm>
+          <a:off x="0" y="0"/>
+          <a:ext cx="0" cy="0"/>
+          <a:chOff x="0" y="0"/>
+          <a:chExt cx="0" cy="0"/>
+        </a:xfrm>
+      </p:grpSpPr>
       <p:sp>
         <p:nvSpPr>
           <p:cNvPr id="2" name="Title 1"/>
@@ -3109,10 +5906,13 @@
         </p:nvSpPr>
         <p:spPr/>
         <p:txBody>
-          <a:bodyPr/>
-          <a:lstStyle/>
-          <a:p>
-            <a:r>
+          <a:bodyPr>
+            <a:normAutofit fontScale="90000"/>
+          </a:bodyPr>
+          <a:lstStyle/>
+          <a:p>
+            <a:r>
+              <a:rPr dirty="0"/>
               <a:t>The Bishnoi Movement: Pioneers of Environmental Conservation</a:t>
             </a:r>
           </a:p>
@@ -3128,28 +5928,79 @@
             <p:ph idx="1"/>
           </p:nvPr>
         </p:nvSpPr>
-        <p:spPr/>
-        <p:txBody>
-          <a:bodyPr/>
-          <a:lstStyle/>
-          <a:p>
-            <a:r>
+        <p:spPr>
+          <a:xfrm>
+            <a:off x="1176865" y="2490135"/>
+            <a:ext cx="6798736" cy="3444997"/>
+          </a:xfrm>
+        </p:spPr>
+        <p:txBody>
+          <a:bodyPr>
+            <a:normAutofit fontScale="92500" lnSpcReduction="20000"/>
+          </a:bodyPr>
+          <a:lstStyle/>
+          <a:p>
+            <a:pPr marL="0" indent="0" algn="ctr">
+              <a:buNone/>
+            </a:pPr>
+            <a:endParaRPr lang="en-US" dirty="0"/>
+          </a:p>
+          <a:p>
+            <a:pPr marL="0" indent="0" algn="ctr">
+              <a:buNone/>
+            </a:pPr>
+            <a:r>
+              <a:rPr b="1" dirty="0"/>
               <a:t>A Historical Insight into Sustainable Living</a:t>
             </a:r>
-          </a:p>
-          <a:p>
-            <a:r>
-              <a:t>Your Name</a:t>
-            </a:r>
-          </a:p>
-          <a:p>
-            <a:r>
-              <a:t>Date</a:t>
-            </a:r>
-          </a:p>
-          <a:p>
-            <a:r>
-              <a:t>College/University Name</a:t>
+            <a:endParaRPr lang="en-US" b="1" dirty="0"/>
+          </a:p>
+          <a:p>
+            <a:pPr marL="0" indent="0" algn="ctr">
+              <a:buNone/>
+            </a:pPr>
+            <a:endParaRPr lang="en-US" dirty="0"/>
+          </a:p>
+          <a:p>
+            <a:pPr marL="0" indent="0" algn="ctr">
+              <a:buNone/>
+            </a:pPr>
+            <a:r>
+              <a:rPr lang="en-US" sz="2600" b="1" dirty="0"/>
+              <a:t>Submitted by: </a:t>
+            </a:r>
+          </a:p>
+          <a:p>
+            <a:pPr marL="0" indent="0" algn="ctr">
+              <a:buNone/>
+            </a:pPr>
+            <a:r>
+              <a:rPr lang="en-US" sz="2200" dirty="0"/>
+              <a:t>Himanshu and Priya</a:t>
+            </a:r>
+          </a:p>
+          <a:p>
+            <a:pPr marL="0" indent="0" algn="ctr">
+              <a:buNone/>
+            </a:pPr>
+            <a:r>
+              <a:rPr lang="en-US" sz="2200" dirty="0"/>
+              <a:t>2nd Semester</a:t>
+            </a:r>
+          </a:p>
+          <a:p>
+            <a:pPr marL="0" indent="0" algn="ctr">
+              <a:buNone/>
+            </a:pPr>
+            <a:endParaRPr lang="en-US" dirty="0"/>
+          </a:p>
+          <a:p>
+            <a:pPr marL="0" indent="0" algn="ctr">
+              <a:buNone/>
+            </a:pPr>
+            <a:r>
+              <a:rPr lang="en-US" b="1" dirty="0"/>
+              <a:t>Shaheed Bhagat Singh College</a:t>
             </a:r>
           </a:p>
         </p:txBody>
@@ -3163,7 +6014,7 @@
 </file>
 
 <file path=ppt/slides/slide10.xml><?xml version="1.0" encoding="utf-8"?>
-<p:sld xmlns:a="http://schemas.openxmlformats.org/drawingml/2006/main" xmlns:p="http://schemas.openxmlformats.org/presentationml/2006/main" xmlns:r="http://schemas.openxmlformats.org/officeDocument/2006/relationships">
+<p:sld xmlns:a="http://schemas.openxmlformats.org/drawingml/2006/main" xmlns:r="http://schemas.openxmlformats.org/officeDocument/2006/relationships" xmlns:p="http://schemas.openxmlformats.org/presentationml/2006/main">
   <p:cSld>
     <p:spTree>
       <p:nvGrpSpPr>
@@ -3171,60 +6022,92 @@
         <p:cNvGrpSpPr/>
         <p:nvPr/>
       </p:nvGrpSpPr>
-      <p:grpSpPr/>
-      <p:sp>
-        <p:nvSpPr>
-          <p:cNvPr id="2" name="Title 1"/>
-          <p:cNvSpPr>
-            <a:spLocks noGrp="1"/>
-          </p:cNvSpPr>
-          <p:nvPr>
-            <p:ph type="title"/>
-          </p:nvPr>
-        </p:nvSpPr>
-        <p:spPr/>
-        <p:txBody>
-          <a:bodyPr/>
-          <a:lstStyle/>
-          <a:p>
-            <a:r>
-              <a:t>Conclusion and Reflection</a:t>
-            </a:r>
-          </a:p>
-        </p:txBody>
-      </p:sp>
-      <p:sp>
-        <p:nvSpPr>
-          <p:cNvPr id="3" name="Content Placeholder 2"/>
-          <p:cNvSpPr>
-            <a:spLocks noGrp="1"/>
-          </p:cNvSpPr>
-          <p:nvPr>
-            <p:ph idx="1"/>
-          </p:nvPr>
-        </p:nvSpPr>
-        <p:spPr/>
-        <p:txBody>
-          <a:bodyPr/>
-          <a:lstStyle/>
-          <a:p>
-            <a:r>
-              <a:t>Importance of the Bishnoi movement</a:t>
-            </a:r>
-          </a:p>
-          <a:p>
-            <a:r>
-              <a:t>Applying principles today for a sustainable future</a:t>
-            </a:r>
-          </a:p>
-          <a:p>
-            <a:r>
-              <a:t>Call to action for conservation</a:t>
-            </a:r>
-          </a:p>
-        </p:txBody>
-      </p:sp>
+      <p:grpSpPr>
+        <a:xfrm>
+          <a:off x="0" y="0"/>
+          <a:ext cx="0" cy="0"/>
+          <a:chOff x="0" y="0"/>
+          <a:chExt cx="0" cy="0"/>
+        </a:xfrm>
+      </p:grpSpPr>
+      <p:pic>
+        <p:nvPicPr>
+          <p:cNvPr id="1030" name="Picture 6" descr="Free Carbon Foot Print Template - Keynote - PPT &amp; Google Slides Download">
+            <a:extLst>
+              <a:ext uri="{FF2B5EF4-FFF2-40B4-BE49-F238E27FC236}">
+                <a16:creationId xmlns:a16="http://schemas.microsoft.com/office/drawing/2014/main" id="{8BC8DD1C-ED70-4C83-8EE6-28B7CCF577FD}"/>
+              </a:ext>
+            </a:extLst>
+          </p:cNvPr>
+          <p:cNvPicPr>
+            <a:picLocks noChangeAspect="1" noChangeArrowheads="1"/>
+          </p:cNvPicPr>
+          <p:nvPr/>
+        </p:nvPicPr>
+        <p:blipFill>
+          <a:blip r:embed="rId2">
+            <a:extLst>
+              <a:ext uri="{28A0092B-C50C-407E-A947-70E740481C1C}">
+                <a14:useLocalDpi xmlns:a14="http://schemas.microsoft.com/office/drawing/2010/main" val="0"/>
+              </a:ext>
+            </a:extLst>
+          </a:blip>
+          <a:srcRect/>
+          <a:stretch>
+            <a:fillRect/>
+          </a:stretch>
+        </p:blipFill>
+        <p:spPr bwMode="auto">
+          <a:xfrm>
+            <a:off x="884255" y="771839"/>
+            <a:ext cx="7375490" cy="4148713"/>
+          </a:xfrm>
+          <a:prstGeom prst="roundRect">
+            <a:avLst>
+              <a:gd name="adj" fmla="val 4167"/>
+            </a:avLst>
+          </a:prstGeom>
+          <a:solidFill>
+            <a:srgbClr val="FFFFFF"/>
+          </a:solidFill>
+          <a:ln w="76200" cap="sq">
+            <a:solidFill>
+              <a:srgbClr val="EAEAEA"/>
+            </a:solidFill>
+            <a:miter lim="800000"/>
+          </a:ln>
+          <a:effectLst>
+            <a:reflection blurRad="12700" stA="33000" endPos="28000" dist="5000" dir="5400000" sy="-100000" algn="bl" rotWithShape="0"/>
+          </a:effectLst>
+          <a:scene3d>
+            <a:camera prst="orthographicFront"/>
+            <a:lightRig rig="threePt" dir="t">
+              <a:rot lat="0" lon="0" rev="2700000"/>
+            </a:lightRig>
+          </a:scene3d>
+          <a:sp3d contourW="6350">
+            <a:bevelT h="38100"/>
+            <a:contourClr>
+              <a:srgbClr val="C0C0C0"/>
+            </a:contourClr>
+          </a:sp3d>
+          <a:extLst>
+            <a:ext uri="{909E8E84-426E-40DD-AFC4-6F175D3DCCD1}">
+              <a14:hiddenFill xmlns:a14="http://schemas.microsoft.com/office/drawing/2010/main">
+                <a:solidFill>
+                  <a:srgbClr val="FFFFFF"/>
+                </a:solidFill>
+              </a14:hiddenFill>
+            </a:ext>
+          </a:extLst>
+        </p:spPr>
+      </p:pic>
     </p:spTree>
+    <p:extLst>
+      <p:ext uri="{BB962C8B-B14F-4D97-AF65-F5344CB8AC3E}">
+        <p14:creationId xmlns:p14="http://schemas.microsoft.com/office/powerpoint/2010/main" val="2719603227"/>
+      </p:ext>
+    </p:extLst>
   </p:cSld>
   <p:clrMapOvr>
     <a:masterClrMapping/>
@@ -3233,7 +6116,7 @@
 </file>
 
 <file path=ppt/slides/slide2.xml><?xml version="1.0" encoding="utf-8"?>
-<p:sld xmlns:a="http://schemas.openxmlformats.org/drawingml/2006/main" xmlns:p="http://schemas.openxmlformats.org/presentationml/2006/main" xmlns:r="http://schemas.openxmlformats.org/officeDocument/2006/relationships">
+<p:sld xmlns:a="http://schemas.openxmlformats.org/drawingml/2006/main" xmlns:r="http://schemas.openxmlformats.org/officeDocument/2006/relationships" xmlns:p="http://schemas.openxmlformats.org/presentationml/2006/main">
   <p:cSld>
     <p:spTree>
       <p:nvGrpSpPr>
@@ -3241,60 +6124,88 @@
         <p:cNvGrpSpPr/>
         <p:nvPr/>
       </p:nvGrpSpPr>
-      <p:grpSpPr/>
-      <p:sp>
-        <p:nvSpPr>
-          <p:cNvPr id="2" name="Title 1"/>
-          <p:cNvSpPr>
-            <a:spLocks noGrp="1"/>
-          </p:cNvSpPr>
-          <p:nvPr>
-            <p:ph type="title"/>
-          </p:nvPr>
-        </p:nvSpPr>
-        <p:spPr/>
-        <p:txBody>
-          <a:bodyPr/>
-          <a:lstStyle/>
-          <a:p>
-            <a:r>
-              <a:t>Introduction to the Bishnoi Movement</a:t>
-            </a:r>
-          </a:p>
-        </p:txBody>
-      </p:sp>
-      <p:sp>
-        <p:nvSpPr>
-          <p:cNvPr id="3" name="Content Placeholder 2"/>
-          <p:cNvSpPr>
-            <a:spLocks noGrp="1"/>
-          </p:cNvSpPr>
-          <p:nvPr>
-            <p:ph idx="1"/>
-          </p:nvPr>
-        </p:nvSpPr>
-        <p:spPr/>
-        <p:txBody>
-          <a:bodyPr/>
-          <a:lstStyle/>
-          <a:p>
-            <a:r>
-              <a:t>Overview of the movement</a:t>
-            </a:r>
-          </a:p>
-          <a:p>
-            <a:r>
-              <a:t>Origin: 15th century, Rajasthan, India</a:t>
-            </a:r>
-          </a:p>
-          <a:p>
-            <a:r>
-              <a:t>Founder: Guru Jambheshwar (Jambhoji)</a:t>
-            </a:r>
-          </a:p>
-        </p:txBody>
-      </p:sp>
+      <p:grpSpPr>
+        <a:xfrm>
+          <a:off x="0" y="0"/>
+          <a:ext cx="0" cy="0"/>
+          <a:chOff x="0" y="0"/>
+          <a:chExt cx="0" cy="0"/>
+        </a:xfrm>
+      </p:grpSpPr>
+      <p:pic>
+        <p:nvPicPr>
+          <p:cNvPr id="2050" name="Picture 2" descr="Amrita Devi Bishnoi and the Khejri - Azim Premji University">
+            <a:extLst>
+              <a:ext uri="{FF2B5EF4-FFF2-40B4-BE49-F238E27FC236}">
+                <a16:creationId xmlns:a16="http://schemas.microsoft.com/office/drawing/2014/main" id="{8DAB2EFB-1478-47E9-B108-0AAC08296AE6}"/>
+              </a:ext>
+            </a:extLst>
+          </p:cNvPr>
+          <p:cNvPicPr>
+            <a:picLocks noChangeAspect="1" noChangeArrowheads="1"/>
+          </p:cNvPicPr>
+          <p:nvPr/>
+        </p:nvPicPr>
+        <p:blipFill rotWithShape="1">
+          <a:blip r:embed="rId2">
+            <a:extLst>
+              <a:ext uri="{28A0092B-C50C-407E-A947-70E740481C1C}">
+                <a14:useLocalDpi xmlns:a14="http://schemas.microsoft.com/office/drawing/2010/main" val="0"/>
+              </a:ext>
+            </a:extLst>
+          </a:blip>
+          <a:srcRect t="10532"/>
+          <a:stretch/>
+        </p:blipFill>
+        <p:spPr bwMode="auto">
+          <a:xfrm>
+            <a:off x="2224453" y="852225"/>
+            <a:ext cx="5760218" cy="5153549"/>
+          </a:xfrm>
+          <a:prstGeom prst="rect">
+            <a:avLst/>
+          </a:prstGeom>
+          <a:ln w="127000" cap="rnd">
+            <a:solidFill>
+              <a:srgbClr val="FFFFFF"/>
+            </a:solidFill>
+          </a:ln>
+          <a:effectLst>
+            <a:outerShdw blurRad="76200" dist="95250" dir="10500000" sx="97000" sy="23000" kx="900000" algn="br" rotWithShape="0">
+              <a:srgbClr val="000000">
+                <a:alpha val="20000"/>
+              </a:srgbClr>
+            </a:outerShdw>
+          </a:effectLst>
+          <a:scene3d>
+            <a:camera prst="orthographicFront"/>
+            <a:lightRig rig="twoPt" dir="t">
+              <a:rot lat="0" lon="0" rev="7800000"/>
+            </a:lightRig>
+          </a:scene3d>
+          <a:sp3d contourW="6350">
+            <a:bevelT w="50800" h="16510"/>
+            <a:contourClr>
+              <a:srgbClr val="C0C0C0"/>
+            </a:contourClr>
+          </a:sp3d>
+          <a:extLst>
+            <a:ext uri="{909E8E84-426E-40DD-AFC4-6F175D3DCCD1}">
+              <a14:hiddenFill xmlns:a14="http://schemas.microsoft.com/office/drawing/2010/main">
+                <a:solidFill>
+                  <a:srgbClr val="FFFFFF"/>
+                </a:solidFill>
+              </a14:hiddenFill>
+            </a:ext>
+          </a:extLst>
+        </p:spPr>
+      </p:pic>
     </p:spTree>
+    <p:extLst>
+      <p:ext uri="{BB962C8B-B14F-4D97-AF65-F5344CB8AC3E}">
+        <p14:creationId xmlns:p14="http://schemas.microsoft.com/office/powerpoint/2010/main" val="1949143279"/>
+      </p:ext>
+    </p:extLst>
   </p:cSld>
   <p:clrMapOvr>
     <a:masterClrMapping/>
@@ -3303,7 +6214,7 @@
 </file>
 
 <file path=ppt/slides/slide3.xml><?xml version="1.0" encoding="utf-8"?>
-<p:sld xmlns:a="http://schemas.openxmlformats.org/drawingml/2006/main" xmlns:p="http://schemas.openxmlformats.org/presentationml/2006/main" xmlns:r="http://schemas.openxmlformats.org/officeDocument/2006/relationships">
+<p:sld xmlns:a="http://schemas.openxmlformats.org/drawingml/2006/main" xmlns:r="http://schemas.openxmlformats.org/officeDocument/2006/relationships" xmlns:p="http://schemas.openxmlformats.org/presentationml/2006/main">
   <p:cSld>
     <p:spTree>
       <p:nvGrpSpPr>
@@ -3311,7 +6222,14 @@
         <p:cNvGrpSpPr/>
         <p:nvPr/>
       </p:nvGrpSpPr>
-      <p:grpSpPr/>
+      <p:grpSpPr>
+        <a:xfrm>
+          <a:off x="0" y="0"/>
+          <a:ext cx="0" cy="0"/>
+          <a:chOff x="0" y="0"/>
+          <a:chExt cx="0" cy="0"/>
+        </a:xfrm>
+      </p:grpSpPr>
       <p:sp>
         <p:nvSpPr>
           <p:cNvPr id="2" name="Title 1"/>
@@ -3324,11 +6242,14 @@
         </p:nvSpPr>
         <p:spPr/>
         <p:txBody>
-          <a:bodyPr/>
-          <a:lstStyle/>
-          <a:p>
-            <a:r>
-              <a:t>The 29 Principles</a:t>
+          <a:bodyPr>
+            <a:normAutofit fontScale="90000"/>
+          </a:bodyPr>
+          <a:lstStyle/>
+          <a:p>
+            <a:r>
+              <a:rPr lang="en-US" dirty="0"/>
+              <a:t>ENVIRONMENTAL MOVEMENT</a:t>
             </a:r>
           </a:p>
         </p:txBody>
@@ -3345,16 +6266,26 @@
         </p:nvSpPr>
         <p:spPr/>
         <p:txBody>
-          <a:bodyPr/>
-          <a:lstStyle/>
-          <a:p>
-            <a:r>
-              <a:t>Overview of the 29 principles</a:t>
-            </a:r>
-          </a:p>
-          <a:p>
-            <a:r>
-              <a:t>Focus on environmental conservation and animal protection</a:t>
+          <a:bodyPr>
+            <a:normAutofit lnSpcReduction="10000"/>
+          </a:bodyPr>
+          <a:lstStyle/>
+          <a:p>
+            <a:r>
+              <a:rPr lang="en-US" dirty="0"/>
+              <a:t>An environmental movement can be defined as a social or political movement, for the conservation of environment or for the improvement of the state of the Environment.</a:t>
+            </a:r>
+          </a:p>
+          <a:p>
+            <a:r>
+              <a:rPr lang="en-US" dirty="0"/>
+              <a:t>The terms ‘green movement’ or ‘conservation movement’ are alternatively used to denoted the same.</a:t>
+            </a:r>
+          </a:p>
+          <a:p>
+            <a:r>
+              <a:rPr lang="en-US" dirty="0"/>
+              <a:t>The environmental movements favor the sustainable management of natural resources.</a:t>
             </a:r>
           </a:p>
         </p:txBody>
@@ -3368,7 +6299,7 @@
 </file>
 
 <file path=ppt/slides/slide4.xml><?xml version="1.0" encoding="utf-8"?>
-<p:sld xmlns:a="http://schemas.openxmlformats.org/drawingml/2006/main" xmlns:p="http://schemas.openxmlformats.org/presentationml/2006/main" xmlns:r="http://schemas.openxmlformats.org/officeDocument/2006/relationships">
+<p:sld xmlns:a="http://schemas.openxmlformats.org/drawingml/2006/main" xmlns:r="http://schemas.openxmlformats.org/officeDocument/2006/relationships" xmlns:p="http://schemas.openxmlformats.org/presentationml/2006/main">
   <p:cSld>
     <p:spTree>
       <p:nvGrpSpPr>
@@ -3376,7 +6307,14 @@
         <p:cNvGrpSpPr/>
         <p:nvPr/>
       </p:nvGrpSpPr>
-      <p:grpSpPr/>
+      <p:grpSpPr>
+        <a:xfrm>
+          <a:off x="0" y="0"/>
+          <a:ext cx="0" cy="0"/>
+          <a:chOff x="0" y="0"/>
+          <a:chExt cx="0" cy="0"/>
+        </a:xfrm>
+      </p:grpSpPr>
       <p:sp>
         <p:nvSpPr>
           <p:cNvPr id="2" name="Title 1"/>
@@ -3389,7 +6327,9 @@
         </p:nvSpPr>
         <p:spPr/>
         <p:txBody>
-          <a:bodyPr/>
+          <a:bodyPr>
+            <a:normAutofit fontScale="90000"/>
+          </a:bodyPr>
           <a:lstStyle/>
           <a:p>
             <a:r>
@@ -3410,20 +6350,74 @@
         </p:nvSpPr>
         <p:spPr/>
         <p:txBody>
-          <a:bodyPr/>
-          <a:lstStyle/>
-          <a:p>
-            <a:r>
+          <a:bodyPr>
+            <a:normAutofit/>
+          </a:bodyPr>
+          <a:lstStyle/>
+          <a:p>
+            <a:r>
+              <a:rPr dirty="0"/>
               <a:t>Dedication to nature as part of religious belief</a:t>
             </a:r>
           </a:p>
           <a:p>
             <a:r>
+              <a:rPr dirty="0"/>
               <a:t>Role in preserving local flora and fauna</a:t>
             </a:r>
           </a:p>
         </p:txBody>
       </p:sp>
+      <p:pic>
+        <p:nvPicPr>
+          <p:cNvPr id="3074" name="Picture 2" descr="Bishnoi Movement of 1730, First Environment Movement in India to save  Khejari trees">
+            <a:extLst>
+              <a:ext uri="{FF2B5EF4-FFF2-40B4-BE49-F238E27FC236}">
+                <a16:creationId xmlns:a16="http://schemas.microsoft.com/office/drawing/2014/main" id="{A4FB397F-9B57-42F5-BDBA-7352C9AD05DF}"/>
+              </a:ext>
+            </a:extLst>
+          </p:cNvPr>
+          <p:cNvPicPr>
+            <a:picLocks noChangeAspect="1" noChangeArrowheads="1"/>
+          </p:cNvPicPr>
+          <p:nvPr/>
+        </p:nvPicPr>
+        <p:blipFill rotWithShape="1">
+          <a:blip r:embed="rId2">
+            <a:extLst>
+              <a:ext uri="{28A0092B-C50C-407E-A947-70E740481C1C}">
+                <a14:useLocalDpi xmlns:a14="http://schemas.microsoft.com/office/drawing/2010/main" val="0"/>
+              </a:ext>
+            </a:extLst>
+          </a:blip>
+          <a:srcRect l="-253" t="31729" r="253" b="13952"/>
+          <a:stretch/>
+        </p:blipFill>
+        <p:spPr bwMode="auto">
+          <a:xfrm>
+            <a:off x="449663" y="3761136"/>
+            <a:ext cx="8244674" cy="2519084"/>
+          </a:xfrm>
+          <a:prstGeom prst="rect">
+            <a:avLst/>
+          </a:prstGeom>
+          <a:ln>
+            <a:noFill/>
+          </a:ln>
+          <a:effectLst>
+            <a:softEdge rad="112500"/>
+          </a:effectLst>
+          <a:extLst>
+            <a:ext uri="{909E8E84-426E-40DD-AFC4-6F175D3DCCD1}">
+              <a14:hiddenFill xmlns:a14="http://schemas.microsoft.com/office/drawing/2010/main">
+                <a:solidFill>
+                  <a:srgbClr val="FFFFFF"/>
+                </a:solidFill>
+              </a14:hiddenFill>
+            </a:ext>
+          </a:extLst>
+        </p:spPr>
+      </p:pic>
     </p:spTree>
   </p:cSld>
   <p:clrMapOvr>
@@ -3433,7 +6427,7 @@
 </file>
 
 <file path=ppt/slides/slide5.xml><?xml version="1.0" encoding="utf-8"?>
-<p:sld xmlns:a="http://schemas.openxmlformats.org/drawingml/2006/main" xmlns:p="http://schemas.openxmlformats.org/presentationml/2006/main" xmlns:r="http://schemas.openxmlformats.org/officeDocument/2006/relationships">
+<p:sld xmlns:a="http://schemas.openxmlformats.org/drawingml/2006/main" xmlns:r="http://schemas.openxmlformats.org/officeDocument/2006/relationships" xmlns:p="http://schemas.openxmlformats.org/presentationml/2006/main">
   <p:cSld>
     <p:spTree>
       <p:nvGrpSpPr>
@@ -3441,7 +6435,14 @@
         <p:cNvGrpSpPr/>
         <p:nvPr/>
       </p:nvGrpSpPr>
-      <p:grpSpPr/>
+      <p:grpSpPr>
+        <a:xfrm>
+          <a:off x="0" y="0"/>
+          <a:ext cx="0" cy="0"/>
+          <a:chOff x="0" y="0"/>
+          <a:chExt cx="0" cy="0"/>
+        </a:xfrm>
+      </p:grpSpPr>
       <p:sp>
         <p:nvSpPr>
           <p:cNvPr id="2" name="Title 1"/>
@@ -3454,37 +6455,70 @@
         </p:nvSpPr>
         <p:spPr/>
         <p:txBody>
+          <a:bodyPr>
+            <a:normAutofit fontScale="90000"/>
+          </a:bodyPr>
+          <a:lstStyle/>
+          <a:p>
+            <a:r>
+              <a:rPr lang="en-US" dirty="0"/>
+              <a:t>The </a:t>
+            </a:r>
+            <a:r>
+              <a:rPr lang="en-US" dirty="0" err="1"/>
+              <a:t>Khejarli</a:t>
+            </a:r>
+            <a:r>
+              <a:rPr lang="en-US" dirty="0"/>
+              <a:t> Massacre: </a:t>
+            </a:r>
+            <a:br>
+              <a:rPr lang="en-US" dirty="0"/>
+            </a:br>
+            <a:r>
+              <a:rPr lang="en-US" dirty="0"/>
+              <a:t>A Defining Moment</a:t>
+            </a:r>
+          </a:p>
+        </p:txBody>
+      </p:sp>
+      <p:sp>
+        <p:nvSpPr>
+          <p:cNvPr id="3" name="Content Placeholder 2"/>
+          <p:cNvSpPr>
+            <a:spLocks noGrp="1"/>
+          </p:cNvSpPr>
+          <p:nvPr>
+            <p:ph idx="1"/>
+          </p:nvPr>
+        </p:nvSpPr>
+        <p:spPr/>
+        <p:txBody>
           <a:bodyPr/>
           <a:lstStyle/>
           <a:p>
-            <a:r>
-              <a:t>The Khejarli Massacre: A Turning Point</a:t>
-            </a:r>
-          </a:p>
-        </p:txBody>
-      </p:sp>
-      <p:sp>
-        <p:nvSpPr>
-          <p:cNvPr id="3" name="Content Placeholder 2"/>
-          <p:cNvSpPr>
-            <a:spLocks noGrp="1"/>
-          </p:cNvSpPr>
-          <p:nvPr>
-            <p:ph idx="1"/>
-          </p:nvPr>
-        </p:nvSpPr>
-        <p:spPr/>
-        <p:txBody>
-          <a:bodyPr/>
-          <a:lstStyle/>
-          <a:p>
-            <a:r>
-              <a:t>Story of Amrita Devi Bishnoi and the 363 sacrifices</a:t>
-            </a:r>
-          </a:p>
-          <a:p>
-            <a:r>
-              <a:t>Impact on Indian environmental consciousness</a:t>
+            <a:endParaRPr lang="en-US" dirty="0"/>
+          </a:p>
+          <a:p>
+            <a:pPr lvl="1"/>
+            <a:r>
+              <a:rPr lang="en-US" sz="2800" dirty="0"/>
+              <a:t>In 1730, Amrita Devi and 362 </a:t>
+            </a:r>
+            <a:r>
+              <a:rPr lang="en-US" sz="2800" dirty="0" err="1"/>
+              <a:t>Bishnois</a:t>
+            </a:r>
+            <a:r>
+              <a:rPr lang="en-US" sz="2800" dirty="0"/>
+              <a:t> sacrificed their lives to protect Khejri trees.</a:t>
+            </a:r>
+          </a:p>
+          <a:p>
+            <a:pPr lvl="1"/>
+            <a:r>
+              <a:rPr lang="en-US" sz="2800" dirty="0"/>
+              <a:t>This act became a symbol of environmental activism in India.</a:t>
             </a:r>
           </a:p>
         </p:txBody>
@@ -3498,7 +6532,7 @@
 </file>
 
 <file path=ppt/slides/slide6.xml><?xml version="1.0" encoding="utf-8"?>
-<p:sld xmlns:a="http://schemas.openxmlformats.org/drawingml/2006/main" xmlns:p="http://schemas.openxmlformats.org/presentationml/2006/main" xmlns:r="http://schemas.openxmlformats.org/officeDocument/2006/relationships">
+<p:sld xmlns:a="http://schemas.openxmlformats.org/drawingml/2006/main" xmlns:r="http://schemas.openxmlformats.org/officeDocument/2006/relationships" xmlns:p="http://schemas.openxmlformats.org/presentationml/2006/main">
   <p:cSld>
     <p:spTree>
       <p:nvGrpSpPr>
@@ -3506,7 +6540,14 @@
         <p:cNvGrpSpPr/>
         <p:nvPr/>
       </p:nvGrpSpPr>
-      <p:grpSpPr/>
+      <p:grpSpPr>
+        <a:xfrm>
+          <a:off x="0" y="0"/>
+          <a:ext cx="0" cy="0"/>
+          <a:chOff x="0" y="0"/>
+          <a:chExt cx="0" cy="0"/>
+        </a:xfrm>
+      </p:grpSpPr>
       <p:sp>
         <p:nvSpPr>
           <p:cNvPr id="2" name="Title 1"/>
@@ -3519,41 +6560,114 @@
         </p:nvSpPr>
         <p:spPr/>
         <p:txBody>
+          <a:bodyPr>
+            <a:normAutofit fontScale="90000"/>
+          </a:bodyPr>
+          <a:lstStyle/>
+          <a:p>
+            <a:r>
+              <a:rPr lang="en-US" dirty="0"/>
+              <a:t>Influence on Environmental Movements</a:t>
+            </a:r>
+            <a:endParaRPr dirty="0"/>
+          </a:p>
+        </p:txBody>
+      </p:sp>
+      <p:sp>
+        <p:nvSpPr>
+          <p:cNvPr id="3" name="Content Placeholder 2"/>
+          <p:cNvSpPr>
+            <a:spLocks noGrp="1"/>
+          </p:cNvSpPr>
+          <p:nvPr>
+            <p:ph idx="1"/>
+          </p:nvPr>
+        </p:nvSpPr>
+        <p:spPr>
+          <a:xfrm>
+            <a:off x="1176865" y="2490135"/>
+            <a:ext cx="2953008" cy="3444997"/>
+          </a:xfrm>
+        </p:spPr>
+        <p:txBody>
           <a:bodyPr/>
           <a:lstStyle/>
           <a:p>
             <a:r>
-              <a:t>Legacy and Influence</a:t>
-            </a:r>
-          </a:p>
-        </p:txBody>
-      </p:sp>
-      <p:sp>
-        <p:nvSpPr>
-          <p:cNvPr id="3" name="Content Placeholder 2"/>
-          <p:cNvSpPr>
-            <a:spLocks noGrp="1"/>
-          </p:cNvSpPr>
-          <p:nvPr>
-            <p:ph idx="1"/>
-          </p:nvPr>
-        </p:nvSpPr>
-        <p:spPr/>
-        <p:txBody>
-          <a:bodyPr/>
-          <a:lstStyle/>
-          <a:p>
-            <a:r>
-              <a:t>Inspiration for subsequent movements like Chipko</a:t>
-            </a:r>
-          </a:p>
-          <a:p>
-            <a:r>
+              <a:rPr dirty="0"/>
+              <a:t>Inspiration for subsequent movements like </a:t>
+            </a:r>
+            <a:r>
+              <a:rPr dirty="0" err="1"/>
+              <a:t>Chipko</a:t>
+            </a:r>
+            <a:endParaRPr lang="en-US" dirty="0"/>
+          </a:p>
+          <a:p>
+            <a:endParaRPr dirty="0"/>
+          </a:p>
+          <a:p>
+            <a:r>
+              <a:rPr dirty="0"/>
               <a:t>Influence on modern environmentalism</a:t>
             </a:r>
           </a:p>
         </p:txBody>
       </p:sp>
+      <p:pic>
+        <p:nvPicPr>
+          <p:cNvPr id="4098" name="Picture 2" descr="What is the Chipko Movement in India?">
+            <a:extLst>
+              <a:ext uri="{FF2B5EF4-FFF2-40B4-BE49-F238E27FC236}">
+                <a16:creationId xmlns:a16="http://schemas.microsoft.com/office/drawing/2014/main" id="{79F8F4DD-96AB-4014-BE74-8C6292A1720C}"/>
+              </a:ext>
+            </a:extLst>
+          </p:cNvPr>
+          <p:cNvPicPr>
+            <a:picLocks noChangeAspect="1" noChangeArrowheads="1"/>
+          </p:cNvPicPr>
+          <p:nvPr/>
+        </p:nvPicPr>
+        <p:blipFill rotWithShape="1">
+          <a:blip r:embed="rId2">
+            <a:extLst>
+              <a:ext uri="{28A0092B-C50C-407E-A947-70E740481C1C}">
+                <a14:useLocalDpi xmlns:a14="http://schemas.microsoft.com/office/drawing/2010/main" val="0"/>
+              </a:ext>
+            </a:extLst>
+          </a:blip>
+          <a:srcRect l="25274" t="14080" r="25648" b="8587"/>
+          <a:stretch/>
+        </p:blipFill>
+        <p:spPr bwMode="auto">
+          <a:xfrm>
+            <a:off x="4019642" y="2614017"/>
+            <a:ext cx="3828122" cy="3197232"/>
+          </a:xfrm>
+          <a:prstGeom prst="rect">
+            <a:avLst/>
+          </a:prstGeom>
+          <a:ln>
+            <a:noFill/>
+          </a:ln>
+          <a:effectLst>
+            <a:outerShdw blurRad="292100" dist="139700" dir="2700000" algn="tl" rotWithShape="0">
+              <a:srgbClr val="333333">
+                <a:alpha val="65000"/>
+              </a:srgbClr>
+            </a:outerShdw>
+          </a:effectLst>
+          <a:extLst>
+            <a:ext uri="{909E8E84-426E-40DD-AFC4-6F175D3DCCD1}">
+              <a14:hiddenFill xmlns:a14="http://schemas.microsoft.com/office/drawing/2010/main">
+                <a:solidFill>
+                  <a:srgbClr val="FFFFFF"/>
+                </a:solidFill>
+              </a14:hiddenFill>
+            </a:ext>
+          </a:extLst>
+        </p:spPr>
+      </p:pic>
     </p:spTree>
   </p:cSld>
   <p:clrMapOvr>
@@ -3563,7 +6677,7 @@
 </file>
 
 <file path=ppt/slides/slide7.xml><?xml version="1.0" encoding="utf-8"?>
-<p:sld xmlns:a="http://schemas.openxmlformats.org/drawingml/2006/main" xmlns:p="http://schemas.openxmlformats.org/presentationml/2006/main" xmlns:r="http://schemas.openxmlformats.org/officeDocument/2006/relationships">
+<p:sld xmlns:a="http://schemas.openxmlformats.org/drawingml/2006/main" xmlns:r="http://schemas.openxmlformats.org/officeDocument/2006/relationships" xmlns:p="http://schemas.openxmlformats.org/presentationml/2006/main">
   <p:cSld>
     <p:spTree>
       <p:nvGrpSpPr>
@@ -3571,7 +6685,14 @@
         <p:cNvGrpSpPr/>
         <p:nvPr/>
       </p:nvGrpSpPr>
-      <p:grpSpPr/>
+      <p:grpSpPr>
+        <a:xfrm>
+          <a:off x="0" y="0"/>
+          <a:ext cx="0" cy="0"/>
+          <a:chOff x="0" y="0"/>
+          <a:chExt cx="0" cy="0"/>
+        </a:xfrm>
+      </p:grpSpPr>
       <p:sp>
         <p:nvSpPr>
           <p:cNvPr id="2" name="Title 1"/>
@@ -3584,11 +6705,14 @@
         </p:nvSpPr>
         <p:spPr/>
         <p:txBody>
-          <a:bodyPr/>
-          <a:lstStyle/>
-          <a:p>
-            <a:r>
-              <a:t>The Bishnoi Community Today</a:t>
+          <a:bodyPr>
+            <a:normAutofit/>
+          </a:bodyPr>
+          <a:lstStyle/>
+          <a:p>
+            <a:r>
+              <a:rPr lang="en-US" dirty="0"/>
+              <a:t>Modern Bishnoi Community</a:t>
             </a:r>
           </a:p>
         </p:txBody>
@@ -3605,16 +6729,34 @@
         </p:nvSpPr>
         <p:spPr/>
         <p:txBody>
-          <a:bodyPr/>
-          <a:lstStyle/>
-          <a:p>
-            <a:r>
-              <a:t>Current practices and conservation efforts</a:t>
-            </a:r>
-          </a:p>
-          <a:p>
-            <a:r>
-              <a:t>Legal battles and activism</a:t>
+          <a:bodyPr>
+            <a:normAutofit lnSpcReduction="10000"/>
+          </a:bodyPr>
+          <a:lstStyle/>
+          <a:p>
+            <a:pPr lvl="1"/>
+            <a:endParaRPr lang="en-US" sz="2800" dirty="0"/>
+          </a:p>
+          <a:p>
+            <a:pPr lvl="1"/>
+            <a:r>
+              <a:rPr lang="en-US" sz="2800" dirty="0" err="1"/>
+              <a:t>Bishnois</a:t>
+            </a:r>
+            <a:r>
+              <a:rPr lang="en-US" sz="2800" dirty="0"/>
+              <a:t> today continue to live by the principles, actively engaging in wildlife protection.</a:t>
+            </a:r>
+          </a:p>
+          <a:p>
+            <a:pPr lvl="1"/>
+            <a:endParaRPr lang="en-US" sz="2800" dirty="0"/>
+          </a:p>
+          <a:p>
+            <a:pPr lvl="1"/>
+            <a:r>
+              <a:rPr lang="en-US" sz="2800" dirty="0"/>
+              <a:t>They run rehabilitation centers for animals and participate in afforestation projects.</a:t>
             </a:r>
           </a:p>
         </p:txBody>
@@ -3628,7 +6770,7 @@
 </file>
 
 <file path=ppt/slides/slide8.xml><?xml version="1.0" encoding="utf-8"?>
-<p:sld xmlns:a="http://schemas.openxmlformats.org/drawingml/2006/main" xmlns:p="http://schemas.openxmlformats.org/presentationml/2006/main" xmlns:r="http://schemas.openxmlformats.org/officeDocument/2006/relationships">
+<p:sld xmlns:a="http://schemas.openxmlformats.org/drawingml/2006/main" xmlns:r="http://schemas.openxmlformats.org/officeDocument/2006/relationships" xmlns:p="http://schemas.openxmlformats.org/presentationml/2006/main">
   <p:cSld>
     <p:spTree>
       <p:nvGrpSpPr>
@@ -3636,7 +6778,14 @@
         <p:cNvGrpSpPr/>
         <p:nvPr/>
       </p:nvGrpSpPr>
-      <p:grpSpPr/>
+      <p:grpSpPr>
+        <a:xfrm>
+          <a:off x="0" y="0"/>
+          <a:ext cx="0" cy="0"/>
+          <a:chOff x="0" y="0"/>
+          <a:chExt cx="0" cy="0"/>
+        </a:xfrm>
+      </p:grpSpPr>
       <p:sp>
         <p:nvSpPr>
           <p:cNvPr id="2" name="Title 1"/>
@@ -3649,11 +6798,14 @@
         </p:nvSpPr>
         <p:spPr/>
         <p:txBody>
-          <a:bodyPr/>
-          <a:lstStyle/>
-          <a:p>
-            <a:r>
-              <a:t>Challenges Faced</a:t>
+          <a:bodyPr>
+            <a:normAutofit/>
+          </a:bodyPr>
+          <a:lstStyle/>
+          <a:p>
+            <a:r>
+              <a:rPr lang="en-US" dirty="0"/>
+              <a:t>Contemporary Challenges</a:t>
             </a:r>
           </a:p>
         </p:txBody>
@@ -3670,16 +6822,23 @@
         </p:nvSpPr>
         <p:spPr/>
         <p:txBody>
-          <a:bodyPr/>
-          <a:lstStyle/>
-          <a:p>
-            <a:r>
-              <a:t>Modern challenges</a:t>
-            </a:r>
-          </a:p>
-          <a:p>
-            <a:r>
-              <a:t>Conflicts with development projects and poaching</a:t>
+          <a:bodyPr>
+            <a:normAutofit/>
+          </a:bodyPr>
+          <a:lstStyle/>
+          <a:p>
+            <a:endParaRPr lang="en-US" sz="3200" dirty="0"/>
+          </a:p>
+          <a:p>
+            <a:r>
+              <a:rPr lang="en-US" sz="3200" dirty="0"/>
+              <a:t>Balancing traditional practices with modern development pressures.</a:t>
+            </a:r>
+          </a:p>
+          <a:p>
+            <a:r>
+              <a:rPr lang="en-US" sz="3200" dirty="0"/>
+              <a:t>Legal battles against poaching and illegal tree felling.</a:t>
             </a:r>
           </a:p>
         </p:txBody>
@@ -3693,7 +6852,7 @@
 </file>
 
 <file path=ppt/slides/slide9.xml><?xml version="1.0" encoding="utf-8"?>
-<p:sld xmlns:a="http://schemas.openxmlformats.org/drawingml/2006/main" xmlns:p="http://schemas.openxmlformats.org/presentationml/2006/main" xmlns:r="http://schemas.openxmlformats.org/officeDocument/2006/relationships">
+<p:sld xmlns:a="http://schemas.openxmlformats.org/drawingml/2006/main" xmlns:r="http://schemas.openxmlformats.org/officeDocument/2006/relationships" xmlns:p="http://schemas.openxmlformats.org/presentationml/2006/main">
   <p:cSld>
     <p:spTree>
       <p:nvGrpSpPr>
@@ -3701,7 +6860,14 @@
         <p:cNvGrpSpPr/>
         <p:nvPr/>
       </p:nvGrpSpPr>
-      <p:grpSpPr/>
+      <p:grpSpPr>
+        <a:xfrm>
+          <a:off x="0" y="0"/>
+          <a:ext cx="0" cy="0"/>
+          <a:chOff x="0" y="0"/>
+          <a:chExt cx="0" cy="0"/>
+        </a:xfrm>
+      </p:grpSpPr>
       <p:sp>
         <p:nvSpPr>
           <p:cNvPr id="2" name="Title 1"/>
@@ -3735,16 +6901,23 @@
         </p:nvSpPr>
         <p:spPr/>
         <p:txBody>
-          <a:bodyPr/>
-          <a:lstStyle/>
-          <a:p>
-            <a:r>
-              <a:t>Universal appeal of Bishnoi principles</a:t>
-            </a:r>
-          </a:p>
-          <a:p>
-            <a:r>
-              <a:t>Lessons for sustainable living</a:t>
+          <a:bodyPr>
+            <a:noAutofit/>
+          </a:bodyPr>
+          <a:lstStyle/>
+          <a:p>
+            <a:endParaRPr lang="en-US" sz="2800" dirty="0"/>
+          </a:p>
+          <a:p>
+            <a:r>
+              <a:rPr lang="en-US" sz="2800" dirty="0"/>
+              <a:t>The Bishnoi principles offer insights into sustainable living and biodiversity conservation.</a:t>
+            </a:r>
+          </a:p>
+          <a:p>
+            <a:r>
+              <a:rPr lang="en-US" sz="2800" dirty="0"/>
+              <a:t>Their model demonstrates the importance of community-based conservation.</a:t>
             </a:r>
           </a:p>
         </p:txBody>
@@ -3758,9 +6931,9 @@
 </file>
 
 <file path=ppt/theme/theme1.xml><?xml version="1.0" encoding="utf-8"?>
-<a:theme xmlns:a="http://schemas.openxmlformats.org/drawingml/2006/main" name="Office Theme">
+<a:theme xmlns:a="http://schemas.openxmlformats.org/drawingml/2006/main" name="Organic">
   <a:themeElements>
-    <a:clrScheme name="Office">
+    <a:clrScheme name="Organic">
       <a:dk1>
         <a:sysClr val="windowText" lastClr="000000"/>
       </a:dk1>
@@ -3768,44 +6941,79 @@
         <a:sysClr val="window" lastClr="FFFFFF"/>
       </a:lt1>
       <a:dk2>
-        <a:srgbClr val="1F497D"/>
+        <a:srgbClr val="212121"/>
       </a:dk2>
       <a:lt2>
-        <a:srgbClr val="EEECE1"/>
+        <a:srgbClr val="DADADA"/>
       </a:lt2>
       <a:accent1>
-        <a:srgbClr val="4F81BD"/>
+        <a:srgbClr val="83992A"/>
       </a:accent1>
       <a:accent2>
-        <a:srgbClr val="C0504D"/>
+        <a:srgbClr val="3C9770"/>
       </a:accent2>
       <a:accent3>
-        <a:srgbClr val="9BBB59"/>
+        <a:srgbClr val="44709D"/>
       </a:accent3>
       <a:accent4>
-        <a:srgbClr val="8064A2"/>
+        <a:srgbClr val="A23C33"/>
       </a:accent4>
       <a:accent5>
-        <a:srgbClr val="4BACC6"/>
+        <a:srgbClr val="D97828"/>
       </a:accent5>
       <a:accent6>
-        <a:srgbClr val="F79646"/>
+        <a:srgbClr val="DEB340"/>
       </a:accent6>
       <a:hlink>
-        <a:srgbClr val="0000FF"/>
+        <a:srgbClr val="A8BF4D"/>
       </a:hlink>
       <a:folHlink>
-        <a:srgbClr val="800080"/>
+        <a:srgbClr val="B4CA80"/>
       </a:folHlink>
     </a:clrScheme>
-    <a:fontScheme name="Office">
+    <a:fontScheme name="Organic">
       <a:majorFont>
-        <a:latin typeface="Calibri"/>
+        <a:latin typeface="Garamond" panose="02020404030301010803"/>
         <a:ea typeface=""/>
         <a:cs typeface=""/>
         <a:font script="Jpan" typeface="ＭＳ Ｐゴシック"/>
-        <a:font script="Hang" typeface="맑은 고딕"/>
-        <a:font script="Hans" typeface="宋体"/>
+        <a:font script="Hang" typeface="돋움"/>
+        <a:font script="Hans" typeface="方正舒体"/>
+        <a:font script="Hant" typeface="微軟正黑體"/>
+        <a:font script="Arab" typeface="Arial"/>
+        <a:font script="Hebr" typeface="Arial"/>
+        <a:font script="Thai" typeface="Cordia New"/>
+        <a:font script="Ethi" typeface="Nyala"/>
+        <a:font script="Beng" typeface="Vrinda"/>
+        <a:font script="Gujr" typeface="Shruti"/>
+        <a:font script="Khmr" typeface="DaunPenh"/>
+        <a:font script="Knda" typeface="Tunga"/>
+        <a:font script="Guru" typeface="Raavi"/>
+        <a:font script="Cans" typeface="Euphemia"/>
+        <a:font script="Cher" typeface="Plantagenet Cherokee"/>
+        <a:font script="Yiii" typeface="Microsoft Yi Baiti"/>
+        <a:font script="Tibt" typeface="Microsoft Himalaya"/>
+        <a:font script="Thaa" typeface="MV Boli"/>
+        <a:font script="Deva" typeface="Mangal"/>
+        <a:font script="Telu" typeface="Gautami"/>
+        <a:font script="Taml" typeface="Latha"/>
+        <a:font script="Syrc" typeface="Estrangelo Edessa"/>
+        <a:font script="Orya" typeface="Kalinga"/>
+        <a:font script="Mlym" typeface="Kartika"/>
+        <a:font script="Laoo" typeface="DokChampa"/>
+        <a:font script="Sinh" typeface="Iskoola Pota"/>
+        <a:font script="Mong" typeface="Mongolian Baiti"/>
+        <a:font script="Viet" typeface="Arial"/>
+        <a:font script="Uigh" typeface="Microsoft Uighur"/>
+        <a:font script="Geor" typeface="Sylfaen"/>
+      </a:majorFont>
+      <a:minorFont>
+        <a:latin typeface="Garamond" panose="02020404030301010803"/>
+        <a:ea typeface=""/>
+        <a:cs typeface=""/>
+        <a:font script="Jpan" typeface="ＭＳ Ｐ明朝"/>
+        <a:font script="Hang" typeface="바탕"/>
+        <a:font script="Hans" typeface="方正舒体"/>
         <a:font script="Hant" typeface="新細明體"/>
         <a:font script="Arab" typeface="Times New Roman"/>
         <a:font script="Hebr" typeface="Times New Roman"/>
@@ -3833,44 +7041,9 @@
         <a:font script="Viet" typeface="Times New Roman"/>
         <a:font script="Uigh" typeface="Microsoft Uighur"/>
         <a:font script="Geor" typeface="Sylfaen"/>
-      </a:majorFont>
-      <a:minorFont>
-        <a:latin typeface="Calibri"/>
-        <a:ea typeface=""/>
-        <a:cs typeface=""/>
-        <a:font script="Jpan" typeface="ＭＳ Ｐゴシック"/>
-        <a:font script="Hang" typeface="맑은 고딕"/>
-        <a:font script="Hans" typeface="宋体"/>
-        <a:font script="Hant" typeface="新細明體"/>
-        <a:font script="Arab" typeface="Arial"/>
-        <a:font script="Hebr" typeface="Arial"/>
-        <a:font script="Thai" typeface="Cordia New"/>
-        <a:font script="Ethi" typeface="Nyala"/>
-        <a:font script="Beng" typeface="Vrinda"/>
-        <a:font script="Gujr" typeface="Shruti"/>
-        <a:font script="Khmr" typeface="DaunPenh"/>
-        <a:font script="Knda" typeface="Tunga"/>
-        <a:font script="Guru" typeface="Raavi"/>
-        <a:font script="Cans" typeface="Euphemia"/>
-        <a:font script="Cher" typeface="Plantagenet Cherokee"/>
-        <a:font script="Yiii" typeface="Microsoft Yi Baiti"/>
-        <a:font script="Tibt" typeface="Microsoft Himalaya"/>
-        <a:font script="Thaa" typeface="MV Boli"/>
-        <a:font script="Deva" typeface="Mangal"/>
-        <a:font script="Telu" typeface="Gautami"/>
-        <a:font script="Taml" typeface="Latha"/>
-        <a:font script="Syrc" typeface="Estrangelo Edessa"/>
-        <a:font script="Orya" typeface="Kalinga"/>
-        <a:font script="Mlym" typeface="Kartika"/>
-        <a:font script="Laoo" typeface="DokChampa"/>
-        <a:font script="Sinh" typeface="Iskoola Pota"/>
-        <a:font script="Mong" typeface="Mongolian Baiti"/>
-        <a:font script="Viet" typeface="Arial"/>
-        <a:font script="Uigh" typeface="Microsoft Uighur"/>
-        <a:font script="Geor" typeface="Sylfaen"/>
       </a:minorFont>
     </a:fontScheme>
-    <a:fmtScheme name="Office">
+    <a:fmtScheme name="Organic">
       <a:fillStyleLst>
         <a:solidFill>
           <a:schemeClr val="phClr"/>
@@ -3879,62 +7052,50 @@
           <a:gsLst>
             <a:gs pos="0">
               <a:schemeClr val="phClr">
-                <a:tint val="50000"/>
-                <a:satMod val="300000"/>
-              </a:schemeClr>
-            </a:gs>
-            <a:gs pos="35000">
-              <a:schemeClr val="phClr">
-                <a:tint val="37000"/>
-                <a:satMod val="300000"/>
+                <a:tint val="60000"/>
+                <a:lumMod val="110000"/>
               </a:schemeClr>
             </a:gs>
             <a:gs pos="100000">
               <a:schemeClr val="phClr">
-                <a:tint val="15000"/>
-                <a:satMod val="350000"/>
+                <a:tint val="82000"/>
               </a:schemeClr>
             </a:gs>
           </a:gsLst>
-          <a:lin ang="16200000" scaled="1"/>
+          <a:lin ang="5400000" scaled="0"/>
         </a:gradFill>
-        <a:gradFill rotWithShape="1">
-          <a:gsLst>
-            <a:gs pos="0">
+        <a:blipFill rotWithShape="1">
+          <a:blip xmlns:r="http://schemas.openxmlformats.org/officeDocument/2006/relationships" r:embed="rId1">
+            <a:duotone>
               <a:schemeClr val="phClr">
-                <a:tint val="100000"/>
-                <a:shade val="100000"/>
+                <a:shade val="74000"/>
                 <a:satMod val="130000"/>
+                <a:lumMod val="90000"/>
               </a:schemeClr>
-            </a:gs>
-            <a:gs pos="100000">
               <a:schemeClr val="phClr">
-                <a:tint val="50000"/>
-                <a:shade val="100000"/>
-                <a:satMod val="350000"/>
+                <a:tint val="94000"/>
+                <a:satMod val="120000"/>
+                <a:lumMod val="104000"/>
               </a:schemeClr>
-            </a:gs>
-          </a:gsLst>
-          <a:lin ang="16200000" scaled="0"/>
-        </a:gradFill>
+            </a:duotone>
+          </a:blip>
+          <a:tile tx="0" ty="0" sx="100000" sy="100000" flip="none" algn="tl"/>
+        </a:blipFill>
       </a:fillStyleLst>
       <a:lnStyleLst>
-        <a:ln w="9525" cap="flat" cmpd="sng" algn="ctr">
-          <a:solidFill>
-            <a:schemeClr val="phClr">
-              <a:shade val="95000"/>
-              <a:satMod val="105000"/>
-            </a:schemeClr>
-          </a:solidFill>
-          <a:prstDash val="solid"/>
-        </a:ln>
-        <a:ln w="25400" cap="flat" cmpd="sng" algn="ctr">
+        <a:ln w="9525" cap="rnd" cmpd="sng" algn="ctr">
           <a:solidFill>
             <a:schemeClr val="phClr"/>
           </a:solidFill>
           <a:prstDash val="solid"/>
         </a:ln>
-        <a:ln w="38100" cap="flat" cmpd="sng" algn="ctr">
+        <a:ln w="15875" cap="rnd" cmpd="sng" algn="ctr">
+          <a:solidFill>
+            <a:schemeClr val="phClr"/>
+          </a:solidFill>
+          <a:prstDash val="solid"/>
+        </a:ln>
+        <a:ln w="25400" cap="rnd" cmpd="sng" algn="ctr">
           <a:solidFill>
             <a:schemeClr val="phClr"/>
           </a:solidFill>
@@ -3943,42 +7104,25 @@
       </a:lnStyleLst>
       <a:effectStyleLst>
         <a:effectStyle>
+          <a:effectLst/>
+        </a:effectStyle>
+        <a:effectStyle>
           <a:effectLst>
-            <a:outerShdw blurRad="40000" dist="20000" dir="5400000" rotWithShape="0">
+            <a:innerShdw blurRad="25400" dist="12700" dir="13500000">
               <a:srgbClr val="000000">
-                <a:alpha val="38000"/>
+                <a:alpha val="45000"/>
               </a:srgbClr>
-            </a:outerShdw>
+            </a:innerShdw>
           </a:effectLst>
         </a:effectStyle>
         <a:effectStyle>
           <a:effectLst>
-            <a:outerShdw blurRad="40000" dist="23000" dir="5400000" rotWithShape="0">
+            <a:outerShdw blurRad="38100" dist="25400" dir="5400000" rotWithShape="0">
               <a:srgbClr val="000000">
-                <a:alpha val="35000"/>
+                <a:alpha val="60000"/>
               </a:srgbClr>
             </a:outerShdw>
           </a:effectLst>
-        </a:effectStyle>
-        <a:effectStyle>
-          <a:effectLst>
-            <a:outerShdw blurRad="40000" dist="23000" dir="5400000" rotWithShape="0">
-              <a:srgbClr val="000000">
-                <a:alpha val="35000"/>
-              </a:srgbClr>
-            </a:outerShdw>
-          </a:effectLst>
-          <a:scene3d>
-            <a:camera prst="orthographicFront">
-              <a:rot lat="0" lon="0" rev="0"/>
-            </a:camera>
-            <a:lightRig rig="threePt" dir="t">
-              <a:rot lat="0" lon="0" rev="1200000"/>
-            </a:lightRig>
-          </a:scene3d>
-          <a:sp3d>
-            <a:bevelT w="63500" h="25400"/>
-          </a:sp3d>
         </a:effectStyle>
       </a:effectStyleLst>
       <a:bgFillStyleLst>
@@ -3989,90 +7133,32 @@
           <a:gsLst>
             <a:gs pos="0">
               <a:schemeClr val="phClr">
-                <a:tint val="40000"/>
-                <a:satMod val="350000"/>
-              </a:schemeClr>
-            </a:gs>
-            <a:gs pos="40000">
-              <a:schemeClr val="phClr">
-                <a:tint val="45000"/>
-                <a:shade val="99000"/>
-                <a:satMod val="350000"/>
+                <a:tint val="90000"/>
+                <a:lumMod val="110000"/>
               </a:schemeClr>
             </a:gs>
             <a:gs pos="100000">
               <a:schemeClr val="phClr">
-                <a:shade val="20000"/>
-                <a:satMod val="255000"/>
+                <a:shade val="88000"/>
+                <a:lumMod val="98000"/>
               </a:schemeClr>
             </a:gs>
           </a:gsLst>
-          <a:path path="circle">
-            <a:fillToRect l="50000" t="-80000" r="50000" b="180000"/>
-          </a:path>
+          <a:lin ang="5400000" scaled="0"/>
         </a:gradFill>
-        <a:gradFill rotWithShape="1">
-          <a:gsLst>
-            <a:gs pos="0">
-              <a:schemeClr val="phClr">
-                <a:tint val="80000"/>
-                <a:satMod val="300000"/>
-              </a:schemeClr>
-            </a:gs>
-            <a:gs pos="100000">
-              <a:schemeClr val="phClr">
-                <a:shade val="30000"/>
-                <a:satMod val="200000"/>
-              </a:schemeClr>
-            </a:gs>
-          </a:gsLst>
-          <a:path path="circle">
-            <a:fillToRect l="50000" t="50000" r="50000" b="50000"/>
-          </a:path>
-        </a:gradFill>
+        <a:blipFill>
+          <a:blip xmlns:r="http://schemas.openxmlformats.org/officeDocument/2006/relationships" r:embed="rId2"/>
+          <a:stretch/>
+        </a:blipFill>
       </a:bgFillStyleLst>
     </a:fmtScheme>
   </a:themeElements>
-  <a:objectDefaults>
-    <a:spDef>
-      <a:spPr/>
-      <a:bodyPr/>
-      <a:lstStyle/>
-      <a:style>
-        <a:lnRef idx="1">
-          <a:schemeClr val="accent1"/>
-        </a:lnRef>
-        <a:fillRef idx="3">
-          <a:schemeClr val="accent1"/>
-        </a:fillRef>
-        <a:effectRef idx="2">
-          <a:schemeClr val="accent1"/>
-        </a:effectRef>
-        <a:fontRef idx="minor">
-          <a:schemeClr val="lt1"/>
-        </a:fontRef>
-      </a:style>
-    </a:spDef>
-    <a:lnDef>
-      <a:spPr/>
-      <a:bodyPr/>
-      <a:lstStyle/>
-      <a:style>
-        <a:lnRef idx="2">
-          <a:schemeClr val="accent1"/>
-        </a:lnRef>
-        <a:fillRef idx="0">
-          <a:schemeClr val="accent1"/>
-        </a:fillRef>
-        <a:effectRef idx="1">
-          <a:schemeClr val="accent1"/>
-        </a:effectRef>
-        <a:fontRef idx="minor">
-          <a:schemeClr val="tx1"/>
-        </a:fontRef>
-      </a:style>
-    </a:lnDef>
-  </a:objectDefaults>
+  <a:objectDefaults/>
   <a:extraClrSchemeLst/>
+  <a:extLst>
+    <a:ext uri="{05A4C25C-085E-4340-85A3-A5531E510DB2}">
+      <thm15:themeFamily xmlns:thm15="http://schemas.microsoft.com/office/thememl/2012/main" name="Organic" id="{28CDC826-8792-45C0-861B-85EB3ADEDA33}" vid="{7DAC20F1-423D-49E2-BD0B-50532748BAD0}"/>
+    </a:ext>
+  </a:extLst>
 </a:theme>
 </file>